--- a/PPT/(발표자료) 웹 측정 자동화 서비스_너측정에문제있어.pptx
+++ b/PPT/(발표자료) 웹 측정 자동화 서비스_너측정에문제있어.pptx
@@ -1,53 +1,31 @@
 
 <file path=ppt/presentation.xml><?xml version="1.0" encoding="utf-8"?>
-<p:presentation xmlns:a="http://schemas.openxmlformats.org/drawingml/2006/main" xmlns:r="http://schemas.openxmlformats.org/officeDocument/2006/relationships" xmlns:p="http://schemas.openxmlformats.org/presentationml/2006/main" embedTrueTypeFonts="1" saveSubsetFonts="1">
+<p:presentation xmlns:r="http://schemas.openxmlformats.org/officeDocument/2006/relationships" xmlns:c="http://schemas.openxmlformats.org/drawingml/2006/chart" xmlns:a="http://schemas.openxmlformats.org/drawingml/2006/main" xmlns:dgm="http://schemas.openxmlformats.org/drawingml/2006/diagram" xmlns:dsp="http://schemas.microsoft.com/office/drawing/2008/diagram" xmlns:p="http://schemas.openxmlformats.org/presentationml/2006/main">
   <p:sldMasterIdLst>
-    <p:sldMasterId id="2147483826" r:id="rId1"/>
+    <p:sldMasterId id="2147483838" r:id="rId1"/>
   </p:sldMasterIdLst>
   <p:sldIdLst>
     <p:sldId id="256" r:id="rId2"/>
     <p:sldId id="257" r:id="rId3"/>
     <p:sldId id="258" r:id="rId4"/>
-    <p:sldId id="260" r:id="rId5"/>
-    <p:sldId id="261" r:id="rId6"/>
-    <p:sldId id="262" r:id="rId7"/>
-    <p:sldId id="263" r:id="rId8"/>
-    <p:sldId id="264" r:id="rId9"/>
-    <p:sldId id="272" r:id="rId10"/>
-    <p:sldId id="267" r:id="rId11"/>
-    <p:sldId id="276" r:id="rId12"/>
-    <p:sldId id="274" r:id="rId13"/>
-    <p:sldId id="275" r:id="rId14"/>
-    <p:sldId id="265" r:id="rId15"/>
-    <p:sldId id="268" r:id="rId16"/>
-    <p:sldId id="270" r:id="rId17"/>
-    <p:sldId id="271" r:id="rId18"/>
-    <p:sldId id="277" r:id="rId19"/>
+    <p:sldId id="259" r:id="rId5"/>
+    <p:sldId id="260" r:id="rId6"/>
+    <p:sldId id="261" r:id="rId7"/>
+    <p:sldId id="262" r:id="rId8"/>
+    <p:sldId id="263" r:id="rId9"/>
+    <p:sldId id="264" r:id="rId10"/>
+    <p:sldId id="265" r:id="rId11"/>
+    <p:sldId id="266" r:id="rId12"/>
+    <p:sldId id="267" r:id="rId13"/>
+    <p:sldId id="268" r:id="rId14"/>
+    <p:sldId id="269" r:id="rId15"/>
+    <p:sldId id="270" r:id="rId16"/>
+    <p:sldId id="271" r:id="rId17"/>
+    <p:sldId id="272" r:id="rId18"/>
+    <p:sldId id="273" r:id="rId19"/>
   </p:sldIdLst>
   <p:sldSz cx="9144000" cy="6858000" type="screen4x3"/>
   <p:notesSz cx="6858000" cy="9144000"/>
-  <p:embeddedFontLst>
-    <p:embeddedFont>
-      <p:font typeface="-윤고딕140" panose="020B0600000101010101" charset="-127"/>
-      <p:regular r:id="rId20"/>
-    </p:embeddedFont>
-    <p:embeddedFont>
-      <p:font typeface="-탈윤체M" panose="020B0600000101010101" charset="-127"/>
-      <p:regular r:id="rId21"/>
-    </p:embeddedFont>
-    <p:embeddedFont>
-      <p:font typeface="HY견고딕" panose="02030600000101010101" pitchFamily="18" charset="-127"/>
-      <p:regular r:id="rId22"/>
-    </p:embeddedFont>
-    <p:embeddedFont>
-      <p:font typeface="HY헤드라인M" panose="02030600000101010101" pitchFamily="18" charset="-127"/>
-      <p:regular r:id="rId23"/>
-    </p:embeddedFont>
-    <p:embeddedFont>
-      <p:font typeface="휴먼엑스포" panose="02030504000101010101" pitchFamily="18" charset="-127"/>
-      <p:regular r:id="rId24"/>
-    </p:embeddedFont>
-  </p:embeddedFontLst>
   <p:defaultTextStyle>
     <a:defPPr>
       <a:defRPr lang="ko-KR"/>
@@ -63,8 +41,8 @@
         <a:solidFill>
           <a:schemeClr val="tx1"/>
         </a:solidFill>
-        <a:latin typeface="굴림" panose="020B0600000101010101" pitchFamily="50" charset="-127"/>
-        <a:ea typeface="굴림" panose="020B0600000101010101" pitchFamily="50" charset="-127"/>
+        <a:latin typeface="굴림"/>
+        <a:ea typeface="굴림"/>
         <a:cs typeface="+mn-cs"/>
       </a:defRPr>
     </a:lvl1pPr>
@@ -79,8 +57,8 @@
         <a:solidFill>
           <a:schemeClr val="tx1"/>
         </a:solidFill>
-        <a:latin typeface="굴림" panose="020B0600000101010101" pitchFamily="50" charset="-127"/>
-        <a:ea typeface="굴림" panose="020B0600000101010101" pitchFamily="50" charset="-127"/>
+        <a:latin typeface="굴림"/>
+        <a:ea typeface="굴림"/>
         <a:cs typeface="+mn-cs"/>
       </a:defRPr>
     </a:lvl2pPr>
@@ -95,8 +73,8 @@
         <a:solidFill>
           <a:schemeClr val="tx1"/>
         </a:solidFill>
-        <a:latin typeface="굴림" panose="020B0600000101010101" pitchFamily="50" charset="-127"/>
-        <a:ea typeface="굴림" panose="020B0600000101010101" pitchFamily="50" charset="-127"/>
+        <a:latin typeface="굴림"/>
+        <a:ea typeface="굴림"/>
         <a:cs typeface="+mn-cs"/>
       </a:defRPr>
     </a:lvl3pPr>
@@ -111,8 +89,8 @@
         <a:solidFill>
           <a:schemeClr val="tx1"/>
         </a:solidFill>
-        <a:latin typeface="굴림" panose="020B0600000101010101" pitchFamily="50" charset="-127"/>
-        <a:ea typeface="굴림" panose="020B0600000101010101" pitchFamily="50" charset="-127"/>
+        <a:latin typeface="굴림"/>
+        <a:ea typeface="굴림"/>
         <a:cs typeface="+mn-cs"/>
       </a:defRPr>
     </a:lvl4pPr>
@@ -127,8 +105,8 @@
         <a:solidFill>
           <a:schemeClr val="tx1"/>
         </a:solidFill>
-        <a:latin typeface="굴림" panose="020B0600000101010101" pitchFamily="50" charset="-127"/>
-        <a:ea typeface="굴림" panose="020B0600000101010101" pitchFamily="50" charset="-127"/>
+        <a:latin typeface="굴림"/>
+        <a:ea typeface="굴림"/>
         <a:cs typeface="+mn-cs"/>
       </a:defRPr>
     </a:lvl5pPr>
@@ -137,8 +115,8 @@
         <a:solidFill>
           <a:schemeClr val="tx1"/>
         </a:solidFill>
-        <a:latin typeface="굴림" panose="020B0600000101010101" pitchFamily="50" charset="-127"/>
-        <a:ea typeface="굴림" panose="020B0600000101010101" pitchFamily="50" charset="-127"/>
+        <a:latin typeface="굴림"/>
+        <a:ea typeface="굴림"/>
         <a:cs typeface="+mn-cs"/>
       </a:defRPr>
     </a:lvl6pPr>
@@ -147,8 +125,8 @@
         <a:solidFill>
           <a:schemeClr val="tx1"/>
         </a:solidFill>
-        <a:latin typeface="굴림" panose="020B0600000101010101" pitchFamily="50" charset="-127"/>
-        <a:ea typeface="굴림" panose="020B0600000101010101" pitchFamily="50" charset="-127"/>
+        <a:latin typeface="굴림"/>
+        <a:ea typeface="굴림"/>
         <a:cs typeface="+mn-cs"/>
       </a:defRPr>
     </a:lvl7pPr>
@@ -157,8 +135,8 @@
         <a:solidFill>
           <a:schemeClr val="tx1"/>
         </a:solidFill>
-        <a:latin typeface="굴림" panose="020B0600000101010101" pitchFamily="50" charset="-127"/>
-        <a:ea typeface="굴림" panose="020B0600000101010101" pitchFamily="50" charset="-127"/>
+        <a:latin typeface="굴림"/>
+        <a:ea typeface="굴림"/>
         <a:cs typeface="+mn-cs"/>
       </a:defRPr>
     </a:lvl8pPr>
@@ -167,28 +145,12 @@
         <a:solidFill>
           <a:schemeClr val="tx1"/>
         </a:solidFill>
-        <a:latin typeface="굴림" panose="020B0600000101010101" pitchFamily="50" charset="-127"/>
-        <a:ea typeface="굴림" panose="020B0600000101010101" pitchFamily="50" charset="-127"/>
+        <a:latin typeface="굴림"/>
+        <a:ea typeface="굴림"/>
         <a:cs typeface="+mn-cs"/>
       </a:defRPr>
     </a:lvl9pPr>
   </p:defaultTextStyle>
-  <p:extLst>
-    <p:ext uri="{EFAFB233-063F-42B5-8137-9DF3F51BA10A}">
-      <p15:sldGuideLst xmlns:p15="http://schemas.microsoft.com/office/powerpoint/2012/main">
-        <p15:guide id="1" orient="horz" pos="2160">
-          <p15:clr>
-            <a:srgbClr val="A4A3A4"/>
-          </p15:clr>
-        </p15:guide>
-        <p15:guide id="2" pos="2880">
-          <p15:clr>
-            <a:srgbClr val="A4A3A4"/>
-          </p15:clr>
-        </p15:guide>
-      </p15:sldGuideLst>
-    </p:ext>
-  </p:extLst>
 </p:presentation>
 </file>
 
@@ -4858,7 +4820,7 @@
 </file>
 
 <file path=ppt/slides/slide12.xml><?xml version="1.0" encoding="utf-8"?>
-<p:sld xmlns:a="http://schemas.openxmlformats.org/drawingml/2006/main" xmlns:r="http://schemas.openxmlformats.org/officeDocument/2006/relationships" xmlns:p="http://schemas.openxmlformats.org/presentationml/2006/main">
+<p:sld xmlns:r="http://schemas.openxmlformats.org/officeDocument/2006/relationships" xmlns:c="http://schemas.openxmlformats.org/drawingml/2006/chart" xmlns:a="http://schemas.openxmlformats.org/drawingml/2006/main" xmlns:dgm="http://schemas.openxmlformats.org/drawingml/2006/diagram" xmlns:dsp="http://schemas.microsoft.com/office/drawing/2008/diagram" xmlns:p="http://schemas.openxmlformats.org/presentationml/2006/main">
   <p:cSld>
     <p:spTree>
       <p:nvGrpSpPr>
@@ -4876,19 +4838,13 @@
       </p:grpSpPr>
       <p:sp>
         <p:nvSpPr>
-          <p:cNvPr id="3" name="AutoShape 1030">
-            <a:extLst>
-              <a:ext uri="{FF2B5EF4-FFF2-40B4-BE49-F238E27FC236}">
-                <a16:creationId xmlns:a16="http://schemas.microsoft.com/office/drawing/2014/main" id="{C2C48DAD-45F0-485D-A45C-F40764011C78}"/>
-              </a:ext>
-            </a:extLst>
-          </p:cNvPr>
+          <p:cNvPr id="3" name="AutoShape 1030"/>
           <p:cNvSpPr>
             <a:spLocks noChangeArrowheads="1"/>
           </p:cNvSpPr>
           <p:nvPr/>
         </p:nvSpPr>
-        <p:spPr bwMode="auto">
+        <p:spPr>
           <a:xfrm>
             <a:off x="323528" y="260648"/>
             <a:ext cx="2664296" cy="504825"/>
@@ -4903,63 +4859,50 @@
           </a:solidFill>
           <a:ln w="38100">
             <a:solidFill>
-              <a:srgbClr val="C0C0C0"/>
+              <a:srgbClr val="c0c0c0"/>
             </a:solidFill>
             <a:round/>
-            <a:headEnd/>
-            <a:tailEnd/>
           </a:ln>
           <a:effectLst/>
-          <a:extLst>
-            <a:ext uri="{AF507438-7753-43E0-B8FC-AC1667EBCBE1}">
-              <a14:hiddenEffects xmlns:a14="http://schemas.microsoft.com/office/drawing/2010/main">
-                <a:effectLst>
-                  <a:outerShdw dist="35921" dir="2700000" algn="ctr" rotWithShape="0">
-                    <a:schemeClr val="bg2"/>
-                  </a:outerShdw>
-                </a:effectLst>
-              </a14:hiddenEffects>
-            </a:ext>
-          </a:extLst>
         </p:spPr>
         <p:txBody>
           <a:bodyPr wrap="none" anchor="ctr"/>
           <a:lstStyle/>
           <a:p>
-            <a:pPr algn="ctr"/>
-            <a:r>
-              <a:rPr lang="en-US" altLang="ko-KR" dirty="0">
-                <a:latin typeface="HY견고딕" panose="02030600000101010101" pitchFamily="18" charset="-127"/>
-                <a:ea typeface="HY견고딕" panose="02030600000101010101" pitchFamily="18" charset="-127"/>
+            <a:pPr algn="ctr">
+              <a:defRPr/>
+            </a:pPr>
+            <a:r>
+              <a:rPr lang="en-US" altLang="ko-KR">
+                <a:latin typeface="HY견고딕"/>
+                <a:ea typeface="HY견고딕"/>
               </a:rPr>
               <a:t>3</a:t>
             </a:r>
             <a:r>
-              <a:rPr lang="en-US" altLang="ko-KR" sz="2400" dirty="0">
-                <a:latin typeface="HY견고딕" panose="02030600000101010101" pitchFamily="18" charset="-127"/>
-                <a:ea typeface="HY견고딕" panose="02030600000101010101" pitchFamily="18" charset="-127"/>
+              <a:rPr lang="en-US" altLang="ko-KR" sz="2400">
+                <a:latin typeface="HY견고딕"/>
+                <a:ea typeface="HY견고딕"/>
               </a:rPr>
               <a:t>.</a:t>
             </a:r>
             <a:r>
-              <a:rPr lang="ko-KR" altLang="en-US" sz="2400" dirty="0">
-                <a:latin typeface="HY견고딕" panose="02030600000101010101" pitchFamily="18" charset="-127"/>
-                <a:ea typeface="HY견고딕" panose="02030600000101010101" pitchFamily="18" charset="-127"/>
+              <a:rPr lang="ko-KR" altLang="en-US" sz="2400">
+                <a:latin typeface="HY견고딕"/>
+                <a:ea typeface="HY견고딕"/>
               </a:rPr>
               <a:t> 개발현황</a:t>
             </a:r>
+            <a:endParaRPr lang="ko-KR" altLang="en-US" sz="2400">
+              <a:latin typeface="HY견고딕"/>
+              <a:ea typeface="HY견고딕"/>
+            </a:endParaRPr>
           </a:p>
         </p:txBody>
       </p:sp>
       <p:sp>
         <p:nvSpPr>
-          <p:cNvPr id="5" name="TextBox 4">
-            <a:extLst>
-              <a:ext uri="{FF2B5EF4-FFF2-40B4-BE49-F238E27FC236}">
-                <a16:creationId xmlns:a16="http://schemas.microsoft.com/office/drawing/2014/main" id="{F4F068BC-C6D5-4624-94E8-83D628079E9E}"/>
-              </a:ext>
-            </a:extLst>
-          </p:cNvPr>
+          <p:cNvPr id="5" name="TextBox 4"/>
           <p:cNvSpPr txBox="1"/>
           <p:nvPr/>
         </p:nvSpPr>
@@ -4974,30 +4917,31 @@
           <a:noFill/>
         </p:spPr>
         <p:txBody>
-          <a:bodyPr wrap="square" rtlCol="0">
+          <a:bodyPr wrap="square">
             <a:spAutoFit/>
           </a:bodyPr>
           <a:lstStyle/>
           <a:p>
-            <a:r>
-              <a:rPr lang="ko-KR" altLang="en-US" sz="3200" dirty="0">
-                <a:latin typeface="HY견고딕" panose="02030600000101010101" pitchFamily="18" charset="-127"/>
-                <a:ea typeface="HY견고딕" panose="02030600000101010101" pitchFamily="18" charset="-127"/>
+            <a:pPr lvl="0">
+              <a:defRPr/>
+            </a:pPr>
+            <a:r>
+              <a:rPr lang="ko-KR" altLang="en-US" sz="3200">
+                <a:latin typeface="HY견고딕"/>
+                <a:ea typeface="HY견고딕"/>
               </a:rPr>
               <a:t>관리자 인터페이스</a:t>
             </a:r>
+            <a:endParaRPr lang="ko-KR" altLang="en-US" sz="3200">
+              <a:latin typeface="HY견고딕"/>
+              <a:ea typeface="HY견고딕"/>
+            </a:endParaRPr>
           </a:p>
         </p:txBody>
       </p:sp>
       <p:sp>
         <p:nvSpPr>
-          <p:cNvPr id="2" name="TextBox 1">
-            <a:extLst>
-              <a:ext uri="{FF2B5EF4-FFF2-40B4-BE49-F238E27FC236}">
-                <a16:creationId xmlns:a16="http://schemas.microsoft.com/office/drawing/2014/main" id="{4B634E07-C51D-499B-A935-0A24BE937A47}"/>
-              </a:ext>
-            </a:extLst>
-          </p:cNvPr>
+          <p:cNvPr id="2" name="TextBox 1"/>
           <p:cNvSpPr txBox="1"/>
           <p:nvPr/>
         </p:nvSpPr>
@@ -5012,99 +4956,87 @@
           <a:noFill/>
         </p:spPr>
         <p:txBody>
-          <a:bodyPr wrap="square" rtlCol="0">
+          <a:bodyPr wrap="square">
             <a:spAutoFit/>
           </a:bodyPr>
           <a:lstStyle/>
           <a:p>
-            <a:r>
-              <a:rPr lang="ko-KR" altLang="en-US" sz="1800" dirty="0">
-                <a:latin typeface="HY견고딕" panose="02030600000101010101" pitchFamily="18" charset="-127"/>
-                <a:ea typeface="HY견고딕" panose="02030600000101010101" pitchFamily="18" charset="-127"/>
+            <a:pPr lvl="0">
+              <a:defRPr/>
+            </a:pPr>
+            <a:r>
+              <a:rPr lang="ko-KR" altLang="en-US" sz="1800">
+                <a:latin typeface="HY견고딕"/>
+                <a:ea typeface="HY견고딕"/>
               </a:rPr>
               <a:t>기능 </a:t>
             </a:r>
             <a:r>
-              <a:rPr lang="en-US" altLang="ko-KR" sz="1800" dirty="0">
-                <a:latin typeface="HY견고딕" panose="02030600000101010101" pitchFamily="18" charset="-127"/>
-                <a:ea typeface="HY견고딕" panose="02030600000101010101" pitchFamily="18" charset="-127"/>
+              <a:rPr lang="en-US" altLang="ko-KR" sz="1800">
+                <a:latin typeface="HY견고딕"/>
+                <a:ea typeface="HY견고딕"/>
               </a:rPr>
               <a:t>: </a:t>
             </a:r>
             <a:r>
-              <a:rPr lang="ko-KR" altLang="en-US" sz="1800" dirty="0">
-                <a:latin typeface="HY견고딕" panose="02030600000101010101" pitchFamily="18" charset="-127"/>
-                <a:ea typeface="HY견고딕" panose="02030600000101010101" pitchFamily="18" charset="-127"/>
+              <a:rPr lang="ko-KR" altLang="en-US" sz="1800">
+                <a:latin typeface="HY견고딕"/>
+                <a:ea typeface="HY견고딕"/>
               </a:rPr>
               <a:t>실시간 장비 제어</a:t>
             </a:r>
             <a:r>
-              <a:rPr lang="en-US" altLang="ko-KR" sz="1800" dirty="0">
-                <a:latin typeface="HY견고딕" panose="02030600000101010101" pitchFamily="18" charset="-127"/>
-                <a:ea typeface="HY견고딕" panose="02030600000101010101" pitchFamily="18" charset="-127"/>
+              <a:rPr lang="en-US" altLang="ko-KR" sz="1800">
+                <a:latin typeface="HY견고딕"/>
+                <a:ea typeface="HY견고딕"/>
               </a:rPr>
               <a:t>, </a:t>
             </a:r>
             <a:r>
-              <a:rPr lang="ko-KR" altLang="en-US" sz="1800" dirty="0">
-                <a:latin typeface="HY견고딕" panose="02030600000101010101" pitchFamily="18" charset="-127"/>
-                <a:ea typeface="HY견고딕" panose="02030600000101010101" pitchFamily="18" charset="-127"/>
+              <a:rPr lang="ko-KR" altLang="en-US" sz="1800">
+                <a:latin typeface="HY견고딕"/>
+                <a:ea typeface="HY견고딕"/>
               </a:rPr>
               <a:t>사용자와 채팅</a:t>
             </a:r>
             <a:r>
-              <a:rPr lang="en-US" altLang="ko-KR" sz="1800" dirty="0">
-                <a:latin typeface="HY견고딕" panose="02030600000101010101" pitchFamily="18" charset="-127"/>
-                <a:ea typeface="HY견고딕" panose="02030600000101010101" pitchFamily="18" charset="-127"/>
+              <a:rPr lang="en-US" altLang="ko-KR" sz="1800">
+                <a:latin typeface="HY견고딕"/>
+                <a:ea typeface="HY견고딕"/>
               </a:rPr>
               <a:t>, </a:t>
             </a:r>
             <a:r>
-              <a:rPr lang="ko-KR" altLang="en-US" sz="1800" dirty="0">
-                <a:latin typeface="HY견고딕" panose="02030600000101010101" pitchFamily="18" charset="-127"/>
-                <a:ea typeface="HY견고딕" panose="02030600000101010101" pitchFamily="18" charset="-127"/>
+              <a:rPr lang="ko-KR" altLang="en-US" sz="1800">
+                <a:latin typeface="HY견고딕"/>
+                <a:ea typeface="HY견고딕"/>
               </a:rPr>
               <a:t>측정결과 저장 등 대표</a:t>
             </a:r>
             <a:r>
-              <a:rPr lang="en-US" altLang="ko-KR" sz="1800" dirty="0">
-                <a:latin typeface="HY견고딕" panose="02030600000101010101" pitchFamily="18" charset="-127"/>
-                <a:ea typeface="HY견고딕" panose="02030600000101010101" pitchFamily="18" charset="-127"/>
+              <a:rPr lang="en-US" altLang="ko-KR" sz="1800">
+                <a:latin typeface="HY견고딕"/>
+                <a:ea typeface="HY견고딕"/>
               </a:rPr>
               <a:t> </a:t>
             </a:r>
-            <a:endParaRPr lang="ko-KR" altLang="en-US" sz="1800" dirty="0">
-              <a:latin typeface="HY견고딕" panose="02030600000101010101" pitchFamily="18" charset="-127"/>
-              <a:ea typeface="HY견고딕" panose="02030600000101010101" pitchFamily="18" charset="-127"/>
+            <a:endParaRPr lang="ko-KR" altLang="en-US" sz="1800">
+              <a:latin typeface="HY견고딕"/>
+              <a:ea typeface="HY견고딕"/>
             </a:endParaRPr>
           </a:p>
         </p:txBody>
       </p:sp>
       <p:pic>
         <p:nvPicPr>
-          <p:cNvPr id="7" name="그래픽 6" descr="왼쪽으로 굽은 화살표">
-            <a:extLst>
-              <a:ext uri="{FF2B5EF4-FFF2-40B4-BE49-F238E27FC236}">
-                <a16:creationId xmlns:a16="http://schemas.microsoft.com/office/drawing/2014/main" id="{2644CE22-65BB-46A8-B938-5795F23BF504}"/>
-              </a:ext>
-            </a:extLst>
-          </p:cNvPr>
+          <p:cNvPr id="7" name="그래픽 6" descr="왼쪽으로 굽은 화살표"/>
           <p:cNvPicPr>
             <a:picLocks noChangeAspect="1"/>
           </p:cNvPicPr>
           <p:nvPr/>
         </p:nvPicPr>
-        <p:blipFill>
-          <a:blip r:embed="rId2">
-            <a:extLst>
-              <a:ext uri="{28A0092B-C50C-407E-A947-70E740481C1C}">
-                <a14:useLocalDpi xmlns:a14="http://schemas.microsoft.com/office/drawing/2010/main" val="0"/>
-              </a:ext>
-              <a:ext uri="{96DAC541-7B7A-43D3-8B79-37D633B846F1}">
-                <asvg:svgBlip xmlns:asvg="http://schemas.microsoft.com/office/drawing/2016/SVG/main" r:embed="rId3"/>
-              </a:ext>
-            </a:extLst>
-          </a:blip>
+        <p:blipFill rotWithShape="1">
+          <a:blip r:embed="rId2"/>
           <a:stretch>
             <a:fillRect/>
           </a:stretch>
@@ -5121,28 +5053,20 @@
       </p:pic>
       <p:pic>
         <p:nvPicPr>
-          <p:cNvPr id="4" name="그림 3">
-            <a:extLst>
-              <a:ext uri="{FF2B5EF4-FFF2-40B4-BE49-F238E27FC236}">
-                <a16:creationId xmlns:a16="http://schemas.microsoft.com/office/drawing/2014/main" id="{F1E80160-1F34-43E3-809C-B9E6DA9DE31D}"/>
-              </a:ext>
-            </a:extLst>
-          </p:cNvPr>
-          <p:cNvPicPr>
-            <a:picLocks noChangeAspect="1"/>
-          </p:cNvPicPr>
+          <p:cNvPr id="8" name=""/>
+          <p:cNvPicPr/>
           <p:nvPr/>
         </p:nvPicPr>
-        <p:blipFill>
-          <a:blip r:embed="rId4"/>
+        <p:blipFill rotWithShape="1">
+          <a:blip r:embed="rId3"/>
           <a:stretch>
             <a:fillRect/>
           </a:stretch>
         </p:blipFill>
         <p:spPr>
           <a:xfrm>
-            <a:off x="1038442" y="2727252"/>
-            <a:ext cx="7063874" cy="3600000"/>
+            <a:off x="1036929" y="2725540"/>
+            <a:ext cx="7063723" cy="3600090"/>
           </a:xfrm>
           <a:prstGeom prst="rect">
             <a:avLst/>
@@ -5150,15 +5074,18 @@
         </p:spPr>
       </p:pic>
     </p:spTree>
-    <p:extLst>
-      <p:ext uri="{BB962C8B-B14F-4D97-AF65-F5344CB8AC3E}">
-        <p14:creationId xmlns:p14="http://schemas.microsoft.com/office/powerpoint/2010/main" val="641350184"/>
-      </p:ext>
-    </p:extLst>
   </p:cSld>
   <p:clrMapOvr>
     <a:masterClrMapping/>
   </p:clrMapOvr>
+  <mc:AlternateContent xmlns:mc="http://schemas.openxmlformats.org/markup-compatibility/2006">
+    <mc:Choice xmlns:p14="http://schemas.microsoft.com/office/powerpoint/2010/main" Requires="p14">
+      <p:transition xmlns:mc="http://schemas.openxmlformats.org/markup-compatibility/2006" xmlns:p14="http://schemas.microsoft.com/office/powerpoint/2010/main" mc:Ignorable="p14" p14:dur="500"/>
+    </mc:Choice>
+    <mc:Fallback>
+      <p:transition/>
+    </mc:Fallback>
+  </mc:AlternateContent>
 </p:sld>
 </file>
 
@@ -21434,14 +21361,14 @@
 </file>
 
 <file path=ppt/theme/theme1.xml><?xml version="1.0" encoding="utf-8"?>
-<a:theme xmlns:a="http://schemas.openxmlformats.org/drawingml/2006/main" name="B172">
+<a:theme xmlns:r="http://schemas.openxmlformats.org/officeDocument/2006/relationships" xmlns:c="http://schemas.openxmlformats.org/drawingml/2006/chart" xmlns:dgm="http://schemas.openxmlformats.org/drawingml/2006/diagram" xmlns:dsp="http://schemas.microsoft.com/office/drawing/2008/diagram" xmlns:a="http://schemas.openxmlformats.org/drawingml/2006/main" xmlns:pic="http://schemas.openxmlformats.org/drawingml/2006/picture" xmlns:wp="http://schemas.openxmlformats.org/drawingml/2006/wordprocessingDrawing" xmlns:xdr="http://schemas.openxmlformats.org/drawingml/2006/spreadsheetDrawing" xmlns:lc="http://schemas.openxmlformats.org/drawingml/2006/lockedCanvas" xmlns:p="http://schemas.openxmlformats.org/presentationml/2006/main" name="B172">
   <a:themeElements>
     <a:clrScheme name="B172 2">
       <a:dk1>
         <a:srgbClr val="000000"/>
       </a:dk1>
       <a:lt1>
-        <a:srgbClr val="FFFFFF"/>
+        <a:srgbClr val="ffffff"/>
       </a:lt1>
       <a:dk2>
         <a:srgbClr val="000000"/>
@@ -21450,28 +21377,28 @@
         <a:srgbClr val="808080"/>
       </a:lt2>
       <a:accent1>
-        <a:srgbClr val="00CC99"/>
+        <a:srgbClr val="00cc99"/>
       </a:accent1>
       <a:accent2>
-        <a:srgbClr val="3333CC"/>
+        <a:srgbClr val="3333cc"/>
       </a:accent2>
       <a:accent3>
-        <a:srgbClr val="FFFFFF"/>
+        <a:srgbClr val="ffffff"/>
       </a:accent3>
       <a:accent4>
         <a:srgbClr val="000000"/>
       </a:accent4>
       <a:accent5>
-        <a:srgbClr val="AAE2CA"/>
+        <a:srgbClr val="aae2ca"/>
       </a:accent5>
       <a:accent6>
-        <a:srgbClr val="2D2DB9"/>
+        <a:srgbClr val="2d2db9"/>
       </a:accent6>
       <a:hlink>
-        <a:srgbClr val="CCCCFF"/>
+        <a:srgbClr val="ccccff"/>
       </a:hlink>
       <a:folHlink>
-        <a:srgbClr val="B2B2B2"/>
+        <a:srgbClr val="b2b2b2"/>
       </a:folHlink>
     </a:clrScheme>
     <a:fontScheme name="B172">
@@ -21550,21 +21477,21 @@
             <a:schemeClr val="phClr"/>
           </a:solidFill>
           <a:prstDash val="solid"/>
-          <a:miter lim="800000"/>
+          <a:miter/>
         </a:ln>
         <a:ln w="12700" cap="flat" cmpd="sng" algn="ctr">
           <a:solidFill>
             <a:schemeClr val="phClr"/>
           </a:solidFill>
           <a:prstDash val="solid"/>
-          <a:miter lim="800000"/>
+          <a:miter/>
         </a:ln>
         <a:ln w="19050" cap="flat" cmpd="sng" algn="ctr">
           <a:solidFill>
             <a:schemeClr val="phClr"/>
           </a:solidFill>
           <a:prstDash val="solid"/>
-          <a:miter lim="800000"/>
+          <a:miter/>
         </a:ln>
       </a:lnStyleLst>
       <a:effectStyleLst>
@@ -21624,300 +21551,5 @@
       </a:bgFillStyleLst>
     </a:fmtScheme>
   </a:themeElements>
-  <a:objectDefaults/>
-  <a:extraClrSchemeLst>
-    <a:extraClrScheme>
-      <a:clrScheme name="B172 1">
-        <a:dk1>
-          <a:srgbClr val="000000"/>
-        </a:dk1>
-        <a:lt1>
-          <a:srgbClr val="FFFFFF"/>
-        </a:lt1>
-        <a:dk2>
-          <a:srgbClr val="0000FF"/>
-        </a:dk2>
-        <a:lt2>
-          <a:srgbClr val="FFFF00"/>
-        </a:lt2>
-        <a:accent1>
-          <a:srgbClr val="FF9900"/>
-        </a:accent1>
-        <a:accent2>
-          <a:srgbClr val="00FFFF"/>
-        </a:accent2>
-        <a:accent3>
-          <a:srgbClr val="AAAAFF"/>
-        </a:accent3>
-        <a:accent4>
-          <a:srgbClr val="DADADA"/>
-        </a:accent4>
-        <a:accent5>
-          <a:srgbClr val="FFCAAA"/>
-        </a:accent5>
-        <a:accent6>
-          <a:srgbClr val="00E7E7"/>
-        </a:accent6>
-        <a:hlink>
-          <a:srgbClr val="FF0000"/>
-        </a:hlink>
-        <a:folHlink>
-          <a:srgbClr val="969696"/>
-        </a:folHlink>
-      </a:clrScheme>
-      <a:clrMap bg1="dk2" tx1="lt1" bg2="dk1" tx2="lt2" accent1="accent1" accent2="accent2" accent3="accent3" accent4="accent4" accent5="accent5" accent6="accent6" hlink="hlink" folHlink="folHlink"/>
-    </a:extraClrScheme>
-    <a:extraClrScheme>
-      <a:clrScheme name="B172 2">
-        <a:dk1>
-          <a:srgbClr val="000000"/>
-        </a:dk1>
-        <a:lt1>
-          <a:srgbClr val="FFFFFF"/>
-        </a:lt1>
-        <a:dk2>
-          <a:srgbClr val="000000"/>
-        </a:dk2>
-        <a:lt2>
-          <a:srgbClr val="808080"/>
-        </a:lt2>
-        <a:accent1>
-          <a:srgbClr val="00CC99"/>
-        </a:accent1>
-        <a:accent2>
-          <a:srgbClr val="3333CC"/>
-        </a:accent2>
-        <a:accent3>
-          <a:srgbClr val="FFFFFF"/>
-        </a:accent3>
-        <a:accent4>
-          <a:srgbClr val="000000"/>
-        </a:accent4>
-        <a:accent5>
-          <a:srgbClr val="AAE2CA"/>
-        </a:accent5>
-        <a:accent6>
-          <a:srgbClr val="2D2DB9"/>
-        </a:accent6>
-        <a:hlink>
-          <a:srgbClr val="CCCCFF"/>
-        </a:hlink>
-        <a:folHlink>
-          <a:srgbClr val="B2B2B2"/>
-        </a:folHlink>
-      </a:clrScheme>
-      <a:clrMap bg1="lt1" tx1="dk1" bg2="lt2" tx2="dk2" accent1="accent1" accent2="accent2" accent3="accent3" accent4="accent4" accent5="accent5" accent6="accent6" hlink="hlink" folHlink="folHlink"/>
-    </a:extraClrScheme>
-    <a:extraClrScheme>
-      <a:clrScheme name="B172 3">
-        <a:dk1>
-          <a:srgbClr val="000000"/>
-        </a:dk1>
-        <a:lt1>
-          <a:srgbClr val="FFFFFF"/>
-        </a:lt1>
-        <a:dk2>
-          <a:srgbClr val="000000"/>
-        </a:dk2>
-        <a:lt2>
-          <a:srgbClr val="333333"/>
-        </a:lt2>
-        <a:accent1>
-          <a:srgbClr val="DDDDDD"/>
-        </a:accent1>
-        <a:accent2>
-          <a:srgbClr val="808080"/>
-        </a:accent2>
-        <a:accent3>
-          <a:srgbClr val="FFFFFF"/>
-        </a:accent3>
-        <a:accent4>
-          <a:srgbClr val="000000"/>
-        </a:accent4>
-        <a:accent5>
-          <a:srgbClr val="EBEBEB"/>
-        </a:accent5>
-        <a:accent6>
-          <a:srgbClr val="737373"/>
-        </a:accent6>
-        <a:hlink>
-          <a:srgbClr val="4D4D4D"/>
-        </a:hlink>
-        <a:folHlink>
-          <a:srgbClr val="EAEAEA"/>
-        </a:folHlink>
-      </a:clrScheme>
-      <a:clrMap bg1="lt1" tx1="dk1" bg2="lt2" tx2="dk2" accent1="accent1" accent2="accent2" accent3="accent3" accent4="accent4" accent5="accent5" accent6="accent6" hlink="hlink" folHlink="folHlink"/>
-    </a:extraClrScheme>
-    <a:extraClrScheme>
-      <a:clrScheme name="B172 4">
-        <a:dk1>
-          <a:srgbClr val="000000"/>
-        </a:dk1>
-        <a:lt1>
-          <a:srgbClr val="FFFFCC"/>
-        </a:lt1>
-        <a:dk2>
-          <a:srgbClr val="808000"/>
-        </a:dk2>
-        <a:lt2>
-          <a:srgbClr val="666633"/>
-        </a:lt2>
-        <a:accent1>
-          <a:srgbClr val="339933"/>
-        </a:accent1>
-        <a:accent2>
-          <a:srgbClr val="800000"/>
-        </a:accent2>
-        <a:accent3>
-          <a:srgbClr val="FFFFE2"/>
-        </a:accent3>
-        <a:accent4>
-          <a:srgbClr val="000000"/>
-        </a:accent4>
-        <a:accent5>
-          <a:srgbClr val="ADCAAD"/>
-        </a:accent5>
-        <a:accent6>
-          <a:srgbClr val="730000"/>
-        </a:accent6>
-        <a:hlink>
-          <a:srgbClr val="0033CC"/>
-        </a:hlink>
-        <a:folHlink>
-          <a:srgbClr val="FFCC66"/>
-        </a:folHlink>
-      </a:clrScheme>
-      <a:clrMap bg1="lt1" tx1="dk1" bg2="lt2" tx2="dk2" accent1="accent1" accent2="accent2" accent3="accent3" accent4="accent4" accent5="accent5" accent6="accent6" hlink="hlink" folHlink="folHlink"/>
-    </a:extraClrScheme>
-    <a:extraClrScheme>
-      <a:clrScheme name="B172 5">
-        <a:dk1>
-          <a:srgbClr val="000000"/>
-        </a:dk1>
-        <a:lt1>
-          <a:srgbClr val="FFFFFF"/>
-        </a:lt1>
-        <a:dk2>
-          <a:srgbClr val="000000"/>
-        </a:dk2>
-        <a:lt2>
-          <a:srgbClr val="808080"/>
-        </a:lt2>
-        <a:accent1>
-          <a:srgbClr val="FFCC66"/>
-        </a:accent1>
-        <a:accent2>
-          <a:srgbClr val="0000FF"/>
-        </a:accent2>
-        <a:accent3>
-          <a:srgbClr val="FFFFFF"/>
-        </a:accent3>
-        <a:accent4>
-          <a:srgbClr val="000000"/>
-        </a:accent4>
-        <a:accent5>
-          <a:srgbClr val="FFE2B8"/>
-        </a:accent5>
-        <a:accent6>
-          <a:srgbClr val="0000E7"/>
-        </a:accent6>
-        <a:hlink>
-          <a:srgbClr val="CC00CC"/>
-        </a:hlink>
-        <a:folHlink>
-          <a:srgbClr val="C0C0C0"/>
-        </a:folHlink>
-      </a:clrScheme>
-      <a:clrMap bg1="lt1" tx1="dk1" bg2="lt2" tx2="dk2" accent1="accent1" accent2="accent2" accent3="accent3" accent4="accent4" accent5="accent5" accent6="accent6" hlink="hlink" folHlink="folHlink"/>
-    </a:extraClrScheme>
-    <a:extraClrScheme>
-      <a:clrScheme name="B172 6">
-        <a:dk1>
-          <a:srgbClr val="000000"/>
-        </a:dk1>
-        <a:lt1>
-          <a:srgbClr val="FFFFFF"/>
-        </a:lt1>
-        <a:dk2>
-          <a:srgbClr val="000000"/>
-        </a:dk2>
-        <a:lt2>
-          <a:srgbClr val="808080"/>
-        </a:lt2>
-        <a:accent1>
-          <a:srgbClr val="C0C0C0"/>
-        </a:accent1>
-        <a:accent2>
-          <a:srgbClr val="0066FF"/>
-        </a:accent2>
-        <a:accent3>
-          <a:srgbClr val="FFFFFF"/>
-        </a:accent3>
-        <a:accent4>
-          <a:srgbClr val="000000"/>
-        </a:accent4>
-        <a:accent5>
-          <a:srgbClr val="DCDCDC"/>
-        </a:accent5>
-        <a:accent6>
-          <a:srgbClr val="005CE7"/>
-        </a:accent6>
-        <a:hlink>
-          <a:srgbClr val="FF0000"/>
-        </a:hlink>
-        <a:folHlink>
-          <a:srgbClr val="009900"/>
-        </a:folHlink>
-      </a:clrScheme>
-      <a:clrMap bg1="lt1" tx1="dk1" bg2="lt2" tx2="dk2" accent1="accent1" accent2="accent2" accent3="accent3" accent4="accent4" accent5="accent5" accent6="accent6" hlink="hlink" folHlink="folHlink"/>
-    </a:extraClrScheme>
-    <a:extraClrScheme>
-      <a:clrScheme name="B172 7">
-        <a:dk1>
-          <a:srgbClr val="000000"/>
-        </a:dk1>
-        <a:lt1>
-          <a:srgbClr val="FFFFFF"/>
-        </a:lt1>
-        <a:dk2>
-          <a:srgbClr val="000000"/>
-        </a:dk2>
-        <a:lt2>
-          <a:srgbClr val="808080"/>
-        </a:lt2>
-        <a:accent1>
-          <a:srgbClr val="3399FF"/>
-        </a:accent1>
-        <a:accent2>
-          <a:srgbClr val="99FFCC"/>
-        </a:accent2>
-        <a:accent3>
-          <a:srgbClr val="FFFFFF"/>
-        </a:accent3>
-        <a:accent4>
-          <a:srgbClr val="000000"/>
-        </a:accent4>
-        <a:accent5>
-          <a:srgbClr val="ADCAFF"/>
-        </a:accent5>
-        <a:accent6>
-          <a:srgbClr val="8AE7B9"/>
-        </a:accent6>
-        <a:hlink>
-          <a:srgbClr val="CC00CC"/>
-        </a:hlink>
-        <a:folHlink>
-          <a:srgbClr val="B2B2B2"/>
-        </a:folHlink>
-      </a:clrScheme>
-      <a:clrMap bg1="lt1" tx1="dk1" bg2="lt2" tx2="dk2" accent1="accent1" accent2="accent2" accent3="accent3" accent4="accent4" accent5="accent5" accent6="accent6" hlink="hlink" folHlink="folHlink"/>
-    </a:extraClrScheme>
-  </a:extraClrSchemeLst>
-  <a:extLst>
-    <a:ext uri="{05A4C25C-085E-4340-85A3-A5531E510DB2}">
-      <thm15:themeFamily xmlns:thm15="http://schemas.microsoft.com/office/thememl/2012/main" name="Office Theme" id="{62F939B6-93AF-4DB8-9C6B-D6C7DFDC589F}" vid="{4A3C46E8-61CC-4603-A589-7422A47A8E4A}"/>
-    </a:ext>
-  </a:extLst>
 </a:theme>
 </file>
--- a/PPT/(발표자료) 웹 측정 자동화 서비스_너측정에문제있어.pptx
+++ b/PPT/(발표자료) 웹 측정 자동화 서비스_너측정에문제있어.pptx
@@ -2,7 +2,7 @@
 <file path=ppt/presentation.xml><?xml version="1.0" encoding="utf-8"?>
 <p:presentation xmlns:r="http://schemas.openxmlformats.org/officeDocument/2006/relationships" xmlns:c="http://schemas.openxmlformats.org/drawingml/2006/chart" xmlns:a="http://schemas.openxmlformats.org/drawingml/2006/main" xmlns:dgm="http://schemas.openxmlformats.org/drawingml/2006/diagram" xmlns:dsp="http://schemas.microsoft.com/office/drawing/2008/diagram" xmlns:p="http://schemas.openxmlformats.org/presentationml/2006/main">
   <p:sldMasterIdLst>
-    <p:sldMasterId id="2147483838" r:id="rId1"/>
+    <p:sldMasterId id="2147483839" r:id="rId1"/>
   </p:sldMasterIdLst>
   <p:sldIdLst>
     <p:sldId id="256" r:id="rId2"/>
@@ -8373,7 +8373,7 @@
 </file>
 
 <file path=ppt/slides/slide3.xml><?xml version="1.0" encoding="utf-8"?>
-<p:sld xmlns:a="http://schemas.openxmlformats.org/drawingml/2006/main" xmlns:r="http://schemas.openxmlformats.org/officeDocument/2006/relationships" xmlns:p="http://schemas.openxmlformats.org/presentationml/2006/main">
+<p:sld xmlns:r="http://schemas.openxmlformats.org/officeDocument/2006/relationships" xmlns:c="http://schemas.openxmlformats.org/drawingml/2006/chart" xmlns:a="http://schemas.openxmlformats.org/drawingml/2006/main" xmlns:dgm="http://schemas.openxmlformats.org/drawingml/2006/diagram" xmlns:dsp="http://schemas.microsoft.com/office/drawing/2008/diagram" xmlns:p="http://schemas.openxmlformats.org/presentationml/2006/main">
   <p:cSld>
     <p:spTree>
       <p:nvGrpSpPr>
@@ -8391,19 +8391,13 @@
       </p:grpSpPr>
       <p:sp>
         <p:nvSpPr>
-          <p:cNvPr id="3" name="AutoShape 1030">
-            <a:extLst>
-              <a:ext uri="{FF2B5EF4-FFF2-40B4-BE49-F238E27FC236}">
-                <a16:creationId xmlns:a16="http://schemas.microsoft.com/office/drawing/2014/main" id="{ED437845-08BC-42AC-916E-9D83694C1825}"/>
-              </a:ext>
-            </a:extLst>
-          </p:cNvPr>
+          <p:cNvPr id="3" name="AutoShape 1030"/>
           <p:cNvSpPr>
             <a:spLocks noChangeArrowheads="1"/>
           </p:cNvSpPr>
           <p:nvPr/>
         </p:nvSpPr>
-        <p:spPr bwMode="auto">
+        <p:spPr>
           <a:xfrm>
             <a:off x="323528" y="260648"/>
             <a:ext cx="2664296" cy="504825"/>
@@ -8418,62 +8412,49 @@
           </a:solidFill>
           <a:ln w="38100">
             <a:solidFill>
-              <a:srgbClr val="C0C0C0"/>
+              <a:srgbClr val="c0c0c0"/>
             </a:solidFill>
             <a:round/>
-            <a:headEnd/>
-            <a:tailEnd/>
           </a:ln>
           <a:effectLst/>
-          <a:extLst>
-            <a:ext uri="{AF507438-7753-43E0-B8FC-AC1667EBCBE1}">
-              <a14:hiddenEffects xmlns:a14="http://schemas.microsoft.com/office/drawing/2010/main">
-                <a:effectLst>
-                  <a:outerShdw dist="35921" dir="2700000" algn="ctr" rotWithShape="0">
-                    <a:schemeClr val="bg2"/>
-                  </a:outerShdw>
-                </a:effectLst>
-              </a14:hiddenEffects>
-            </a:ext>
-          </a:extLst>
         </p:spPr>
         <p:txBody>
           <a:bodyPr wrap="none" anchor="ctr"/>
           <a:lstStyle/>
           <a:p>
-            <a:pPr algn="ctr"/>
-            <a:r>
-              <a:rPr lang="en-US" altLang="ko-KR" sz="2400" dirty="0">
-                <a:latin typeface="HY견고딕" panose="02030600000101010101" pitchFamily="18" charset="-127"/>
-                <a:ea typeface="HY견고딕" panose="02030600000101010101" pitchFamily="18" charset="-127"/>
+            <a:pPr algn="ctr">
+              <a:defRPr/>
+            </a:pPr>
+            <a:r>
+              <a:rPr lang="en-US" altLang="ko-KR" sz="2400">
+                <a:latin typeface="HY견고딕"/>
+                <a:ea typeface="HY견고딕"/>
               </a:rPr>
               <a:t>1.</a:t>
             </a:r>
             <a:r>
-              <a:rPr lang="ko-KR" altLang="en-US" sz="2400" dirty="0">
-                <a:latin typeface="HY견고딕" panose="02030600000101010101" pitchFamily="18" charset="-127"/>
-                <a:ea typeface="HY견고딕" panose="02030600000101010101" pitchFamily="18" charset="-127"/>
+              <a:rPr lang="ko-KR" altLang="en-US" sz="2400">
+                <a:latin typeface="HY견고딕"/>
+                <a:ea typeface="HY견고딕"/>
               </a:rPr>
               <a:t> 팀 소개</a:t>
             </a:r>
+            <a:endParaRPr lang="ko-KR" altLang="en-US" sz="2400">
+              <a:latin typeface="HY견고딕"/>
+              <a:ea typeface="HY견고딕"/>
+            </a:endParaRPr>
           </a:p>
         </p:txBody>
       </p:sp>
       <p:sp>
         <p:nvSpPr>
-          <p:cNvPr id="9" name="Rectangle 3">
-            <a:extLst>
-              <a:ext uri="{FF2B5EF4-FFF2-40B4-BE49-F238E27FC236}">
-                <a16:creationId xmlns:a16="http://schemas.microsoft.com/office/drawing/2014/main" id="{6DF61A2A-DD8F-4AD8-AEDF-0E7895CC5A5E}"/>
-              </a:ext>
-            </a:extLst>
-          </p:cNvPr>
+          <p:cNvPr id="9" name="Rectangle 3"/>
           <p:cNvSpPr>
             <a:spLocks noChangeArrowheads="1"/>
           </p:cNvSpPr>
           <p:nvPr/>
         </p:nvSpPr>
-        <p:spPr bwMode="auto">
+        <p:spPr>
           <a:xfrm>
             <a:off x="755576" y="980728"/>
             <a:ext cx="1944000" cy="557219"/>
@@ -8488,9 +8469,7 @@
           </a:solidFill>
           <a:ln w="9525">
             <a:noFill/>
-            <a:miter lim="800000"/>
-            <a:headEnd/>
-            <a:tailEnd/>
+            <a:miter/>
           </a:ln>
           <a:scene3d>
             <a:camera prst="orthographicFront"/>
@@ -8501,14 +8480,14 @@
           </a:sp3d>
         </p:spPr>
         <p:txBody>
-          <a:bodyPr vert="horz" wrap="square" lIns="0" tIns="0" rIns="0" bIns="0" numCol="1" anchor="ctr" anchorCtr="0" compatLnSpc="1">
+          <a:bodyPr vert="horz" wrap="square" lIns="0" tIns="0" rIns="0" bIns="0" anchor="ctr" anchorCtr="0">
             <a:prstTxWarp prst="textNoShape">
               <a:avLst/>
             </a:prstTxWarp>
           </a:bodyPr>
           <a:lstStyle/>
           <a:p>
-            <a:pPr marL="0" marR="0" lvl="0" indent="0" algn="ctr" defTabSz="914400" rtl="0" eaLnBrk="1" fontAlgn="base" latinLnBrk="1" hangingPunct="1">
+            <a:pPr marL="0" marR="0" lvl="0" indent="0" algn="ctr" defTabSz="914400" rtl="0" eaLnBrk="1" latinLnBrk="1" hangingPunct="1">
               <a:lnSpc>
                 <a:spcPct val="100000"/>
               </a:lnSpc>
@@ -8519,71 +8498,62 @@
                 <a:spcPct val="0"/>
               </a:spcAft>
               <a:buClrTx/>
-              <a:buSzTx/>
               <a:buFontTx/>
               <a:buNone/>
-              <a:tabLst/>
+              <a:defRPr/>
             </a:pPr>
             <a:r>
-              <a:rPr kumimoji="1" lang="ko-KR" i="0" u="none" strike="noStrike" cap="none" normalizeH="0" baseline="0" dirty="0">
-                <a:ln>
-                  <a:noFill/>
-                </a:ln>
+              <a:rPr kumimoji="1" lang="ko-KR" i="0" u="none" strike="noStrike" cap="none" normalizeH="0" baseline="0">
                 <a:solidFill>
                   <a:schemeClr val="tx1"/>
                 </a:solidFill>
                 <a:effectLst/>
-                <a:latin typeface="HY헤드라인M" pitchFamily="18" charset="-127"/>
-                <a:ea typeface="HY헤드라인M" pitchFamily="18" charset="-127"/>
+                <a:latin typeface="HY헤드라인M"/>
+                <a:ea typeface="HY헤드라인M"/>
               </a:rPr>
               <a:t>항</a:t>
             </a:r>
             <a:r>
-              <a:rPr kumimoji="1" lang="en-US" altLang="ko-KR" i="0" u="none" strike="noStrike" cap="none" normalizeH="0" baseline="0" dirty="0">
-                <a:ln>
-                  <a:noFill/>
-                </a:ln>
+              <a:rPr kumimoji="1" lang="en-US" altLang="ko-KR" i="0" u="none" strike="noStrike" cap="none" normalizeH="0" baseline="0">
                 <a:solidFill>
                   <a:schemeClr val="tx1"/>
                 </a:solidFill>
                 <a:effectLst/>
-                <a:latin typeface="HY헤드라인M" pitchFamily="18" charset="-127"/>
-                <a:ea typeface="HY헤드라인M" pitchFamily="18" charset="-127"/>
+                <a:latin typeface="HY헤드라인M"/>
+                <a:ea typeface="HY헤드라인M"/>
               </a:rPr>
               <a:t>    </a:t>
             </a:r>
             <a:r>
-              <a:rPr kumimoji="1" lang="ko-KR" i="0" u="none" strike="noStrike" cap="none" normalizeH="0" baseline="0" dirty="0">
-                <a:ln>
-                  <a:noFill/>
-                </a:ln>
+              <a:rPr kumimoji="1" lang="ko-KR" i="0" u="none" strike="noStrike" cap="none" normalizeH="0" baseline="0">
                 <a:solidFill>
                   <a:schemeClr val="tx1"/>
                 </a:solidFill>
                 <a:effectLst/>
-                <a:latin typeface="HY헤드라인M" pitchFamily="18" charset="-127"/>
-                <a:ea typeface="HY헤드라인M" pitchFamily="18" charset="-127"/>
+                <a:latin typeface="HY헤드라인M"/>
+                <a:ea typeface="HY헤드라인M"/>
               </a:rPr>
               <a:t>목</a:t>
             </a:r>
+            <a:endParaRPr kumimoji="1" lang="ko-KR" i="0" u="none" strike="noStrike" cap="none" normalizeH="0" baseline="0">
+              <a:solidFill>
+                <a:schemeClr val="tx1"/>
+              </a:solidFill>
+              <a:latin typeface="HY헤드라인M"/>
+              <a:ea typeface="HY헤드라인M"/>
+            </a:endParaRPr>
           </a:p>
         </p:txBody>
       </p:sp>
       <p:sp>
         <p:nvSpPr>
-          <p:cNvPr id="10" name="Rectangle 4">
-            <a:extLst>
-              <a:ext uri="{FF2B5EF4-FFF2-40B4-BE49-F238E27FC236}">
-                <a16:creationId xmlns:a16="http://schemas.microsoft.com/office/drawing/2014/main" id="{CBF11FB5-CCFF-4302-8D3A-CE406313D1B9}"/>
-              </a:ext>
-            </a:extLst>
-          </p:cNvPr>
+          <p:cNvPr id="10" name="Rectangle 4"/>
           <p:cNvSpPr>
             <a:spLocks noChangeArrowheads="1"/>
           </p:cNvSpPr>
           <p:nvPr/>
         </p:nvSpPr>
-        <p:spPr bwMode="auto">
+        <p:spPr>
           <a:xfrm>
             <a:off x="2831657" y="980728"/>
             <a:ext cx="5760000" cy="557219"/>
@@ -8598,9 +8568,7 @@
           </a:solidFill>
           <a:ln w="9525">
             <a:noFill/>
-            <a:miter lim="800000"/>
-            <a:headEnd/>
-            <a:tailEnd/>
+            <a:miter/>
           </a:ln>
           <a:scene3d>
             <a:camera prst="orthographicFront"/>
@@ -8611,14 +8579,14 @@
           </a:sp3d>
         </p:spPr>
         <p:txBody>
-          <a:bodyPr vert="horz" wrap="square" lIns="0" tIns="0" rIns="0" bIns="0" numCol="1" anchor="ctr" anchorCtr="0" compatLnSpc="1">
+          <a:bodyPr vert="horz" wrap="square" lIns="0" tIns="0" rIns="0" bIns="0" anchor="ctr" anchorCtr="0">
             <a:prstTxWarp prst="textNoShape">
               <a:avLst/>
             </a:prstTxWarp>
           </a:bodyPr>
           <a:lstStyle/>
           <a:p>
-            <a:pPr marL="0" marR="0" lvl="0" indent="0" algn="ctr" defTabSz="914400" rtl="0" eaLnBrk="1" fontAlgn="base" latinLnBrk="1" hangingPunct="1">
+            <a:pPr marL="0" marR="0" lvl="0" indent="0" algn="ctr" defTabSz="914400" rtl="0" eaLnBrk="1" latinLnBrk="1" hangingPunct="1">
               <a:lnSpc>
                 <a:spcPct val="100000"/>
               </a:lnSpc>
@@ -8629,71 +8597,62 @@
                 <a:spcPct val="0"/>
               </a:spcAft>
               <a:buClrTx/>
-              <a:buSzTx/>
               <a:buFontTx/>
               <a:buNone/>
-              <a:tabLst/>
+              <a:defRPr/>
             </a:pPr>
             <a:r>
-              <a:rPr kumimoji="1" lang="ko-KR" i="0" u="none" strike="noStrike" cap="none" normalizeH="0" baseline="0" dirty="0">
-                <a:ln>
-                  <a:noFill/>
-                </a:ln>
+              <a:rPr kumimoji="1" lang="ko-KR" i="0" u="none" strike="noStrike" cap="none" normalizeH="0" baseline="0">
                 <a:solidFill>
                   <a:schemeClr val="tx1"/>
                 </a:solidFill>
                 <a:effectLst/>
-                <a:latin typeface="HY헤드라인M" pitchFamily="18" charset="-127"/>
-                <a:ea typeface="HY헤드라인M" pitchFamily="18" charset="-127"/>
+                <a:latin typeface="HY헤드라인M"/>
+                <a:ea typeface="HY헤드라인M"/>
               </a:rPr>
               <a:t>내</a:t>
             </a:r>
             <a:r>
-              <a:rPr kumimoji="1" lang="en-US" altLang="ko-KR" i="0" u="none" strike="noStrike" cap="none" normalizeH="0" baseline="0" dirty="0">
-                <a:ln>
-                  <a:noFill/>
-                </a:ln>
+              <a:rPr kumimoji="1" lang="en-US" altLang="ko-KR" i="0" u="none" strike="noStrike" cap="none" normalizeH="0" baseline="0">
                 <a:solidFill>
                   <a:schemeClr val="tx1"/>
                 </a:solidFill>
                 <a:effectLst/>
-                <a:latin typeface="HY헤드라인M" pitchFamily="18" charset="-127"/>
-                <a:ea typeface="HY헤드라인M" pitchFamily="18" charset="-127"/>
+                <a:latin typeface="HY헤드라인M"/>
+                <a:ea typeface="HY헤드라인M"/>
               </a:rPr>
               <a:t>    </a:t>
             </a:r>
             <a:r>
-              <a:rPr kumimoji="1" lang="ko-KR" i="0" u="none" strike="noStrike" cap="none" normalizeH="0" baseline="0" dirty="0">
-                <a:ln>
-                  <a:noFill/>
-                </a:ln>
+              <a:rPr kumimoji="1" lang="ko-KR" i="0" u="none" strike="noStrike" cap="none" normalizeH="0" baseline="0">
                 <a:solidFill>
                   <a:schemeClr val="tx1"/>
                 </a:solidFill>
                 <a:effectLst/>
-                <a:latin typeface="HY헤드라인M" pitchFamily="18" charset="-127"/>
-                <a:ea typeface="HY헤드라인M" pitchFamily="18" charset="-127"/>
+                <a:latin typeface="HY헤드라인M"/>
+                <a:ea typeface="HY헤드라인M"/>
               </a:rPr>
               <a:t>용</a:t>
             </a:r>
+            <a:endParaRPr kumimoji="1" lang="ko-KR" i="0" u="none" strike="noStrike" cap="none" normalizeH="0" baseline="0">
+              <a:solidFill>
+                <a:schemeClr val="tx1"/>
+              </a:solidFill>
+              <a:latin typeface="HY헤드라인M"/>
+              <a:ea typeface="HY헤드라인M"/>
+            </a:endParaRPr>
           </a:p>
         </p:txBody>
       </p:sp>
       <p:sp>
         <p:nvSpPr>
-          <p:cNvPr id="13" name="Rectangle 9">
-            <a:extLst>
-              <a:ext uri="{FF2B5EF4-FFF2-40B4-BE49-F238E27FC236}">
-                <a16:creationId xmlns:a16="http://schemas.microsoft.com/office/drawing/2014/main" id="{2B1A3084-E2E3-427B-89C1-D6C992C7D565}"/>
-              </a:ext>
-            </a:extLst>
-          </p:cNvPr>
+          <p:cNvPr id="13" name="Rectangle 9"/>
           <p:cNvSpPr>
             <a:spLocks noChangeArrowheads="1"/>
           </p:cNvSpPr>
           <p:nvPr/>
         </p:nvSpPr>
-        <p:spPr bwMode="auto">
+        <p:spPr>
           <a:xfrm>
             <a:off x="755576" y="1628800"/>
             <a:ext cx="1944000" cy="864000"/>
@@ -8706,9 +8665,7 @@
           </a:solidFill>
           <a:ln w="9525">
             <a:noFill/>
-            <a:miter lim="800000"/>
-            <a:headEnd/>
-            <a:tailEnd/>
+            <a:miter/>
           </a:ln>
           <a:scene3d>
             <a:camera prst="orthographicFront"/>
@@ -8719,14 +8676,14 @@
           </a:sp3d>
         </p:spPr>
         <p:txBody>
-          <a:bodyPr vert="horz" wrap="square" lIns="0" tIns="0" rIns="0" bIns="0" numCol="1" anchor="ctr" anchorCtr="0" compatLnSpc="1">
+          <a:bodyPr vert="horz" wrap="square" lIns="0" tIns="0" rIns="0" bIns="0" anchor="ctr" anchorCtr="0">
             <a:prstTxWarp prst="textNoShape">
               <a:avLst/>
             </a:prstTxWarp>
           </a:bodyPr>
           <a:lstStyle/>
           <a:p>
-            <a:pPr marL="0" marR="0" lvl="0" indent="0" algn="ctr" defTabSz="914400" rtl="0" eaLnBrk="1" fontAlgn="base" latinLnBrk="1" hangingPunct="1">
+            <a:pPr marL="0" marR="0" lvl="0" indent="0" algn="ctr" defTabSz="914400" rtl="0" eaLnBrk="1" latinLnBrk="1" hangingPunct="1">
               <a:lnSpc>
                 <a:spcPct val="100000"/>
               </a:lnSpc>
@@ -8737,54 +8694,41 @@
                 <a:spcPct val="0"/>
               </a:spcAft>
               <a:buClrTx/>
-              <a:buSzTx/>
               <a:buFontTx/>
               <a:buNone/>
-              <a:tabLst/>
+              <a:defRPr/>
             </a:pPr>
             <a:r>
-              <a:rPr kumimoji="1" lang="ko-KR" altLang="en-US" i="0" u="none" strike="noStrike" cap="none" normalizeH="0" baseline="0" dirty="0">
-                <a:ln>
-                  <a:noFill/>
-                </a:ln>
+              <a:rPr kumimoji="1" lang="ko-KR" altLang="en-US" i="0" u="none" strike="noStrike" cap="none" normalizeH="0" baseline="0">
                 <a:solidFill>
                   <a:schemeClr val="tx1"/>
                 </a:solidFill>
                 <a:effectLst/>
-                <a:latin typeface="HY헤드라인M" pitchFamily="18" charset="-127"/>
-                <a:ea typeface="HY헤드라인M" pitchFamily="18" charset="-127"/>
+                <a:latin typeface="HY헤드라인M"/>
+                <a:ea typeface="HY헤드라인M"/>
               </a:rPr>
               <a:t>프로젝트명</a:t>
             </a:r>
-            <a:endParaRPr kumimoji="1" lang="ko-KR" i="0" u="none" strike="noStrike" cap="none" normalizeH="0" baseline="0" dirty="0">
-              <a:ln>
-                <a:noFill/>
-              </a:ln>
+            <a:endParaRPr kumimoji="1" lang="ko-KR" i="0" u="none" strike="noStrike" cap="none" normalizeH="0" baseline="0">
               <a:solidFill>
                 <a:schemeClr val="tx1"/>
               </a:solidFill>
               <a:effectLst/>
-              <a:latin typeface="HY헤드라인M" pitchFamily="18" charset="-127"/>
-              <a:ea typeface="HY헤드라인M" pitchFamily="18" charset="-127"/>
+              <a:latin typeface="HY헤드라인M"/>
+              <a:ea typeface="HY헤드라인M"/>
             </a:endParaRPr>
           </a:p>
         </p:txBody>
       </p:sp>
       <p:sp>
         <p:nvSpPr>
-          <p:cNvPr id="14" name="Rectangle 10">
-            <a:extLst>
-              <a:ext uri="{FF2B5EF4-FFF2-40B4-BE49-F238E27FC236}">
-                <a16:creationId xmlns:a16="http://schemas.microsoft.com/office/drawing/2014/main" id="{5D732E04-FC23-4AD2-981D-08717D4ED6AD}"/>
-              </a:ext>
-            </a:extLst>
-          </p:cNvPr>
+          <p:cNvPr id="14" name="Rectangle 10"/>
           <p:cNvSpPr>
             <a:spLocks noChangeArrowheads="1"/>
           </p:cNvSpPr>
           <p:nvPr/>
         </p:nvSpPr>
-        <p:spPr bwMode="auto">
+        <p:spPr>
           <a:xfrm>
             <a:off x="2831657" y="1628800"/>
             <a:ext cx="5760000" cy="864000"/>
@@ -8797,9 +8741,7 @@
           </a:solidFill>
           <a:ln w="9525">
             <a:noFill/>
-            <a:miter lim="800000"/>
-            <a:headEnd/>
-            <a:tailEnd/>
+            <a:miter/>
           </a:ln>
           <a:scene3d>
             <a:camera prst="orthographicFront"/>
@@ -8810,14 +8752,14 @@
           </a:sp3d>
         </p:spPr>
         <p:txBody>
-          <a:bodyPr vert="horz" wrap="square" lIns="0" tIns="0" rIns="0" bIns="0" numCol="1" anchor="ctr" anchorCtr="0" compatLnSpc="1">
+          <a:bodyPr vert="horz" wrap="square" lIns="0" tIns="0" rIns="0" bIns="0" anchor="ctr" anchorCtr="0">
             <a:prstTxWarp prst="textNoShape">
               <a:avLst/>
             </a:prstTxWarp>
           </a:bodyPr>
           <a:lstStyle/>
           <a:p>
-            <a:pPr marL="0" marR="0" lvl="0" indent="0" defTabSz="914400" rtl="0" eaLnBrk="1" fontAlgn="base" latinLnBrk="1" hangingPunct="1">
+            <a:pPr marL="0" marR="0" lvl="0" indent="0" defTabSz="914400" rtl="0" eaLnBrk="1" latinLnBrk="1" hangingPunct="1">
               <a:lnSpc>
                 <a:spcPct val="100000"/>
               </a:lnSpc>
@@ -8828,67 +8770,32 @@
                 <a:spcPct val="0"/>
               </a:spcAft>
               <a:buClrTx/>
-              <a:buSzTx/>
               <a:buFontTx/>
               <a:buNone/>
-              <a:tabLst/>
+              <a:defRPr/>
             </a:pPr>
             <a:r>
-              <a:rPr kumimoji="1" lang="ko-KR" altLang="en-US" i="0" u="none" strike="noStrike" cap="none" normalizeH="0" baseline="0" dirty="0">
-                <a:ln>
-                  <a:noFill/>
-                </a:ln>
+              <a:rPr kumimoji="1" lang="ko-KR" altLang="en-US" i="0" u="none" strike="noStrike" cap="none" normalizeH="0" baseline="0">
                 <a:solidFill>
                   <a:schemeClr val="tx1"/>
                 </a:solidFill>
                 <a:effectLst/>
-                <a:latin typeface="HY헤드라인M" pitchFamily="18" charset="-127"/>
-                <a:ea typeface="HY헤드라인M" pitchFamily="18" charset="-127"/>
-              </a:rPr>
-              <a:t>   </a:t>
-            </a:r>
-            <a:r>
-              <a:rPr kumimoji="1" lang="ko-KR" altLang="en-US" i="0" u="none" strike="noStrike" cap="none" normalizeH="0" baseline="0" dirty="0" err="1">
-                <a:ln>
-                  <a:noFill/>
-                </a:ln>
-                <a:solidFill>
-                  <a:schemeClr val="tx1"/>
-                </a:solidFill>
-                <a:effectLst/>
-                <a:latin typeface="HY헤드라인M" pitchFamily="18" charset="-127"/>
-                <a:ea typeface="HY헤드라인M" pitchFamily="18" charset="-127"/>
-              </a:rPr>
-              <a:t>웹기반</a:t>
-            </a:r>
-            <a:r>
-              <a:rPr kumimoji="1" lang="ko-KR" altLang="en-US" i="0" u="none" strike="noStrike" cap="none" normalizeH="0" baseline="0" dirty="0">
-                <a:ln>
-                  <a:noFill/>
-                </a:ln>
-                <a:solidFill>
-                  <a:schemeClr val="tx1"/>
-                </a:solidFill>
-                <a:effectLst/>
-                <a:latin typeface="HY헤드라인M" pitchFamily="18" charset="-127"/>
-                <a:ea typeface="HY헤드라인M" pitchFamily="18" charset="-127"/>
-              </a:rPr>
-              <a:t> 측정 자동화 서비스</a:t>
-            </a:r>
-            <a:endParaRPr kumimoji="1" lang="en-US" altLang="ko-KR" i="0" u="none" strike="noStrike" cap="none" normalizeH="0" baseline="0" dirty="0">
-              <a:ln>
-                <a:noFill/>
-              </a:ln>
+                <a:latin typeface="HY헤드라인M"/>
+                <a:ea typeface="HY헤드라인M"/>
+              </a:rPr>
+              <a:t>   웹기반 측정 자동화 서비스</a:t>
+            </a:r>
+            <a:endParaRPr kumimoji="1" lang="ko-KR" altLang="en-US" i="0" u="none" strike="noStrike" cap="none" normalizeH="0" baseline="0">
               <a:solidFill>
                 <a:schemeClr val="tx1"/>
               </a:solidFill>
               <a:effectLst/>
-              <a:latin typeface="HY헤드라인M" pitchFamily="18" charset="-127"/>
-              <a:ea typeface="HY헤드라인M" pitchFamily="18" charset="-127"/>
+              <a:latin typeface="HY헤드라인M"/>
+              <a:ea typeface="HY헤드라인M"/>
             </a:endParaRPr>
           </a:p>
           <a:p>
-            <a:pPr marL="0" marR="0" lvl="0" indent="0" defTabSz="914400" rtl="0" eaLnBrk="1" fontAlgn="base" latinLnBrk="1" hangingPunct="1">
+            <a:pPr marL="0" marR="0" lvl="0" indent="0" defTabSz="914400" rtl="0" eaLnBrk="1" latinLnBrk="1" hangingPunct="1">
               <a:lnSpc>
                 <a:spcPct val="100000"/>
               </a:lnSpc>
@@ -8899,47 +8806,37 @@
                 <a:spcPct val="0"/>
               </a:spcAft>
               <a:buClrTx/>
-              <a:buSzTx/>
               <a:buFontTx/>
               <a:buNone/>
-              <a:tabLst/>
+              <a:defRPr/>
             </a:pPr>
             <a:r>
-              <a:rPr lang="en-US" altLang="ko-KR" sz="1600" dirty="0">
-                <a:latin typeface="HY헤드라인M" pitchFamily="18" charset="-127"/>
-                <a:ea typeface="HY헤드라인M" pitchFamily="18" charset="-127"/>
+              <a:rPr lang="en-US" altLang="ko-KR" sz="1600">
+                <a:latin typeface="HY헤드라인M"/>
+                <a:ea typeface="HY헤드라인M"/>
               </a:rPr>
               <a:t>     Web based Automated Measurement Service</a:t>
             </a:r>
-            <a:endParaRPr kumimoji="1" lang="ko-KR" altLang="ko-KR" sz="1600" i="0" u="none" strike="noStrike" cap="none" normalizeH="0" baseline="0" dirty="0">
-              <a:ln>
-                <a:noFill/>
-              </a:ln>
+            <a:endParaRPr kumimoji="1" lang="ko-KR" altLang="ko-KR" sz="1600" i="0" u="none" strike="noStrike" cap="none" normalizeH="0" baseline="0">
               <a:solidFill>
                 <a:schemeClr val="tx1"/>
               </a:solidFill>
               <a:effectLst/>
-              <a:latin typeface="HY헤드라인M" pitchFamily="18" charset="-127"/>
-              <a:ea typeface="HY헤드라인M" pitchFamily="18" charset="-127"/>
+              <a:latin typeface="HY헤드라인M"/>
+              <a:ea typeface="HY헤드라인M"/>
             </a:endParaRPr>
           </a:p>
         </p:txBody>
       </p:sp>
       <p:sp>
         <p:nvSpPr>
-          <p:cNvPr id="25" name="Rectangle 29">
-            <a:extLst>
-              <a:ext uri="{FF2B5EF4-FFF2-40B4-BE49-F238E27FC236}">
-                <a16:creationId xmlns:a16="http://schemas.microsoft.com/office/drawing/2014/main" id="{899922DC-B846-4B16-9848-CB0B2B4E07AB}"/>
-              </a:ext>
-            </a:extLst>
-          </p:cNvPr>
+          <p:cNvPr id="25" name="Rectangle 29"/>
           <p:cNvSpPr>
             <a:spLocks noChangeArrowheads="1"/>
           </p:cNvSpPr>
           <p:nvPr/>
         </p:nvSpPr>
-        <p:spPr bwMode="auto">
+        <p:spPr>
           <a:xfrm>
             <a:off x="755576" y="2582796"/>
             <a:ext cx="1944000" cy="864000"/>
@@ -8952,9 +8849,7 @@
           </a:solidFill>
           <a:ln w="9525">
             <a:noFill/>
-            <a:miter lim="800000"/>
-            <a:headEnd/>
-            <a:tailEnd/>
+            <a:miter/>
           </a:ln>
           <a:scene3d>
             <a:camera prst="orthographicFront"/>
@@ -8965,14 +8860,14 @@
           </a:sp3d>
         </p:spPr>
         <p:txBody>
-          <a:bodyPr vert="horz" wrap="square" lIns="0" tIns="0" rIns="0" bIns="0" numCol="1" anchor="ctr" anchorCtr="0" compatLnSpc="1">
+          <a:bodyPr vert="horz" wrap="square" lIns="0" tIns="0" rIns="0" bIns="0" anchor="ctr" anchorCtr="0">
             <a:prstTxWarp prst="textNoShape">
               <a:avLst/>
             </a:prstTxWarp>
           </a:bodyPr>
           <a:lstStyle/>
           <a:p>
-            <a:pPr marL="0" marR="0" lvl="0" indent="0" algn="ctr" defTabSz="914400" rtl="0" eaLnBrk="1" fontAlgn="base" latinLnBrk="1" hangingPunct="1">
+            <a:pPr marL="0" marR="0" lvl="0" indent="0" algn="ctr" defTabSz="914400" rtl="0" eaLnBrk="1" latinLnBrk="1" hangingPunct="1">
               <a:lnSpc>
                 <a:spcPct val="100000"/>
               </a:lnSpc>
@@ -8983,47 +8878,37 @@
                 <a:spcPct val="0"/>
               </a:spcAft>
               <a:buClrTx/>
-              <a:buSzTx/>
               <a:buFontTx/>
               <a:buNone/>
-              <a:tabLst/>
+              <a:defRPr/>
             </a:pPr>
             <a:r>
-              <a:rPr lang="ko-KR" altLang="en-US" dirty="0">
-                <a:latin typeface="HY헤드라인M" pitchFamily="18" charset="-127"/>
-                <a:ea typeface="HY헤드라인M" pitchFamily="18" charset="-127"/>
+              <a:rPr lang="ko-KR" altLang="en-US">
+                <a:latin typeface="HY헤드라인M"/>
+                <a:ea typeface="HY헤드라인M"/>
               </a:rPr>
               <a:t>팀         명</a:t>
             </a:r>
-            <a:endParaRPr kumimoji="1" lang="ko-KR" i="0" u="none" strike="noStrike" cap="none" normalizeH="0" baseline="0" dirty="0">
-              <a:ln>
-                <a:noFill/>
-              </a:ln>
+            <a:endParaRPr kumimoji="1" lang="ko-KR" i="0" u="none" strike="noStrike" cap="none" normalizeH="0" baseline="0">
               <a:solidFill>
                 <a:schemeClr val="tx1"/>
               </a:solidFill>
               <a:effectLst/>
-              <a:latin typeface="HY헤드라인M" pitchFamily="18" charset="-127"/>
-              <a:ea typeface="HY헤드라인M" pitchFamily="18" charset="-127"/>
+              <a:latin typeface="HY헤드라인M"/>
+              <a:ea typeface="HY헤드라인M"/>
             </a:endParaRPr>
           </a:p>
         </p:txBody>
       </p:sp>
       <p:sp>
         <p:nvSpPr>
-          <p:cNvPr id="26" name="Rectangle 30">
-            <a:extLst>
-              <a:ext uri="{FF2B5EF4-FFF2-40B4-BE49-F238E27FC236}">
-                <a16:creationId xmlns:a16="http://schemas.microsoft.com/office/drawing/2014/main" id="{D99B5301-CA05-49A5-A289-7288B287184B}"/>
-              </a:ext>
-            </a:extLst>
-          </p:cNvPr>
+          <p:cNvPr id="26" name="Rectangle 30"/>
           <p:cNvSpPr>
             <a:spLocks noChangeArrowheads="1"/>
           </p:cNvSpPr>
           <p:nvPr/>
         </p:nvSpPr>
-        <p:spPr bwMode="auto">
+        <p:spPr>
           <a:xfrm>
             <a:off x="2831657" y="2582796"/>
             <a:ext cx="5760000" cy="864000"/>
@@ -9036,9 +8921,7 @@
           </a:solidFill>
           <a:ln w="9525">
             <a:noFill/>
-            <a:miter lim="800000"/>
-            <a:headEnd/>
-            <a:tailEnd/>
+            <a:miter/>
           </a:ln>
           <a:scene3d>
             <a:camera prst="orthographicFront"/>
@@ -9049,14 +8932,14 @@
           </a:sp3d>
         </p:spPr>
         <p:txBody>
-          <a:bodyPr vert="horz" wrap="square" lIns="0" tIns="0" rIns="0" bIns="0" numCol="1" anchor="ctr" anchorCtr="0" compatLnSpc="1">
+          <a:bodyPr vert="horz" wrap="square" lIns="0" tIns="0" rIns="0" bIns="0" anchor="ctr" anchorCtr="0">
             <a:prstTxWarp prst="textNoShape">
               <a:avLst/>
             </a:prstTxWarp>
           </a:bodyPr>
           <a:lstStyle/>
           <a:p>
-            <a:pPr marL="0" marR="0" lvl="0" indent="0" defTabSz="914400" rtl="0" eaLnBrk="1" fontAlgn="base" latinLnBrk="1" hangingPunct="1">
+            <a:pPr marL="0" marR="0" lvl="0" indent="0" defTabSz="914400" rtl="0" eaLnBrk="1" latinLnBrk="1" hangingPunct="1">
               <a:lnSpc>
                 <a:spcPct val="100000"/>
               </a:lnSpc>
@@ -9067,42 +8950,43 @@
                 <a:spcPct val="0"/>
               </a:spcAft>
               <a:buClrTx/>
-              <a:buSzTx/>
               <a:buFontTx/>
               <a:buNone/>
-              <a:tabLst/>
+              <a:defRPr/>
             </a:pPr>
             <a:r>
-              <a:rPr kumimoji="1" lang="ko-KR" altLang="en-US" i="0" u="none" strike="noStrike" cap="none" normalizeH="0" baseline="0" dirty="0">
-                <a:ln>
-                  <a:noFill/>
-                </a:ln>
+              <a:rPr kumimoji="1" lang="ko-KR" altLang="en-US" i="0" u="none" strike="noStrike" cap="none" normalizeH="0" baseline="0">
                 <a:solidFill>
                   <a:schemeClr val="tx1"/>
                 </a:solidFill>
                 <a:effectLst/>
-                <a:latin typeface="HY헤드라인M" pitchFamily="18" charset="-127"/>
-                <a:ea typeface="HY헤드라인M" pitchFamily="18" charset="-127"/>
+                <a:latin typeface="HY헤드라인M"/>
+                <a:ea typeface="HY헤드라인M"/>
               </a:rPr>
               <a:t>   너 측정에 문제 있어</a:t>
             </a:r>
             <a:r>
-              <a:rPr kumimoji="1" lang="en-US" altLang="ko-KR" i="0" u="none" strike="noStrike" cap="none" normalizeH="0" baseline="0" dirty="0">
-                <a:ln>
-                  <a:noFill/>
-                </a:ln>
+              <a:rPr kumimoji="1" lang="en-US" altLang="ko-KR" i="0" u="none" strike="noStrike" cap="none" normalizeH="0" baseline="0">
                 <a:solidFill>
                   <a:schemeClr val="tx1"/>
                 </a:solidFill>
                 <a:effectLst/>
-                <a:latin typeface="HY헤드라인M" pitchFamily="18" charset="-127"/>
-                <a:ea typeface="HY헤드라인M" pitchFamily="18" charset="-127"/>
+                <a:latin typeface="HY헤드라인M"/>
+                <a:ea typeface="HY헤드라인M"/>
               </a:rPr>
               <a:t>?</a:t>
             </a:r>
+            <a:endParaRPr kumimoji="1" lang="en-US" altLang="ko-KR" i="0" u="none" strike="noStrike" cap="none" normalizeH="0" baseline="0">
+              <a:solidFill>
+                <a:schemeClr val="tx1"/>
+              </a:solidFill>
+              <a:effectLst/>
+              <a:latin typeface="HY헤드라인M"/>
+              <a:ea typeface="HY헤드라인M"/>
+            </a:endParaRPr>
           </a:p>
           <a:p>
-            <a:pPr marL="0" marR="0" lvl="0" indent="0" defTabSz="914400" rtl="0" eaLnBrk="1" fontAlgn="base" latinLnBrk="1" hangingPunct="1">
+            <a:pPr marL="0" marR="0" lvl="0" indent="0" defTabSz="914400" rtl="0" eaLnBrk="1" latinLnBrk="1" hangingPunct="1">
               <a:lnSpc>
                 <a:spcPct val="100000"/>
               </a:lnSpc>
@@ -9113,47 +8997,37 @@
                 <a:spcPct val="0"/>
               </a:spcAft>
               <a:buClrTx/>
-              <a:buSzTx/>
               <a:buFontTx/>
               <a:buNone/>
-              <a:tabLst/>
+              <a:defRPr/>
             </a:pPr>
             <a:r>
-              <a:rPr lang="en-US" altLang="ko-KR" sz="1600" dirty="0">
-                <a:latin typeface="HY헤드라인M" pitchFamily="18" charset="-127"/>
-                <a:ea typeface="HY헤드라인M" pitchFamily="18" charset="-127"/>
+              <a:rPr lang="en-US" altLang="ko-KR" sz="1600">
+                <a:latin typeface="HY헤드라인M"/>
+                <a:ea typeface="HY헤드라인M"/>
               </a:rPr>
               <a:t>     Do you have a measurement problem?</a:t>
             </a:r>
-            <a:endParaRPr kumimoji="1" lang="ko-KR" altLang="ko-KR" sz="1600" i="0" u="none" strike="noStrike" cap="none" normalizeH="0" baseline="0" dirty="0">
-              <a:ln>
-                <a:noFill/>
-              </a:ln>
+            <a:endParaRPr kumimoji="1" lang="ko-KR" altLang="ko-KR" sz="1600" i="0" u="none" strike="noStrike" cap="none" normalizeH="0" baseline="0">
               <a:solidFill>
                 <a:schemeClr val="tx1"/>
               </a:solidFill>
               <a:effectLst/>
-              <a:latin typeface="HY헤드라인M" pitchFamily="18" charset="-127"/>
-              <a:ea typeface="HY헤드라인M" pitchFamily="18" charset="-127"/>
+              <a:latin typeface="HY헤드라인M"/>
+              <a:ea typeface="HY헤드라인M"/>
             </a:endParaRPr>
           </a:p>
         </p:txBody>
       </p:sp>
       <p:sp>
         <p:nvSpPr>
-          <p:cNvPr id="43" name="Rectangle 29">
-            <a:extLst>
-              <a:ext uri="{FF2B5EF4-FFF2-40B4-BE49-F238E27FC236}">
-                <a16:creationId xmlns:a16="http://schemas.microsoft.com/office/drawing/2014/main" id="{B501FFF4-3517-4388-B6ED-75DD2C500CC7}"/>
-              </a:ext>
-            </a:extLst>
-          </p:cNvPr>
+          <p:cNvPr id="43" name="Rectangle 29"/>
           <p:cNvSpPr>
             <a:spLocks noChangeArrowheads="1"/>
           </p:cNvSpPr>
           <p:nvPr/>
         </p:nvSpPr>
-        <p:spPr bwMode="auto">
+        <p:spPr>
           <a:xfrm>
             <a:off x="755576" y="3536792"/>
             <a:ext cx="1944000" cy="1296000"/>
@@ -9166,9 +9040,7 @@
           </a:solidFill>
           <a:ln w="9525">
             <a:noFill/>
-            <a:miter lim="800000"/>
-            <a:headEnd/>
-            <a:tailEnd/>
+            <a:miter/>
           </a:ln>
           <a:scene3d>
             <a:camera prst="orthographicFront"/>
@@ -9179,14 +9051,14 @@
           </a:sp3d>
         </p:spPr>
         <p:txBody>
-          <a:bodyPr vert="horz" wrap="square" lIns="0" tIns="0" rIns="0" bIns="0" numCol="1" anchor="ctr" anchorCtr="0" compatLnSpc="1">
+          <a:bodyPr vert="horz" wrap="square" lIns="0" tIns="0" rIns="0" bIns="0" anchor="ctr" anchorCtr="0">
             <a:prstTxWarp prst="textNoShape">
               <a:avLst/>
             </a:prstTxWarp>
           </a:bodyPr>
           <a:lstStyle/>
           <a:p>
-            <a:pPr marL="0" marR="0" lvl="0" indent="0" algn="ctr" defTabSz="914400" rtl="0" eaLnBrk="1" fontAlgn="base" latinLnBrk="1" hangingPunct="1">
+            <a:pPr marL="0" marR="0" lvl="0" indent="0" algn="ctr" defTabSz="914400" rtl="0" eaLnBrk="1" latinLnBrk="1" hangingPunct="1">
               <a:lnSpc>
                 <a:spcPct val="100000"/>
               </a:lnSpc>
@@ -9197,47 +9069,37 @@
                 <a:spcPct val="0"/>
               </a:spcAft>
               <a:buClrTx/>
-              <a:buSzTx/>
               <a:buFontTx/>
               <a:buNone/>
-              <a:tabLst/>
+              <a:defRPr/>
             </a:pPr>
             <a:r>
-              <a:rPr lang="ko-KR" altLang="en-US" dirty="0">
-                <a:latin typeface="HY헤드라인M" pitchFamily="18" charset="-127"/>
-                <a:ea typeface="HY헤드라인M" pitchFamily="18" charset="-127"/>
+              <a:rPr lang="ko-KR" altLang="en-US">
+                <a:latin typeface="HY헤드라인M"/>
+                <a:ea typeface="HY헤드라인M"/>
               </a:rPr>
               <a:t>팀         명</a:t>
             </a:r>
-            <a:endParaRPr kumimoji="1" lang="ko-KR" i="0" u="none" strike="noStrike" cap="none" normalizeH="0" baseline="0" dirty="0">
-              <a:ln>
-                <a:noFill/>
-              </a:ln>
+            <a:endParaRPr kumimoji="1" lang="ko-KR" i="0" u="none" strike="noStrike" cap="none" normalizeH="0" baseline="0">
               <a:solidFill>
                 <a:schemeClr val="tx1"/>
               </a:solidFill>
               <a:effectLst/>
-              <a:latin typeface="HY헤드라인M" pitchFamily="18" charset="-127"/>
-              <a:ea typeface="HY헤드라인M" pitchFamily="18" charset="-127"/>
+              <a:latin typeface="HY헤드라인M"/>
+              <a:ea typeface="HY헤드라인M"/>
             </a:endParaRPr>
           </a:p>
         </p:txBody>
       </p:sp>
       <p:sp>
         <p:nvSpPr>
-          <p:cNvPr id="46" name="Rectangle 30">
-            <a:extLst>
-              <a:ext uri="{FF2B5EF4-FFF2-40B4-BE49-F238E27FC236}">
-                <a16:creationId xmlns:a16="http://schemas.microsoft.com/office/drawing/2014/main" id="{EE080F06-0BA9-44FD-BB13-51507536AE47}"/>
-              </a:ext>
-            </a:extLst>
-          </p:cNvPr>
+          <p:cNvPr id="46" name="Rectangle 30"/>
           <p:cNvSpPr>
             <a:spLocks noChangeArrowheads="1"/>
           </p:cNvSpPr>
           <p:nvPr/>
         </p:nvSpPr>
-        <p:spPr bwMode="auto">
+        <p:spPr>
           <a:xfrm>
             <a:off x="2801643" y="3536792"/>
             <a:ext cx="5760000" cy="432000"/>
@@ -9250,9 +9112,7 @@
           </a:solidFill>
           <a:ln w="9525">
             <a:noFill/>
-            <a:miter lim="800000"/>
-            <a:headEnd/>
-            <a:tailEnd/>
+            <a:miter/>
           </a:ln>
           <a:scene3d>
             <a:camera prst="orthographicFront"/>
@@ -9263,14 +9123,14 @@
           </a:sp3d>
         </p:spPr>
         <p:txBody>
-          <a:bodyPr vert="horz" wrap="square" lIns="0" tIns="0" rIns="0" bIns="0" numCol="1" anchor="ctr" anchorCtr="0" compatLnSpc="1">
+          <a:bodyPr vert="horz" wrap="square" lIns="0" tIns="0" rIns="0" bIns="0" anchor="ctr" anchorCtr="0">
             <a:prstTxWarp prst="textNoShape">
               <a:avLst/>
             </a:prstTxWarp>
           </a:bodyPr>
           <a:lstStyle/>
           <a:p>
-            <a:pPr marL="0" marR="0" lvl="0" indent="0" defTabSz="914400" rtl="0" eaLnBrk="1" fontAlgn="base" latinLnBrk="1" hangingPunct="1">
+            <a:pPr marL="0" marR="0" lvl="0" indent="0" defTabSz="914400" rtl="0" eaLnBrk="1" latinLnBrk="1" hangingPunct="1">
               <a:lnSpc>
                 <a:spcPct val="100000"/>
               </a:lnSpc>
@@ -9281,124 +9141,81 @@
                 <a:spcPct val="0"/>
               </a:spcAft>
               <a:buClrTx/>
-              <a:buSzTx/>
               <a:buFontTx/>
               <a:buNone/>
-              <a:tabLst/>
+              <a:defRPr/>
             </a:pPr>
             <a:r>
-              <a:rPr kumimoji="1" lang="ko-KR" altLang="en-US" sz="1600" i="0" u="none" strike="noStrike" cap="none" normalizeH="0" baseline="0" dirty="0">
-                <a:ln>
-                  <a:noFill/>
-                </a:ln>
+              <a:rPr kumimoji="1" lang="ko-KR" altLang="en-US" sz="1600" i="0" u="none" strike="noStrike" cap="none" normalizeH="0" baseline="0">
                 <a:solidFill>
                   <a:schemeClr val="tx1"/>
                 </a:solidFill>
                 <a:effectLst/>
-                <a:latin typeface="HY헤드라인M" pitchFamily="18" charset="-127"/>
-                <a:ea typeface="HY헤드라인M" pitchFamily="18" charset="-127"/>
+                <a:latin typeface="HY헤드라인M"/>
+                <a:ea typeface="HY헤드라인M"/>
               </a:rPr>
               <a:t>  </a:t>
             </a:r>
             <a:r>
-              <a:rPr kumimoji="1" lang="en-US" altLang="ko-KR" sz="1600" i="0" u="none" strike="noStrike" cap="none" normalizeH="0" baseline="0" dirty="0">
-                <a:ln>
-                  <a:noFill/>
-                </a:ln>
+              <a:rPr kumimoji="1" lang="en-US" altLang="ko-KR" sz="1600" i="0" u="none" strike="noStrike" cap="none" normalizeH="0" baseline="0">
                 <a:solidFill>
                   <a:schemeClr val="tx1"/>
                 </a:solidFill>
                 <a:effectLst/>
-                <a:latin typeface="HY헤드라인M" pitchFamily="18" charset="-127"/>
-                <a:ea typeface="HY헤드라인M" pitchFamily="18" charset="-127"/>
+                <a:latin typeface="HY헤드라인M"/>
+                <a:ea typeface="HY헤드라인M"/>
               </a:rPr>
               <a:t>A :</a:t>
             </a:r>
             <a:r>
-              <a:rPr kumimoji="1" lang="ko-KR" altLang="en-US" sz="1600" i="0" u="none" strike="noStrike" cap="none" normalizeH="0" baseline="0" dirty="0">
-                <a:ln>
-                  <a:noFill/>
-                </a:ln>
+              <a:rPr kumimoji="1" lang="ko-KR" altLang="en-US" sz="1600" i="0" u="none" strike="noStrike" cap="none" normalizeH="0" baseline="0">
                 <a:solidFill>
                   <a:schemeClr val="tx1"/>
                 </a:solidFill>
                 <a:effectLst/>
-                <a:latin typeface="HY헤드라인M" pitchFamily="18" charset="-127"/>
-                <a:ea typeface="HY헤드라인M" pitchFamily="18" charset="-127"/>
+                <a:latin typeface="HY헤드라인M"/>
+                <a:ea typeface="HY헤드라인M"/>
               </a:rPr>
               <a:t> 이재용</a:t>
             </a:r>
             <a:r>
-              <a:rPr kumimoji="1" lang="en-US" altLang="ko-KR" sz="1600" i="0" u="none" strike="noStrike" cap="none" normalizeH="0" baseline="0" dirty="0">
-                <a:ln>
-                  <a:noFill/>
-                </a:ln>
+              <a:rPr kumimoji="1" lang="en-US" altLang="ko-KR" sz="1600" i="0" u="none" strike="noStrike" cap="none" normalizeH="0" baseline="0">
                 <a:solidFill>
                   <a:schemeClr val="tx1"/>
                 </a:solidFill>
                 <a:effectLst/>
-                <a:latin typeface="HY헤드라인M" pitchFamily="18" charset="-127"/>
-                <a:ea typeface="HY헤드라인M" pitchFamily="18" charset="-127"/>
+                <a:latin typeface="HY헤드라인M"/>
+                <a:ea typeface="HY헤드라인M"/>
               </a:rPr>
               <a:t>(ljygenius@gmail.com</a:t>
             </a:r>
             <a:r>
-              <a:rPr lang="en-US" altLang="ko-KR" sz="1600" dirty="0">
-                <a:latin typeface="HY헤드라인M" pitchFamily="18" charset="-127"/>
-                <a:ea typeface="HY헤드라인M" pitchFamily="18" charset="-127"/>
-              </a:rPr>
-              <a:t>), </a:t>
-            </a:r>
-            <a:r>
-              <a:rPr lang="en-US" altLang="ko-KR" sz="1600" dirty="0" err="1">
-                <a:latin typeface="HY헤드라인M" pitchFamily="18" charset="-127"/>
-                <a:ea typeface="HY헤드라인M" pitchFamily="18" charset="-127"/>
-              </a:rPr>
-              <a:t>Github</a:t>
-            </a:r>
-            <a:r>
-              <a:rPr lang="en-US" altLang="ko-KR" sz="1600" dirty="0">
-                <a:latin typeface="HY헤드라인M" pitchFamily="18" charset="-127"/>
-                <a:ea typeface="HY헤드라인M" pitchFamily="18" charset="-127"/>
-              </a:rPr>
-              <a:t> : </a:t>
-            </a:r>
-            <a:r>
-              <a:rPr lang="en-US" altLang="ko-KR" sz="1600" dirty="0" err="1">
-                <a:latin typeface="HY헤드라인M" pitchFamily="18" charset="-127"/>
-                <a:ea typeface="HY헤드라인M" pitchFamily="18" charset="-127"/>
-              </a:rPr>
-              <a:t>NevErdiEkilLeR</a:t>
-            </a:r>
-            <a:endParaRPr kumimoji="1" lang="ko-KR" altLang="ko-KR" sz="1600" i="0" u="none" strike="noStrike" cap="none" normalizeH="0" baseline="0" dirty="0">
-              <a:ln>
-                <a:noFill/>
-              </a:ln>
+              <a:rPr lang="en-US" altLang="ko-KR" sz="1600">
+                <a:latin typeface="HY헤드라인M"/>
+                <a:ea typeface="HY헤드라인M"/>
+              </a:rPr>
+              <a:t>), Github : NevErdiEkilLeR</a:t>
+            </a:r>
+            <a:endParaRPr kumimoji="1" lang="ko-KR" altLang="ko-KR" sz="1600" i="0" u="none" strike="noStrike" cap="none" normalizeH="0" baseline="0">
               <a:solidFill>
                 <a:schemeClr val="tx1"/>
               </a:solidFill>
               <a:effectLst/>
-              <a:latin typeface="HY헤드라인M" pitchFamily="18" charset="-127"/>
-              <a:ea typeface="HY헤드라인M" pitchFamily="18" charset="-127"/>
+              <a:latin typeface="HY헤드라인M"/>
+              <a:ea typeface="HY헤드라인M"/>
             </a:endParaRPr>
           </a:p>
         </p:txBody>
       </p:sp>
       <p:sp>
         <p:nvSpPr>
-          <p:cNvPr id="48" name="Rectangle 30">
-            <a:extLst>
-              <a:ext uri="{FF2B5EF4-FFF2-40B4-BE49-F238E27FC236}">
-                <a16:creationId xmlns:a16="http://schemas.microsoft.com/office/drawing/2014/main" id="{1DC947F0-82A1-4DA5-B3B8-F968E46A568D}"/>
-              </a:ext>
-            </a:extLst>
-          </p:cNvPr>
+          <p:cNvPr id="48" name="Rectangle 30"/>
           <p:cNvSpPr>
             <a:spLocks noChangeArrowheads="1"/>
           </p:cNvSpPr>
           <p:nvPr/>
         </p:nvSpPr>
-        <p:spPr bwMode="auto">
+        <p:spPr>
           <a:xfrm>
             <a:off x="2801643" y="3968792"/>
             <a:ext cx="5760000" cy="432000"/>
@@ -9411,9 +9228,7 @@
           </a:solidFill>
           <a:ln w="9525">
             <a:noFill/>
-            <a:miter lim="800000"/>
-            <a:headEnd/>
-            <a:tailEnd/>
+            <a:miter/>
           </a:ln>
           <a:scene3d>
             <a:camera prst="orthographicFront"/>
@@ -9424,14 +9239,14 @@
           </a:sp3d>
         </p:spPr>
         <p:txBody>
-          <a:bodyPr vert="horz" wrap="square" lIns="0" tIns="0" rIns="0" bIns="0" numCol="1" anchor="ctr" anchorCtr="0" compatLnSpc="1">
+          <a:bodyPr vert="horz" wrap="square" lIns="0" tIns="0" rIns="0" bIns="0" anchor="ctr" anchorCtr="0">
             <a:prstTxWarp prst="textNoShape">
               <a:avLst/>
             </a:prstTxWarp>
           </a:bodyPr>
           <a:lstStyle/>
           <a:p>
-            <a:pPr marL="0" marR="0" lvl="0" indent="0" defTabSz="914400" rtl="0" eaLnBrk="1" fontAlgn="base" latinLnBrk="1" hangingPunct="1">
+            <a:pPr marL="0" marR="0" lvl="0" indent="0" defTabSz="914400" rtl="0" eaLnBrk="1" latinLnBrk="1" hangingPunct="1">
               <a:lnSpc>
                 <a:spcPct val="100000"/>
               </a:lnSpc>
@@ -9442,127 +9257,91 @@
                 <a:spcPct val="0"/>
               </a:spcAft>
               <a:buClrTx/>
-              <a:buSzTx/>
               <a:buFontTx/>
               <a:buNone/>
-              <a:tabLst/>
+              <a:defRPr/>
             </a:pPr>
             <a:r>
-              <a:rPr kumimoji="1" lang="ko-KR" altLang="en-US" sz="1600" i="0" u="none" strike="noStrike" cap="none" normalizeH="0" baseline="0" dirty="0">
-                <a:ln>
-                  <a:noFill/>
-                </a:ln>
+              <a:rPr kumimoji="1" lang="ko-KR" altLang="en-US" sz="1600" i="0" u="none" strike="noStrike" cap="none" normalizeH="0" baseline="0">
                 <a:solidFill>
                   <a:schemeClr val="tx1"/>
                 </a:solidFill>
                 <a:effectLst/>
-                <a:latin typeface="HY헤드라인M" pitchFamily="18" charset="-127"/>
-                <a:ea typeface="HY헤드라인M" pitchFamily="18" charset="-127"/>
+                <a:latin typeface="HY헤드라인M"/>
+                <a:ea typeface="HY헤드라인M"/>
               </a:rPr>
               <a:t>  </a:t>
             </a:r>
             <a:r>
-              <a:rPr kumimoji="1" lang="en-US" altLang="ko-KR" sz="1600" i="0" u="none" strike="noStrike" cap="none" normalizeH="0" baseline="0" dirty="0">
-                <a:ln>
-                  <a:noFill/>
-                </a:ln>
+              <a:rPr kumimoji="1" lang="en-US" altLang="ko-KR" sz="1600" i="0" u="none" strike="noStrike" cap="none" normalizeH="0" baseline="0">
                 <a:solidFill>
                   <a:schemeClr val="tx1"/>
                 </a:solidFill>
                 <a:effectLst/>
-                <a:latin typeface="HY헤드라인M" pitchFamily="18" charset="-127"/>
-                <a:ea typeface="HY헤드라인M" pitchFamily="18" charset="-127"/>
+                <a:latin typeface="HY헤드라인M"/>
+                <a:ea typeface="HY헤드라인M"/>
               </a:rPr>
               <a:t>B :</a:t>
             </a:r>
             <a:r>
-              <a:rPr kumimoji="1" lang="ko-KR" altLang="en-US" sz="1600" i="0" u="none" strike="noStrike" cap="none" normalizeH="0" baseline="0" dirty="0">
-                <a:ln>
-                  <a:noFill/>
-                </a:ln>
+              <a:rPr kumimoji="1" lang="ko-KR" altLang="en-US" sz="1600" i="0" u="none" strike="noStrike" cap="none" normalizeH="0" baseline="0">
                 <a:solidFill>
                   <a:schemeClr val="tx1"/>
                 </a:solidFill>
                 <a:effectLst/>
-                <a:latin typeface="HY헤드라인M" pitchFamily="18" charset="-127"/>
-                <a:ea typeface="HY헤드라인M" pitchFamily="18" charset="-127"/>
+                <a:latin typeface="HY헤드라인M"/>
+                <a:ea typeface="HY헤드라인M"/>
               </a:rPr>
               <a:t> 김영주</a:t>
             </a:r>
             <a:r>
-              <a:rPr kumimoji="1" lang="en-US" altLang="ko-KR" sz="1600" i="0" u="none" strike="noStrike" cap="none" normalizeH="0" baseline="0" dirty="0">
-                <a:ln>
-                  <a:noFill/>
-                </a:ln>
+              <a:rPr kumimoji="1" lang="en-US" altLang="ko-KR" sz="1600" i="0" u="none" strike="noStrike" cap="none" normalizeH="0" baseline="0">
                 <a:solidFill>
                   <a:schemeClr val="tx1"/>
                 </a:solidFill>
                 <a:effectLst/>
-                <a:latin typeface="HY헤드라인M" pitchFamily="18" charset="-127"/>
-                <a:ea typeface="HY헤드라인M" pitchFamily="18" charset="-127"/>
+                <a:latin typeface="HY헤드라인M"/>
+                <a:ea typeface="HY헤드라인M"/>
               </a:rPr>
               <a:t>(</a:t>
             </a:r>
             <a:r>
-              <a:rPr lang="en-US" altLang="ko-KR" sz="1600" dirty="0">
+              <a:rPr lang="en-US" altLang="ko-KR" sz="1600">
                 <a:solidFill>
                   <a:schemeClr val="tx1"/>
                 </a:solidFill>
-                <a:latin typeface="HY헤드라인M" pitchFamily="18" charset="-127"/>
-                <a:ea typeface="HY헤드라인M" pitchFamily="18" charset="-127"/>
+                <a:latin typeface="HY헤드라인M"/>
+                <a:ea typeface="HY헤드라인M"/>
               </a:rPr>
               <a:t>fjvbn2003@gmail.com</a:t>
             </a:r>
             <a:r>
-              <a:rPr lang="en-US" altLang="ko-KR" sz="1600" dirty="0">
-                <a:latin typeface="HY헤드라인M" pitchFamily="18" charset="-127"/>
-                <a:ea typeface="HY헤드라인M" pitchFamily="18" charset="-127"/>
-              </a:rPr>
-              <a:t>), </a:t>
-            </a:r>
-            <a:r>
-              <a:rPr lang="en-US" altLang="ko-KR" sz="1600" dirty="0" err="1">
-                <a:latin typeface="HY헤드라인M" pitchFamily="18" charset="-127"/>
-                <a:ea typeface="HY헤드라인M" pitchFamily="18" charset="-127"/>
-              </a:rPr>
-              <a:t>Github</a:t>
-            </a:r>
-            <a:r>
-              <a:rPr lang="en-US" altLang="ko-KR" sz="1600" dirty="0">
-                <a:latin typeface="HY헤드라인M" pitchFamily="18" charset="-127"/>
-                <a:ea typeface="HY헤드라인M" pitchFamily="18" charset="-127"/>
-              </a:rPr>
-              <a:t> : fjvbn2003</a:t>
-            </a:r>
-            <a:endParaRPr kumimoji="1" lang="ko-KR" altLang="ko-KR" sz="1600" i="0" u="none" strike="noStrike" cap="none" normalizeH="0" baseline="0" dirty="0">
-              <a:ln>
-                <a:noFill/>
-              </a:ln>
+              <a:rPr lang="en-US" altLang="ko-KR" sz="1600">
+                <a:latin typeface="HY헤드라인M"/>
+                <a:ea typeface="HY헤드라인M"/>
+              </a:rPr>
+              <a:t>), Github : fjvbn2003</a:t>
+            </a:r>
+            <a:endParaRPr kumimoji="1" lang="ko-KR" altLang="ko-KR" sz="1600" i="0" u="none" strike="noStrike" cap="none" normalizeH="0" baseline="0">
               <a:solidFill>
                 <a:schemeClr val="tx1"/>
               </a:solidFill>
               <a:effectLst/>
-              <a:latin typeface="HY헤드라인M" pitchFamily="18" charset="-127"/>
-              <a:ea typeface="HY헤드라인M" pitchFamily="18" charset="-127"/>
+              <a:latin typeface="HY헤드라인M"/>
+              <a:ea typeface="HY헤드라인M"/>
             </a:endParaRPr>
           </a:p>
         </p:txBody>
       </p:sp>
       <p:sp>
         <p:nvSpPr>
-          <p:cNvPr id="50" name="Rectangle 30">
-            <a:extLst>
-              <a:ext uri="{FF2B5EF4-FFF2-40B4-BE49-F238E27FC236}">
-                <a16:creationId xmlns:a16="http://schemas.microsoft.com/office/drawing/2014/main" id="{8564C32E-B136-4847-B215-0163F71ECC8F}"/>
-              </a:ext>
-            </a:extLst>
-          </p:cNvPr>
+          <p:cNvPr id="50" name="Rectangle 30"/>
           <p:cNvSpPr>
             <a:spLocks noChangeArrowheads="1"/>
           </p:cNvSpPr>
           <p:nvPr/>
         </p:nvSpPr>
-        <p:spPr bwMode="auto">
+        <p:spPr>
           <a:xfrm>
             <a:off x="2801643" y="4400792"/>
             <a:ext cx="5760000" cy="432000"/>
@@ -9575,9 +9354,7 @@
           </a:solidFill>
           <a:ln w="9525">
             <a:noFill/>
-            <a:miter lim="800000"/>
-            <a:headEnd/>
-            <a:tailEnd/>
+            <a:miter/>
           </a:ln>
           <a:scene3d>
             <a:camera prst="orthographicFront"/>
@@ -9588,14 +9365,14 @@
           </a:sp3d>
         </p:spPr>
         <p:txBody>
-          <a:bodyPr vert="horz" wrap="square" lIns="0" tIns="0" rIns="0" bIns="0" numCol="1" anchor="ctr" anchorCtr="0" compatLnSpc="1">
+          <a:bodyPr vert="horz" wrap="square" lIns="0" tIns="0" rIns="0" bIns="0" anchor="ctr" anchorCtr="0">
             <a:prstTxWarp prst="textNoShape">
               <a:avLst/>
             </a:prstTxWarp>
           </a:bodyPr>
           <a:lstStyle/>
           <a:p>
-            <a:pPr marL="0" marR="0" lvl="0" indent="0" defTabSz="914400" rtl="0" eaLnBrk="1" fontAlgn="base" latinLnBrk="1" hangingPunct="1">
+            <a:pPr marL="0" marR="0" lvl="0" indent="0" defTabSz="914400" rtl="0" eaLnBrk="1" latinLnBrk="1" hangingPunct="1">
               <a:lnSpc>
                 <a:spcPct val="100000"/>
               </a:lnSpc>
@@ -9606,138 +9383,91 @@
                 <a:spcPct val="0"/>
               </a:spcAft>
               <a:buClrTx/>
-              <a:buSzTx/>
               <a:buFontTx/>
               <a:buNone/>
-              <a:tabLst/>
+              <a:defRPr/>
             </a:pPr>
             <a:r>
-              <a:rPr kumimoji="1" lang="ko-KR" altLang="en-US" sz="1600" i="0" u="none" strike="noStrike" cap="none" normalizeH="0" baseline="0" dirty="0">
-                <a:ln>
-                  <a:noFill/>
-                </a:ln>
+              <a:rPr kumimoji="1" lang="ko-KR" altLang="en-US" sz="1600" i="0" u="none" strike="noStrike" cap="none" normalizeH="0" baseline="0">
                 <a:solidFill>
                   <a:schemeClr val="tx1"/>
                 </a:solidFill>
                 <a:effectLst/>
-                <a:latin typeface="HY헤드라인M" pitchFamily="18" charset="-127"/>
-                <a:ea typeface="HY헤드라인M" pitchFamily="18" charset="-127"/>
+                <a:latin typeface="HY헤드라인M"/>
+                <a:ea typeface="HY헤드라인M"/>
               </a:rPr>
               <a:t>  </a:t>
             </a:r>
             <a:r>
-              <a:rPr kumimoji="1" lang="en-US" altLang="ko-KR" sz="1600" i="0" u="none" strike="noStrike" cap="none" normalizeH="0" baseline="0" dirty="0">
-                <a:ln>
-                  <a:noFill/>
-                </a:ln>
+              <a:rPr kumimoji="1" lang="en-US" altLang="ko-KR" sz="1600" i="0" u="none" strike="noStrike" cap="none" normalizeH="0" baseline="0">
                 <a:solidFill>
                   <a:schemeClr val="tx1"/>
                 </a:solidFill>
                 <a:effectLst/>
-                <a:latin typeface="HY헤드라인M" pitchFamily="18" charset="-127"/>
-                <a:ea typeface="HY헤드라인M" pitchFamily="18" charset="-127"/>
+                <a:latin typeface="HY헤드라인M"/>
+                <a:ea typeface="HY헤드라인M"/>
               </a:rPr>
               <a:t>C :</a:t>
             </a:r>
             <a:r>
-              <a:rPr kumimoji="1" lang="ko-KR" altLang="en-US" sz="1600" i="0" u="none" strike="noStrike" cap="none" normalizeH="0" baseline="0" dirty="0">
-                <a:ln>
-                  <a:noFill/>
-                </a:ln>
+              <a:rPr kumimoji="1" lang="ko-KR" altLang="en-US" sz="1600" i="0" u="none" strike="noStrike" cap="none" normalizeH="0" baseline="0">
                 <a:solidFill>
                   <a:schemeClr val="tx1"/>
                 </a:solidFill>
                 <a:effectLst/>
-                <a:latin typeface="HY헤드라인M" pitchFamily="18" charset="-127"/>
-                <a:ea typeface="HY헤드라인M" pitchFamily="18" charset="-127"/>
+                <a:latin typeface="HY헤드라인M"/>
+                <a:ea typeface="HY헤드라인M"/>
               </a:rPr>
               <a:t> </a:t>
             </a:r>
             <a:r>
-              <a:rPr kumimoji="1" lang="ko-KR" altLang="en-US" sz="1600" i="0" u="none" strike="noStrike" cap="none" normalizeH="0" baseline="0" dirty="0" err="1">
-                <a:ln>
-                  <a:noFill/>
-                </a:ln>
+              <a:rPr kumimoji="1" lang="ko-KR" altLang="en-US" sz="1500" i="0" u="none" strike="noStrike" cap="none" normalizeH="0" baseline="0">
                 <a:solidFill>
                   <a:schemeClr val="tx1"/>
                 </a:solidFill>
                 <a:effectLst/>
-                <a:latin typeface="HY헤드라인M" pitchFamily="18" charset="-127"/>
-                <a:ea typeface="HY헤드라인M" pitchFamily="18" charset="-127"/>
+                <a:latin typeface="HY헤드라인M"/>
+                <a:ea typeface="HY헤드라인M"/>
               </a:rPr>
               <a:t>권기남</a:t>
             </a:r>
             <a:r>
-              <a:rPr kumimoji="1" lang="en-US" altLang="ko-KR" sz="1600" i="0" u="none" strike="noStrike" cap="none" normalizeH="0" baseline="0" dirty="0">
-                <a:ln>
-                  <a:noFill/>
-                </a:ln>
+              <a:rPr kumimoji="1" lang="en-US" altLang="ko-KR" sz="1500" i="0" u="none" strike="noStrike" cap="none" normalizeH="0" baseline="0">
                 <a:solidFill>
                   <a:schemeClr val="tx1"/>
                 </a:solidFill>
                 <a:effectLst/>
-                <a:latin typeface="HY헤드라인M" pitchFamily="18" charset="-127"/>
-                <a:ea typeface="HY헤드라인M" pitchFamily="18" charset="-127"/>
+                <a:latin typeface="HY헤드라인M"/>
+                <a:ea typeface="HY헤드라인M"/>
               </a:rPr>
               <a:t>(ginami0129g@gmail.com</a:t>
             </a:r>
             <a:r>
-              <a:rPr lang="en-US" altLang="ko-KR" sz="1600" dirty="0">
-                <a:latin typeface="HY헤드라인M" pitchFamily="18" charset="-127"/>
-                <a:ea typeface="HY헤드라인M" pitchFamily="18" charset="-127"/>
-              </a:rPr>
-              <a:t>), </a:t>
-            </a:r>
-            <a:r>
-              <a:rPr lang="en-US" altLang="ko-KR" sz="1600" dirty="0" err="1">
-                <a:latin typeface="HY헤드라인M" pitchFamily="18" charset="-127"/>
-                <a:ea typeface="HY헤드라인M" pitchFamily="18" charset="-127"/>
-              </a:rPr>
-              <a:t>Github</a:t>
-            </a:r>
-            <a:r>
-              <a:rPr lang="en-US" altLang="ko-KR" sz="1600" dirty="0">
-                <a:latin typeface="HY헤드라인M" pitchFamily="18" charset="-127"/>
-                <a:ea typeface="HY헤드라인M" pitchFamily="18" charset="-127"/>
-              </a:rPr>
-              <a:t> : ginami0129g</a:t>
-            </a:r>
-            <a:endParaRPr kumimoji="1" lang="ko-KR" altLang="ko-KR" sz="1600" i="0" u="none" strike="noStrike" cap="none" normalizeH="0" baseline="0" dirty="0">
-              <a:ln>
-                <a:noFill/>
-              </a:ln>
+              <a:rPr lang="en-US" altLang="ko-KR" sz="1500">
+                <a:latin typeface="HY헤드라인M"/>
+                <a:ea typeface="HY헤드라인M"/>
+              </a:rPr>
+              <a:t>), Github : ginami0129g</a:t>
+            </a:r>
+            <a:endParaRPr kumimoji="1" lang="ko-KR" altLang="ko-KR" sz="1500" i="0" u="none" strike="noStrike" cap="none" normalizeH="0" baseline="0">
               <a:solidFill>
                 <a:schemeClr val="tx1"/>
               </a:solidFill>
               <a:effectLst/>
-              <a:latin typeface="HY헤드라인M" pitchFamily="18" charset="-127"/>
-              <a:ea typeface="HY헤드라인M" pitchFamily="18" charset="-127"/>
+              <a:latin typeface="HY헤드라인M"/>
+              <a:ea typeface="HY헤드라인M"/>
             </a:endParaRPr>
           </a:p>
         </p:txBody>
       </p:sp>
       <p:pic>
         <p:nvPicPr>
-          <p:cNvPr id="52" name="그림 51" descr="사람, 앉아있는, 창문, 건물이(가) 표시된 사진&#10;&#10;자동 생성된 설명">
-            <a:extLst>
-              <a:ext uri="{FF2B5EF4-FFF2-40B4-BE49-F238E27FC236}">
-                <a16:creationId xmlns:a16="http://schemas.microsoft.com/office/drawing/2014/main" id="{83535C18-1536-4C4B-8E9F-7F5DC39E2210}"/>
-              </a:ext>
-            </a:extLst>
-          </p:cNvPr>
-          <p:cNvPicPr preferRelativeResize="0">
-            <a:picLocks/>
-          </p:cNvPicPr>
+          <p:cNvPr id="52" name="그림 51" descr="사람, 앉아있는, 창문, 건물이(가) 표시된 사진  자동 생성된 설명"/>
+          <p:cNvPicPr/>
           <p:nvPr/>
         </p:nvPicPr>
-        <p:blipFill>
-          <a:blip r:embed="rId2">
-            <a:extLst>
-              <a:ext uri="{28A0092B-C50C-407E-A947-70E740481C1C}">
-                <a14:useLocalDpi xmlns:a14="http://schemas.microsoft.com/office/drawing/2010/main" val="0"/>
-              </a:ext>
-            </a:extLst>
-          </a:blip>
+        <p:blipFill rotWithShape="1">
+          <a:blip r:embed="rId2"/>
           <a:stretch>
             <a:fillRect/>
           </a:stretch>
@@ -9754,28 +9484,18 @@
       </p:pic>
       <p:pic>
         <p:nvPicPr>
-          <p:cNvPr id="54" name="그림 53" descr="텍스트이(가) 표시된 사진&#10;&#10;자동 생성된 설명">
-            <a:extLst>
-              <a:ext uri="{FF2B5EF4-FFF2-40B4-BE49-F238E27FC236}">
-                <a16:creationId xmlns:a16="http://schemas.microsoft.com/office/drawing/2014/main" id="{19D4F603-669B-4AD9-A601-BC1DFBC0093F}"/>
-              </a:ext>
-            </a:extLst>
-          </p:cNvPr>
+          <p:cNvPr id="54" name="그림 53" descr="텍스트이(가) 표시된 사진  자동 생성된 설명"/>
           <p:cNvPicPr>
             <a:picLocks noChangeAspect="1"/>
           </p:cNvPicPr>
           <p:nvPr/>
         </p:nvPicPr>
         <p:blipFill rotWithShape="1">
-          <a:blip r:embed="rId3">
-            <a:extLst>
-              <a:ext uri="{28A0092B-C50C-407E-A947-70E740481C1C}">
-                <a14:useLocalDpi xmlns:a14="http://schemas.microsoft.com/office/drawing/2010/main" val="0"/>
-              </a:ext>
-            </a:extLst>
-          </a:blip>
-          <a:srcRect t="8000" r="2732" b="4000"/>
-          <a:stretch/>
+          <a:blip r:embed="rId3"/>
+          <a:srcRect t="8000" r="2730" b="4000"/>
+          <a:stretch>
+            <a:fillRect/>
+          </a:stretch>
         </p:blipFill>
         <p:spPr>
           <a:xfrm>
@@ -9789,26 +9509,12 @@
       </p:pic>
       <p:pic>
         <p:nvPicPr>
-          <p:cNvPr id="56" name="그림 55" descr="사람, 남자, 실내, 쥐고있는이(가) 표시된 사진&#10;&#10;자동 생성된 설명">
-            <a:extLst>
-              <a:ext uri="{FF2B5EF4-FFF2-40B4-BE49-F238E27FC236}">
-                <a16:creationId xmlns:a16="http://schemas.microsoft.com/office/drawing/2014/main" id="{8756CFFB-2EDB-4293-8CA0-B47049E2F1BB}"/>
-              </a:ext>
-            </a:extLst>
-          </p:cNvPr>
-          <p:cNvPicPr preferRelativeResize="0">
-            <a:picLocks/>
-          </p:cNvPicPr>
+          <p:cNvPr id="56" name="그림 55" descr="사람, 남자, 실내, 쥐고있는이(가) 표시된 사진  자동 생성된 설명"/>
+          <p:cNvPicPr/>
           <p:nvPr/>
         </p:nvPicPr>
-        <p:blipFill>
-          <a:blip r:embed="rId4">
-            <a:extLst>
-              <a:ext uri="{28A0092B-C50C-407E-A947-70E740481C1C}">
-                <a14:useLocalDpi xmlns:a14="http://schemas.microsoft.com/office/drawing/2010/main" val="0"/>
-              </a:ext>
-            </a:extLst>
-          </a:blip>
+        <p:blipFill rotWithShape="1">
+          <a:blip r:embed="rId4"/>
           <a:stretch>
             <a:fillRect/>
           </a:stretch>
@@ -9825,13 +9531,7 @@
       </p:pic>
       <p:sp>
         <p:nvSpPr>
-          <p:cNvPr id="57" name="TextBox 56">
-            <a:extLst>
-              <a:ext uri="{FF2B5EF4-FFF2-40B4-BE49-F238E27FC236}">
-                <a16:creationId xmlns:a16="http://schemas.microsoft.com/office/drawing/2014/main" id="{C7955844-BA0C-4A11-A796-9C0547A0D853}"/>
-              </a:ext>
-            </a:extLst>
-          </p:cNvPr>
+          <p:cNvPr id="57" name="TextBox 56"/>
           <p:cNvSpPr txBox="1"/>
           <p:nvPr/>
         </p:nvSpPr>
@@ -9846,34 +9546,31 @@
           <a:noFill/>
         </p:spPr>
         <p:txBody>
-          <a:bodyPr wrap="square" rtlCol="0">
+          <a:bodyPr wrap="square">
             <a:spAutoFit/>
           </a:bodyPr>
           <a:lstStyle/>
           <a:p>
-            <a:r>
-              <a:rPr lang="en-US" altLang="ko-KR" sz="1400" dirty="0">
-                <a:latin typeface="휴먼엑스포" panose="02030504000101010101" pitchFamily="18" charset="-127"/>
-                <a:ea typeface="휴먼엑스포" panose="02030504000101010101" pitchFamily="18" charset="-127"/>
+            <a:pPr lvl="0">
+              <a:defRPr/>
+            </a:pPr>
+            <a:r>
+              <a:rPr lang="en-US" altLang="ko-KR" sz="1400">
+                <a:latin typeface="휴먼엑스포"/>
+                <a:ea typeface="휴먼엑스포"/>
               </a:rPr>
               <a:t>A</a:t>
             </a:r>
-            <a:endParaRPr lang="ko-KR" altLang="en-US" sz="1400" dirty="0">
-              <a:latin typeface="휴먼엑스포" panose="02030504000101010101" pitchFamily="18" charset="-127"/>
-              <a:ea typeface="휴먼엑스포" panose="02030504000101010101" pitchFamily="18" charset="-127"/>
+            <a:endParaRPr lang="ko-KR" altLang="en-US" sz="1400">
+              <a:latin typeface="휴먼엑스포"/>
+              <a:ea typeface="휴먼엑스포"/>
             </a:endParaRPr>
           </a:p>
         </p:txBody>
       </p:sp>
       <p:sp>
         <p:nvSpPr>
-          <p:cNvPr id="59" name="TextBox 58">
-            <a:extLst>
-              <a:ext uri="{FF2B5EF4-FFF2-40B4-BE49-F238E27FC236}">
-                <a16:creationId xmlns:a16="http://schemas.microsoft.com/office/drawing/2014/main" id="{4E36B56C-3A96-4C46-8C1C-06A3D2FD2590}"/>
-              </a:ext>
-            </a:extLst>
-          </p:cNvPr>
+          <p:cNvPr id="59" name="TextBox 58"/>
           <p:cNvSpPr txBox="1"/>
           <p:nvPr/>
         </p:nvSpPr>
@@ -9888,34 +9585,31 @@
           <a:noFill/>
         </p:spPr>
         <p:txBody>
-          <a:bodyPr wrap="square" rtlCol="0">
+          <a:bodyPr wrap="square">
             <a:spAutoFit/>
           </a:bodyPr>
           <a:lstStyle/>
           <a:p>
-            <a:r>
-              <a:rPr lang="en-US" altLang="ko-KR" sz="1400" dirty="0">
-                <a:latin typeface="휴먼엑스포" panose="02030504000101010101" pitchFamily="18" charset="-127"/>
-                <a:ea typeface="휴먼엑스포" panose="02030504000101010101" pitchFamily="18" charset="-127"/>
+            <a:pPr lvl="0">
+              <a:defRPr/>
+            </a:pPr>
+            <a:r>
+              <a:rPr lang="en-US" altLang="ko-KR" sz="1400">
+                <a:latin typeface="휴먼엑스포"/>
+                <a:ea typeface="휴먼엑스포"/>
               </a:rPr>
               <a:t>B</a:t>
             </a:r>
-            <a:endParaRPr lang="ko-KR" altLang="en-US" sz="1400" dirty="0">
-              <a:latin typeface="휴먼엑스포" panose="02030504000101010101" pitchFamily="18" charset="-127"/>
-              <a:ea typeface="휴먼엑스포" panose="02030504000101010101" pitchFamily="18" charset="-127"/>
+            <a:endParaRPr lang="ko-KR" altLang="en-US" sz="1400">
+              <a:latin typeface="휴먼엑스포"/>
+              <a:ea typeface="휴먼엑스포"/>
             </a:endParaRPr>
           </a:p>
         </p:txBody>
       </p:sp>
       <p:pic>
         <p:nvPicPr>
-          <p:cNvPr id="2" name="그림 1">
-            <a:extLst>
-              <a:ext uri="{FF2B5EF4-FFF2-40B4-BE49-F238E27FC236}">
-                <a16:creationId xmlns:a16="http://schemas.microsoft.com/office/drawing/2014/main" id="{8FC4A997-5B3F-43FC-A2F3-8456D572CF86}"/>
-              </a:ext>
-            </a:extLst>
-          </p:cNvPr>
+          <p:cNvPr id="2" name="그림 1"/>
           <p:cNvPicPr/>
           <p:nvPr/>
         </p:nvPicPr>
@@ -9937,13 +9631,7 @@
       </p:pic>
       <p:sp>
         <p:nvSpPr>
-          <p:cNvPr id="4" name="TextBox 3">
-            <a:extLst>
-              <a:ext uri="{FF2B5EF4-FFF2-40B4-BE49-F238E27FC236}">
-                <a16:creationId xmlns:a16="http://schemas.microsoft.com/office/drawing/2014/main" id="{FA738EF1-2C98-4C5C-A017-D8BD27F45514}"/>
-              </a:ext>
-            </a:extLst>
-          </p:cNvPr>
+          <p:cNvPr id="4" name="TextBox 3"/>
           <p:cNvSpPr txBox="1"/>
           <p:nvPr/>
         </p:nvSpPr>
@@ -9958,35 +9646,41 @@
           <a:noFill/>
         </p:spPr>
         <p:txBody>
-          <a:bodyPr wrap="square" rtlCol="0">
+          <a:bodyPr wrap="square">
             <a:spAutoFit/>
           </a:bodyPr>
           <a:lstStyle/>
           <a:p>
-            <a:r>
-              <a:rPr lang="en-US" altLang="ko-KR" sz="1400" dirty="0">
-                <a:latin typeface="휴먼엑스포" panose="02030504000101010101" pitchFamily="18" charset="-127"/>
-                <a:ea typeface="휴먼엑스포" panose="02030504000101010101" pitchFamily="18" charset="-127"/>
+            <a:pPr lvl="0">
+              <a:defRPr/>
+            </a:pPr>
+            <a:r>
+              <a:rPr lang="en-US" altLang="ko-KR" sz="1400">
+                <a:latin typeface="휴먼엑스포"/>
+                <a:ea typeface="휴먼엑스포"/>
               </a:rPr>
               <a:t>C</a:t>
             </a:r>
-            <a:endParaRPr lang="ko-KR" altLang="en-US" sz="1400" dirty="0">
-              <a:latin typeface="휴먼엑스포" panose="02030504000101010101" pitchFamily="18" charset="-127"/>
-              <a:ea typeface="휴먼엑스포" panose="02030504000101010101" pitchFamily="18" charset="-127"/>
+            <a:endParaRPr lang="ko-KR" altLang="en-US" sz="1400">
+              <a:latin typeface="휴먼엑스포"/>
+              <a:ea typeface="휴먼엑스포"/>
             </a:endParaRPr>
           </a:p>
         </p:txBody>
       </p:sp>
     </p:spTree>
-    <p:extLst>
-      <p:ext uri="{BB962C8B-B14F-4D97-AF65-F5344CB8AC3E}">
-        <p14:creationId xmlns:p14="http://schemas.microsoft.com/office/powerpoint/2010/main" val="3426541607"/>
-      </p:ext>
-    </p:extLst>
   </p:cSld>
   <p:clrMapOvr>
     <a:masterClrMapping/>
   </p:clrMapOvr>
+  <mc:AlternateContent xmlns:mc="http://schemas.openxmlformats.org/markup-compatibility/2006">
+    <mc:Choice xmlns:p14="http://schemas.microsoft.com/office/powerpoint/2010/main" Requires="p14">
+      <p:transition xmlns:mc="http://schemas.openxmlformats.org/markup-compatibility/2006" xmlns:p14="http://schemas.microsoft.com/office/powerpoint/2010/main" mc:Ignorable="p14" p14:dur="500"/>
+    </mc:Choice>
+    <mc:Fallback>
+      <p:transition/>
+    </mc:Fallback>
+  </mc:AlternateContent>
 </p:sld>
 </file>
 

--- a/PPT/(발표자료) 웹 측정 자동화 서비스_너측정에문제있어.pptx
+++ b/PPT/(발표자료) 웹 측정 자동화 서비스_너측정에문제있어.pptx
@@ -1,6 +1,6 @@
 
 <file path=ppt/presentation.xml><?xml version="1.0" encoding="utf-8"?>
-<p:presentation xmlns:r="http://schemas.openxmlformats.org/officeDocument/2006/relationships" xmlns:c="http://schemas.openxmlformats.org/drawingml/2006/chart" xmlns:a="http://schemas.openxmlformats.org/drawingml/2006/main" xmlns:dgm="http://schemas.openxmlformats.org/drawingml/2006/diagram" xmlns:dsp="http://schemas.microsoft.com/office/drawing/2008/diagram" xmlns:p="http://schemas.openxmlformats.org/presentationml/2006/main">
+<p:presentation xmlns:a="http://schemas.openxmlformats.org/drawingml/2006/main" xmlns:r="http://schemas.openxmlformats.org/officeDocument/2006/relationships" xmlns:p="http://schemas.openxmlformats.org/presentationml/2006/main">
   <p:sldMasterIdLst>
     <p:sldMasterId id="2147483839" r:id="rId1"/>
   </p:sldMasterIdLst>
@@ -151,6 +151,22 @@
       </a:defRPr>
     </a:lvl9pPr>
   </p:defaultTextStyle>
+  <p:extLst>
+    <p:ext uri="{EFAFB233-063F-42B5-8137-9DF3F51BA10A}">
+      <p15:sldGuideLst xmlns:p15="http://schemas.microsoft.com/office/powerpoint/2012/main">
+        <p15:guide id="1" orient="horz" pos="2158">
+          <p15:clr>
+            <a:srgbClr val="A4A3A4"/>
+          </p15:clr>
+        </p15:guide>
+        <p15:guide id="2" pos="2878">
+          <p15:clr>
+            <a:srgbClr val="A4A3A4"/>
+          </p15:clr>
+        </p15:guide>
+      </p15:sldGuideLst>
+    </p:ext>
+  </p:extLst>
 </p:presentation>
 </file>
 
@@ -929,7 +945,7 @@
           <p:nvPr userDrawn="1"/>
         </p:nvPicPr>
         <p:blipFill>
-          <a:blip r:embed="rId2">
+          <a:blip r:embed="rId2" cstate="print">
             <a:extLst>
               <a:ext uri="{28A0092B-C50C-407E-A947-70E740481C1C}">
                 <a14:useLocalDpi xmlns:a14="http://schemas.microsoft.com/office/drawing/2010/main" val="0"/>
@@ -4785,7 +4801,7 @@
           <p:nvPr/>
         </p:nvPicPr>
         <p:blipFill>
-          <a:blip r:embed="rId4">
+          <a:blip r:embed="rId4" cstate="print">
             <a:extLst>
               <a:ext uri="{28A0092B-C50C-407E-A947-70E740481C1C}">
                 <a14:useLocalDpi xmlns:a14="http://schemas.microsoft.com/office/drawing/2010/main" val="0"/>
@@ -4820,7 +4836,7 @@
 </file>
 
 <file path=ppt/slides/slide12.xml><?xml version="1.0" encoding="utf-8"?>
-<p:sld xmlns:r="http://schemas.openxmlformats.org/officeDocument/2006/relationships" xmlns:c="http://schemas.openxmlformats.org/drawingml/2006/chart" xmlns:a="http://schemas.openxmlformats.org/drawingml/2006/main" xmlns:dgm="http://schemas.openxmlformats.org/drawingml/2006/diagram" xmlns:dsp="http://schemas.microsoft.com/office/drawing/2008/diagram" xmlns:p="http://schemas.openxmlformats.org/presentationml/2006/main">
+<p:sld xmlns:a="http://schemas.openxmlformats.org/drawingml/2006/main" xmlns:r="http://schemas.openxmlformats.org/officeDocument/2006/relationships" xmlns:p="http://schemas.openxmlformats.org/presentationml/2006/main">
   <p:cSld>
     <p:spTree>
       <p:nvGrpSpPr>
@@ -4859,7 +4875,7 @@
           </a:solidFill>
           <a:ln w="38100">
             <a:solidFill>
-              <a:srgbClr val="c0c0c0"/>
+              <a:srgbClr val="C0C0C0"/>
             </a:solidFill>
             <a:round/>
           </a:ln>
@@ -4893,10 +4909,6 @@
               </a:rPr>
               <a:t> 개발현황</a:t>
             </a:r>
-            <a:endParaRPr lang="ko-KR" altLang="en-US" sz="2400">
-              <a:latin typeface="HY견고딕"/>
-              <a:ea typeface="HY견고딕"/>
-            </a:endParaRPr>
           </a:p>
         </p:txBody>
       </p:sp>
@@ -4932,10 +4944,6 @@
               </a:rPr>
               <a:t>관리자 인터페이스</a:t>
             </a:r>
-            <a:endParaRPr lang="ko-KR" altLang="en-US" sz="3200">
-              <a:latin typeface="HY견고딕"/>
-              <a:ea typeface="HY견고딕"/>
-            </a:endParaRPr>
           </a:p>
         </p:txBody>
       </p:sp>
@@ -5053,7 +5061,7 @@
       </p:pic>
       <p:pic>
         <p:nvPicPr>
-          <p:cNvPr id="8" name=""/>
+          <p:cNvPr id="8" name="그림 7"/>
           <p:cNvPicPr/>
           <p:nvPr/>
         </p:nvPicPr>
@@ -5078,11 +5086,11 @@
   <p:clrMapOvr>
     <a:masterClrMapping/>
   </p:clrMapOvr>
-  <mc:AlternateContent xmlns:mc="http://schemas.openxmlformats.org/markup-compatibility/2006">
-    <mc:Choice xmlns:p14="http://schemas.microsoft.com/office/powerpoint/2010/main" Requires="p14">
-      <p:transition xmlns:mc="http://schemas.openxmlformats.org/markup-compatibility/2006" xmlns:p14="http://schemas.microsoft.com/office/powerpoint/2010/main" mc:Ignorable="p14" p14:dur="500"/>
+  <mc:AlternateContent xmlns:mc="http://schemas.openxmlformats.org/markup-compatibility/2006" xmlns:p14="http://schemas.microsoft.com/office/powerpoint/2010/main">
+    <mc:Choice Requires="p14">
+      <p:transition/>
     </mc:Choice>
-    <mc:Fallback>
+    <mc:Fallback xmlns:dsp="http://schemas.microsoft.com/office/drawing/2008/diagram" xmlns:dgm="http://schemas.openxmlformats.org/drawingml/2006/diagram" xmlns:c="http://schemas.openxmlformats.org/drawingml/2006/chart" xmlns="">
       <p:transition/>
     </mc:Fallback>
   </mc:AlternateContent>
@@ -8373,7 +8381,7 @@
 </file>
 
 <file path=ppt/slides/slide3.xml><?xml version="1.0" encoding="utf-8"?>
-<p:sld xmlns:r="http://schemas.openxmlformats.org/officeDocument/2006/relationships" xmlns:c="http://schemas.openxmlformats.org/drawingml/2006/chart" xmlns:a="http://schemas.openxmlformats.org/drawingml/2006/main" xmlns:dgm="http://schemas.openxmlformats.org/drawingml/2006/diagram" xmlns:dsp="http://schemas.microsoft.com/office/drawing/2008/diagram" xmlns:p="http://schemas.openxmlformats.org/presentationml/2006/main">
+<p:sld xmlns:a="http://schemas.openxmlformats.org/drawingml/2006/main" xmlns:r="http://schemas.openxmlformats.org/officeDocument/2006/relationships" xmlns:p="http://schemas.openxmlformats.org/presentationml/2006/main">
   <p:cSld>
     <p:spTree>
       <p:nvGrpSpPr>
@@ -8389,6 +8397,42 @@
           <a:chExt cx="0" cy="0"/>
         </a:xfrm>
       </p:grpSpPr>
+      <p:pic>
+        <p:nvPicPr>
+          <p:cNvPr id="6" name="그림 5" descr="노트북, 컴퓨터, 테이블, 실내이(가) 표시된 사진&#10;&#10;자동 생성된 설명">
+            <a:extLst>
+              <a:ext uri="{FF2B5EF4-FFF2-40B4-BE49-F238E27FC236}">
+                <a16:creationId xmlns:a16="http://schemas.microsoft.com/office/drawing/2014/main" id="{96CCCBCC-2544-4342-85B1-F19F34C8F7E2}"/>
+              </a:ext>
+            </a:extLst>
+          </p:cNvPr>
+          <p:cNvPicPr preferRelativeResize="0">
+            <a:picLocks/>
+          </p:cNvPicPr>
+          <p:nvPr/>
+        </p:nvPicPr>
+        <p:blipFill>
+          <a:blip r:embed="rId2" cstate="print">
+            <a:extLst>
+              <a:ext uri="{28A0092B-C50C-407E-A947-70E740481C1C}">
+                <a14:useLocalDpi xmlns:a14="http://schemas.microsoft.com/office/drawing/2010/main" val="0"/>
+              </a:ext>
+            </a:extLst>
+          </a:blip>
+          <a:stretch>
+            <a:fillRect/>
+          </a:stretch>
+        </p:blipFill>
+        <p:spPr>
+          <a:xfrm>
+            <a:off x="4781643" y="4921423"/>
+            <a:ext cx="1800000" cy="1558800"/>
+          </a:xfrm>
+          <a:prstGeom prst="rect">
+            <a:avLst/>
+          </a:prstGeom>
+        </p:spPr>
+      </p:pic>
       <p:sp>
         <p:nvSpPr>
           <p:cNvPr id="3" name="AutoShape 1030"/>
@@ -8412,7 +8456,7 @@
           </a:solidFill>
           <a:ln w="38100">
             <a:solidFill>
-              <a:srgbClr val="c0c0c0"/>
+              <a:srgbClr val="C0C0C0"/>
             </a:solidFill>
             <a:round/>
           </a:ln>
@@ -8439,10 +8483,6 @@
               </a:rPr>
               <a:t> 팀 소개</a:t>
             </a:r>
-            <a:endParaRPr lang="ko-KR" altLang="en-US" sz="2400">
-              <a:latin typeface="HY견고딕"/>
-              <a:ea typeface="HY견고딕"/>
-            </a:endParaRPr>
           </a:p>
         </p:txBody>
       </p:sp>
@@ -8785,14 +8825,6 @@
               </a:rPr>
               <a:t>   웹기반 측정 자동화 서비스</a:t>
             </a:r>
-            <a:endParaRPr kumimoji="1" lang="ko-KR" altLang="en-US" i="0" u="none" strike="noStrike" cap="none" normalizeH="0" baseline="0">
-              <a:solidFill>
-                <a:schemeClr val="tx1"/>
-              </a:solidFill>
-              <a:effectLst/>
-              <a:latin typeface="HY헤드라인M"/>
-              <a:ea typeface="HY헤드라인M"/>
-            </a:endParaRPr>
           </a:p>
           <a:p>
             <a:pPr marL="0" marR="0" lvl="0" indent="0" defTabSz="914400" rtl="0" eaLnBrk="1" latinLnBrk="1" hangingPunct="1">
@@ -8976,14 +9008,6 @@
               </a:rPr>
               <a:t>?</a:t>
             </a:r>
-            <a:endParaRPr kumimoji="1" lang="en-US" altLang="ko-KR" i="0" u="none" strike="noStrike" cap="none" normalizeH="0" baseline="0">
-              <a:solidFill>
-                <a:schemeClr val="tx1"/>
-              </a:solidFill>
-              <a:effectLst/>
-              <a:latin typeface="HY헤드라인M"/>
-              <a:ea typeface="HY헤드라인M"/>
-            </a:endParaRPr>
           </a:p>
           <a:p>
             <a:pPr marL="0" marR="0" lvl="0" indent="0" defTabSz="914400" rtl="0" eaLnBrk="1" latinLnBrk="1" hangingPunct="1">
@@ -9460,28 +9484,6 @@
           </a:p>
         </p:txBody>
       </p:sp>
-      <p:pic>
-        <p:nvPicPr>
-          <p:cNvPr id="52" name="그림 51" descr="사람, 앉아있는, 창문, 건물이(가) 표시된 사진  자동 생성된 설명"/>
-          <p:cNvPicPr/>
-          <p:nvPr/>
-        </p:nvPicPr>
-        <p:blipFill rotWithShape="1">
-          <a:blip r:embed="rId2"/>
-          <a:stretch>
-            <a:fillRect/>
-          </a:stretch>
-        </p:blipFill>
-        <p:spPr>
-          <a:xfrm>
-            <a:off x="4781711" y="4895301"/>
-            <a:ext cx="1800000" cy="1558034"/>
-          </a:xfrm>
-          <a:prstGeom prst="rect">
-            <a:avLst/>
-          </a:prstGeom>
-        </p:spPr>
-      </p:pic>
       <p:pic>
         <p:nvPicPr>
           <p:cNvPr id="54" name="그림 53" descr="텍스트이(가) 표시된 사진  자동 생성된 설명"/>
@@ -9673,11 +9675,11 @@
   <p:clrMapOvr>
     <a:masterClrMapping/>
   </p:clrMapOvr>
-  <mc:AlternateContent xmlns:mc="http://schemas.openxmlformats.org/markup-compatibility/2006">
-    <mc:Choice xmlns:p14="http://schemas.microsoft.com/office/powerpoint/2010/main" Requires="p14">
-      <p:transition xmlns:mc="http://schemas.openxmlformats.org/markup-compatibility/2006" xmlns:p14="http://schemas.microsoft.com/office/powerpoint/2010/main" mc:Ignorable="p14" p14:dur="500"/>
+  <mc:AlternateContent xmlns:mc="http://schemas.openxmlformats.org/markup-compatibility/2006" xmlns:p14="http://schemas.microsoft.com/office/powerpoint/2010/main">
+    <mc:Choice Requires="p14">
+      <p:transition/>
     </mc:Choice>
-    <mc:Fallback>
+    <mc:Fallback xmlns:dsp="http://schemas.microsoft.com/office/drawing/2008/diagram" xmlns:dgm="http://schemas.openxmlformats.org/drawingml/2006/diagram" xmlns:c="http://schemas.openxmlformats.org/drawingml/2006/chart" xmlns="">
       <p:transition/>
     </mc:Fallback>
   </mc:AlternateContent>
@@ -10019,7 +10021,7 @@
           <p:nvPr>
             <p:extLst>
               <p:ext uri="{D42A27DB-BD31-4B8C-83A1-F6EECF244321}">
-                <p14:modId xmlns:p14="http://schemas.microsoft.com/office/powerpoint/2010/main" val="3634630970"/>
+                <p14:modId xmlns:p14="http://schemas.microsoft.com/office/powerpoint/2010/main" val="1338420537"/>
               </p:ext>
             </p:extLst>
           </p:nvPr>
@@ -10094,8 +10096,8 @@
                       <a:pPr algn="ctr" latinLnBrk="1"/>
                       <a:r>
                         <a:rPr lang="ko-KR" altLang="en-US" sz="1400" b="1" dirty="0">
-                          <a:latin typeface="HY헤드라인M" panose="02030600000101010101" pitchFamily="18" charset="-127"/>
-                          <a:ea typeface="HY헤드라인M" panose="02030600000101010101" pitchFamily="18" charset="-127"/>
+                          <a:latin typeface="HY견고딕" panose="02030600000101010101" pitchFamily="18" charset="-127"/>
+                          <a:ea typeface="HY견고딕" panose="02030600000101010101" pitchFamily="18" charset="-127"/>
                         </a:rPr>
                         <a:t>순서</a:t>
                       </a:r>
@@ -10154,14 +10156,14 @@
                       <a:pPr algn="ctr" latinLnBrk="1"/>
                       <a:r>
                         <a:rPr lang="en-US" altLang="ko-KR" sz="1400" b="1" dirty="0">
-                          <a:latin typeface="HY헤드라인M" panose="02030600000101010101" pitchFamily="18" charset="-127"/>
-                          <a:ea typeface="HY헤드라인M" panose="02030600000101010101" pitchFamily="18" charset="-127"/>
+                          <a:latin typeface="HY견고딕" panose="02030600000101010101" pitchFamily="18" charset="-127"/>
+                          <a:ea typeface="HY견고딕" panose="02030600000101010101" pitchFamily="18" charset="-127"/>
                         </a:rPr>
                         <a:t>1</a:t>
                       </a:r>
                       <a:endParaRPr lang="ko-KR" altLang="en-US" sz="1400" b="1" dirty="0">
-                        <a:latin typeface="HY헤드라인M" panose="02030600000101010101" pitchFamily="18" charset="-127"/>
-                        <a:ea typeface="HY헤드라인M" panose="02030600000101010101" pitchFamily="18" charset="-127"/>
+                        <a:latin typeface="HY견고딕" panose="02030600000101010101" pitchFamily="18" charset="-127"/>
+                        <a:ea typeface="HY견고딕" panose="02030600000101010101" pitchFamily="18" charset="-127"/>
                       </a:endParaRPr>
                     </a:p>
                   </a:txBody>
@@ -10218,14 +10220,14 @@
                       <a:pPr algn="ctr" latinLnBrk="1"/>
                       <a:r>
                         <a:rPr lang="en-US" altLang="ko-KR" sz="1400" b="1" dirty="0">
-                          <a:latin typeface="HY헤드라인M" panose="02030600000101010101" pitchFamily="18" charset="-127"/>
-                          <a:ea typeface="HY헤드라인M" panose="02030600000101010101" pitchFamily="18" charset="-127"/>
+                          <a:latin typeface="HY견고딕" panose="02030600000101010101" pitchFamily="18" charset="-127"/>
+                          <a:ea typeface="HY견고딕" panose="02030600000101010101" pitchFamily="18" charset="-127"/>
                         </a:rPr>
                         <a:t>2</a:t>
                       </a:r>
                       <a:endParaRPr lang="ko-KR" altLang="en-US" sz="1400" b="1" dirty="0">
-                        <a:latin typeface="HY헤드라인M" panose="02030600000101010101" pitchFamily="18" charset="-127"/>
-                        <a:ea typeface="HY헤드라인M" panose="02030600000101010101" pitchFamily="18" charset="-127"/>
+                        <a:latin typeface="HY견고딕" panose="02030600000101010101" pitchFamily="18" charset="-127"/>
+                        <a:ea typeface="HY견고딕" panose="02030600000101010101" pitchFamily="18" charset="-127"/>
                       </a:endParaRPr>
                     </a:p>
                   </a:txBody>
@@ -10282,14 +10284,14 @@
                       <a:pPr algn="ctr" latinLnBrk="1"/>
                       <a:r>
                         <a:rPr lang="en-US" altLang="ko-KR" sz="1400" b="1" dirty="0">
-                          <a:latin typeface="HY헤드라인M" panose="02030600000101010101" pitchFamily="18" charset="-127"/>
-                          <a:ea typeface="HY헤드라인M" panose="02030600000101010101" pitchFamily="18" charset="-127"/>
+                          <a:latin typeface="HY견고딕" panose="02030600000101010101" pitchFamily="18" charset="-127"/>
+                          <a:ea typeface="HY견고딕" panose="02030600000101010101" pitchFamily="18" charset="-127"/>
                         </a:rPr>
                         <a:t>3</a:t>
                       </a:r>
                       <a:endParaRPr lang="ko-KR" altLang="en-US" sz="1400" b="1" dirty="0">
-                        <a:latin typeface="HY헤드라인M" panose="02030600000101010101" pitchFamily="18" charset="-127"/>
-                        <a:ea typeface="HY헤드라인M" panose="02030600000101010101" pitchFamily="18" charset="-127"/>
+                        <a:latin typeface="HY견고딕" panose="02030600000101010101" pitchFamily="18" charset="-127"/>
+                        <a:ea typeface="HY견고딕" panose="02030600000101010101" pitchFamily="18" charset="-127"/>
                       </a:endParaRPr>
                     </a:p>
                   </a:txBody>
@@ -10346,14 +10348,14 @@
                       <a:pPr algn="ctr" latinLnBrk="1"/>
                       <a:r>
                         <a:rPr lang="en-US" altLang="ko-KR" sz="1400" b="1" dirty="0">
-                          <a:latin typeface="HY헤드라인M" panose="02030600000101010101" pitchFamily="18" charset="-127"/>
-                          <a:ea typeface="HY헤드라인M" panose="02030600000101010101" pitchFamily="18" charset="-127"/>
+                          <a:latin typeface="HY견고딕" panose="02030600000101010101" pitchFamily="18" charset="-127"/>
+                          <a:ea typeface="HY견고딕" panose="02030600000101010101" pitchFamily="18" charset="-127"/>
                         </a:rPr>
                         <a:t>4</a:t>
                       </a:r>
                       <a:endParaRPr lang="ko-KR" altLang="en-US" sz="1400" b="1" dirty="0">
-                        <a:latin typeface="HY헤드라인M" panose="02030600000101010101" pitchFamily="18" charset="-127"/>
-                        <a:ea typeface="HY헤드라인M" panose="02030600000101010101" pitchFamily="18" charset="-127"/>
+                        <a:latin typeface="HY견고딕" panose="02030600000101010101" pitchFamily="18" charset="-127"/>
+                        <a:ea typeface="HY견고딕" panose="02030600000101010101" pitchFamily="18" charset="-127"/>
                       </a:endParaRPr>
                     </a:p>
                   </a:txBody>
@@ -10410,14 +10412,14 @@
                       <a:pPr algn="ctr" latinLnBrk="1"/>
                       <a:r>
                         <a:rPr lang="en-US" altLang="ko-KR" sz="1400" b="1" dirty="0">
-                          <a:latin typeface="HY헤드라인M" panose="02030600000101010101" pitchFamily="18" charset="-127"/>
-                          <a:ea typeface="HY헤드라인M" panose="02030600000101010101" pitchFamily="18" charset="-127"/>
+                          <a:latin typeface="HY견고딕" panose="02030600000101010101" pitchFamily="18" charset="-127"/>
+                          <a:ea typeface="HY견고딕" panose="02030600000101010101" pitchFamily="18" charset="-127"/>
                         </a:rPr>
                         <a:t>5</a:t>
                       </a:r>
                       <a:endParaRPr lang="ko-KR" altLang="en-US" sz="1400" b="1" dirty="0">
-                        <a:latin typeface="HY헤드라인M" panose="02030600000101010101" pitchFamily="18" charset="-127"/>
-                        <a:ea typeface="HY헤드라인M" panose="02030600000101010101" pitchFamily="18" charset="-127"/>
+                        <a:latin typeface="HY견고딕" panose="02030600000101010101" pitchFamily="18" charset="-127"/>
+                        <a:ea typeface="HY견고딕" panose="02030600000101010101" pitchFamily="18" charset="-127"/>
                       </a:endParaRPr>
                     </a:p>
                   </a:txBody>
@@ -10474,14 +10476,14 @@
                       <a:pPr algn="ctr" latinLnBrk="1"/>
                       <a:r>
                         <a:rPr lang="en-US" altLang="ko-KR" sz="1400" b="1" dirty="0">
-                          <a:latin typeface="HY헤드라인M" panose="02030600000101010101" pitchFamily="18" charset="-127"/>
-                          <a:ea typeface="HY헤드라인M" panose="02030600000101010101" pitchFamily="18" charset="-127"/>
+                          <a:latin typeface="HY견고딕" panose="02030600000101010101" pitchFamily="18" charset="-127"/>
+                          <a:ea typeface="HY견고딕" panose="02030600000101010101" pitchFamily="18" charset="-127"/>
                         </a:rPr>
                         <a:t>6</a:t>
                       </a:r>
                       <a:endParaRPr lang="ko-KR" altLang="en-US" sz="1400" b="1" dirty="0">
-                        <a:latin typeface="HY헤드라인M" panose="02030600000101010101" pitchFamily="18" charset="-127"/>
-                        <a:ea typeface="HY헤드라인M" panose="02030600000101010101" pitchFamily="18" charset="-127"/>
+                        <a:latin typeface="HY견고딕" panose="02030600000101010101" pitchFamily="18" charset="-127"/>
+                        <a:ea typeface="HY견고딕" panose="02030600000101010101" pitchFamily="18" charset="-127"/>
                       </a:endParaRPr>
                     </a:p>
                   </a:txBody>
@@ -10545,8 +10547,8 @@
                       <a:pPr algn="ctr" latinLnBrk="1"/>
                       <a:r>
                         <a:rPr lang="ko-KR" altLang="en-US" sz="1400" b="1" dirty="0">
-                          <a:latin typeface="HY헤드라인M" panose="02030600000101010101" pitchFamily="18" charset="-127"/>
-                          <a:ea typeface="HY헤드라인M" panose="02030600000101010101" pitchFamily="18" charset="-127"/>
+                          <a:latin typeface="HY견고딕" panose="02030600000101010101" pitchFamily="18" charset="-127"/>
+                          <a:ea typeface="HY견고딕" panose="02030600000101010101" pitchFamily="18" charset="-127"/>
                         </a:rPr>
                         <a:t>도시기호</a:t>
                       </a:r>
@@ -10604,8 +10606,8 @@
                     <a:p>
                       <a:pPr algn="ctr" latinLnBrk="1"/>
                       <a:endParaRPr lang="ko-KR" altLang="en-US" sz="1400" b="1" dirty="0">
-                        <a:latin typeface="HY헤드라인M" panose="02030600000101010101" pitchFamily="18" charset="-127"/>
-                        <a:ea typeface="HY헤드라인M" panose="02030600000101010101" pitchFamily="18" charset="-127"/>
+                        <a:latin typeface="HY견고딕" panose="02030600000101010101" pitchFamily="18" charset="-127"/>
+                        <a:ea typeface="HY견고딕" panose="02030600000101010101" pitchFamily="18" charset="-127"/>
                       </a:endParaRPr>
                     </a:p>
                   </a:txBody>
@@ -10793,8 +10795,8 @@
                       <a:pPr algn="ctr" latinLnBrk="1"/>
                       <a:r>
                         <a:rPr lang="ko-KR" altLang="en-US" sz="1400" b="1" dirty="0">
-                          <a:latin typeface="HY헤드라인M" panose="02030600000101010101" pitchFamily="18" charset="-127"/>
-                          <a:ea typeface="HY헤드라인M" panose="02030600000101010101" pitchFamily="18" charset="-127"/>
+                          <a:latin typeface="HY견고딕" panose="02030600000101010101" pitchFamily="18" charset="-127"/>
+                          <a:ea typeface="HY견고딕" panose="02030600000101010101" pitchFamily="18" charset="-127"/>
                         </a:rPr>
                         <a:t>프로세스 </a:t>
                       </a:r>
@@ -10853,8 +10855,8 @@
                       <a:pPr algn="ctr" latinLnBrk="1"/>
                       <a:r>
                         <a:rPr lang="ko-KR" altLang="en-US" sz="1400" b="1" dirty="0">
-                          <a:latin typeface="HY헤드라인M" panose="02030600000101010101" pitchFamily="18" charset="-127"/>
-                          <a:ea typeface="HY헤드라인M" panose="02030600000101010101" pitchFamily="18" charset="-127"/>
+                          <a:latin typeface="HY견고딕" panose="02030600000101010101" pitchFamily="18" charset="-127"/>
+                          <a:ea typeface="HY견고딕" panose="02030600000101010101" pitchFamily="18" charset="-127"/>
                         </a:rPr>
                         <a:t>입 고</a:t>
                       </a:r>
@@ -10913,8 +10915,8 @@
                       <a:pPr algn="ctr" latinLnBrk="1"/>
                       <a:r>
                         <a:rPr lang="ko-KR" altLang="en-US" sz="1400" b="1" dirty="0">
-                          <a:latin typeface="HY헤드라인M" panose="02030600000101010101" pitchFamily="18" charset="-127"/>
-                          <a:ea typeface="HY헤드라인M" panose="02030600000101010101" pitchFamily="18" charset="-127"/>
+                          <a:latin typeface="HY견고딕" panose="02030600000101010101" pitchFamily="18" charset="-127"/>
+                          <a:ea typeface="HY견고딕" panose="02030600000101010101" pitchFamily="18" charset="-127"/>
                         </a:rPr>
                         <a:t>수령 검사</a:t>
                       </a:r>
@@ -10964,8 +10966,8 @@
                       <a:pPr algn="ctr" latinLnBrk="1"/>
                       <a:r>
                         <a:rPr lang="ko-KR" altLang="en-US" sz="1400" b="1" dirty="0">
-                          <a:latin typeface="HY헤드라인M" panose="02030600000101010101" pitchFamily="18" charset="-127"/>
-                          <a:ea typeface="HY헤드라인M" panose="02030600000101010101" pitchFamily="18" charset="-127"/>
+                          <a:latin typeface="HY견고딕" panose="02030600000101010101" pitchFamily="18" charset="-127"/>
+                          <a:ea typeface="HY견고딕" panose="02030600000101010101" pitchFamily="18" charset="-127"/>
                         </a:rPr>
                         <a:t>상태 검사</a:t>
                       </a:r>
@@ -11015,8 +11017,8 @@
                       <a:pPr algn="ctr" latinLnBrk="1"/>
                       <a:r>
                         <a:rPr lang="ko-KR" altLang="en-US" sz="1400" b="1" dirty="0">
-                          <a:latin typeface="HY헤드라인M" panose="02030600000101010101" pitchFamily="18" charset="-127"/>
-                          <a:ea typeface="HY헤드라인M" panose="02030600000101010101" pitchFamily="18" charset="-127"/>
+                          <a:latin typeface="HY견고딕" panose="02030600000101010101" pitchFamily="18" charset="-127"/>
+                          <a:ea typeface="HY견고딕" panose="02030600000101010101" pitchFamily="18" charset="-127"/>
                         </a:rPr>
                         <a:t>측정</a:t>
                       </a:r>
@@ -11066,8 +11068,8 @@
                       <a:pPr algn="ctr" latinLnBrk="1"/>
                       <a:r>
                         <a:rPr lang="ko-KR" altLang="en-US" sz="1400" b="1" dirty="0">
-                          <a:latin typeface="HY헤드라인M" panose="02030600000101010101" pitchFamily="18" charset="-127"/>
-                          <a:ea typeface="HY헤드라인M" panose="02030600000101010101" pitchFamily="18" charset="-127"/>
+                          <a:latin typeface="HY견고딕" panose="02030600000101010101" pitchFamily="18" charset="-127"/>
+                          <a:ea typeface="HY견고딕" panose="02030600000101010101" pitchFamily="18" charset="-127"/>
                         </a:rPr>
                         <a:t>최종 점검 및 품질검사</a:t>
                       </a:r>
@@ -11117,8 +11119,8 @@
                       <a:pPr algn="ctr" latinLnBrk="1"/>
                       <a:r>
                         <a:rPr lang="ko-KR" altLang="en-US" sz="1400" b="1" dirty="0">
-                          <a:latin typeface="HY헤드라인M" panose="02030600000101010101" pitchFamily="18" charset="-127"/>
-                          <a:ea typeface="HY헤드라인M" panose="02030600000101010101" pitchFamily="18" charset="-127"/>
+                          <a:latin typeface="HY견고딕" panose="02030600000101010101" pitchFamily="18" charset="-127"/>
+                          <a:ea typeface="HY견고딕" panose="02030600000101010101" pitchFamily="18" charset="-127"/>
                         </a:rPr>
                         <a:t>출고</a:t>
                       </a:r>
@@ -11175,21 +11177,21 @@
                       <a:pPr algn="ctr" latinLnBrk="1"/>
                       <a:r>
                         <a:rPr lang="ko-KR" altLang="en-US" sz="1400" b="1" dirty="0">
-                          <a:latin typeface="HY헤드라인M" panose="02030600000101010101" pitchFamily="18" charset="-127"/>
-                          <a:ea typeface="HY헤드라인M" panose="02030600000101010101" pitchFamily="18" charset="-127"/>
+                          <a:latin typeface="HY견고딕" panose="02030600000101010101" pitchFamily="18" charset="-127"/>
+                          <a:ea typeface="HY견고딕" panose="02030600000101010101" pitchFamily="18" charset="-127"/>
                         </a:rPr>
                         <a:t>프로세스</a:t>
                       </a:r>
                       <a:br>
                         <a:rPr lang="en-US" altLang="ko-KR" sz="1400" b="1" dirty="0">
-                          <a:latin typeface="HY헤드라인M" panose="02030600000101010101" pitchFamily="18" charset="-127"/>
-                          <a:ea typeface="HY헤드라인M" panose="02030600000101010101" pitchFamily="18" charset="-127"/>
+                          <a:latin typeface="HY견고딕" panose="02030600000101010101" pitchFamily="18" charset="-127"/>
+                          <a:ea typeface="HY견고딕" panose="02030600000101010101" pitchFamily="18" charset="-127"/>
                         </a:rPr>
                       </a:br>
                       <a:r>
                         <a:rPr lang="ko-KR" altLang="en-US" sz="1400" b="1" dirty="0">
-                          <a:latin typeface="HY헤드라인M" panose="02030600000101010101" pitchFamily="18" charset="-127"/>
-                          <a:ea typeface="HY헤드라인M" panose="02030600000101010101" pitchFamily="18" charset="-127"/>
+                          <a:latin typeface="HY견고딕" panose="02030600000101010101" pitchFamily="18" charset="-127"/>
+                          <a:ea typeface="HY견고딕" panose="02030600000101010101" pitchFamily="18" charset="-127"/>
                         </a:rPr>
                         <a:t>설명</a:t>
                       </a:r>
@@ -11248,35 +11250,35 @@
                       <a:pPr algn="ctr" latinLnBrk="1"/>
                       <a:r>
                         <a:rPr lang="ko-KR" altLang="en-US" sz="1400" b="0" dirty="0">
-                          <a:latin typeface="HY헤드라인M" panose="02030600000101010101" pitchFamily="18" charset="-127"/>
-                          <a:ea typeface="HY헤드라인M" panose="02030600000101010101" pitchFamily="18" charset="-127"/>
+                          <a:latin typeface="HY견고딕" panose="02030600000101010101" pitchFamily="18" charset="-127"/>
+                          <a:ea typeface="HY견고딕" panose="02030600000101010101" pitchFamily="18" charset="-127"/>
                         </a:rPr>
                         <a:t>사용자 보유</a:t>
                       </a:r>
                       <a:endParaRPr lang="en-US" altLang="ko-KR" sz="1400" b="0" dirty="0">
-                        <a:latin typeface="HY헤드라인M" panose="02030600000101010101" pitchFamily="18" charset="-127"/>
-                        <a:ea typeface="HY헤드라인M" panose="02030600000101010101" pitchFamily="18" charset="-127"/>
+                        <a:latin typeface="HY견고딕" panose="02030600000101010101" pitchFamily="18" charset="-127"/>
+                        <a:ea typeface="HY견고딕" panose="02030600000101010101" pitchFamily="18" charset="-127"/>
                       </a:endParaRPr>
                     </a:p>
                     <a:p>
                       <a:pPr algn="ctr" latinLnBrk="1"/>
                       <a:r>
                         <a:rPr lang="ko-KR" altLang="en-US" sz="1400" b="0" dirty="0">
-                          <a:latin typeface="HY헤드라인M" panose="02030600000101010101" pitchFamily="18" charset="-127"/>
-                          <a:ea typeface="HY헤드라인M" panose="02030600000101010101" pitchFamily="18" charset="-127"/>
+                          <a:latin typeface="HY견고딕" panose="02030600000101010101" pitchFamily="18" charset="-127"/>
+                          <a:ea typeface="HY견고딕" panose="02030600000101010101" pitchFamily="18" charset="-127"/>
                         </a:rPr>
                         <a:t>계측기</a:t>
                       </a:r>
                       <a:br>
                         <a:rPr lang="en-US" altLang="ko-KR" sz="1400" b="0" dirty="0">
-                          <a:latin typeface="HY헤드라인M" panose="02030600000101010101" pitchFamily="18" charset="-127"/>
-                          <a:ea typeface="HY헤드라인M" panose="02030600000101010101" pitchFamily="18" charset="-127"/>
+                          <a:latin typeface="HY견고딕" panose="02030600000101010101" pitchFamily="18" charset="-127"/>
+                          <a:ea typeface="HY견고딕" panose="02030600000101010101" pitchFamily="18" charset="-127"/>
                         </a:rPr>
                       </a:br>
                       <a:r>
                         <a:rPr lang="ko-KR" altLang="en-US" sz="1400" b="0" dirty="0">
-                          <a:latin typeface="HY헤드라인M" panose="02030600000101010101" pitchFamily="18" charset="-127"/>
-                          <a:ea typeface="HY헤드라인M" panose="02030600000101010101" pitchFamily="18" charset="-127"/>
+                          <a:latin typeface="HY견고딕" panose="02030600000101010101" pitchFamily="18" charset="-127"/>
+                          <a:ea typeface="HY견고딕" panose="02030600000101010101" pitchFamily="18" charset="-127"/>
                         </a:rPr>
                         <a:t>입고</a:t>
                       </a:r>
@@ -11332,28 +11334,28 @@
                       <a:pPr algn="ctr" latinLnBrk="1"/>
                       <a:r>
                         <a:rPr lang="ko-KR" altLang="en-US" sz="1400" b="0" baseline="0" dirty="0">
-                          <a:latin typeface="HY헤드라인M" panose="02030600000101010101" pitchFamily="18" charset="-127"/>
-                          <a:ea typeface="HY헤드라인M" panose="02030600000101010101" pitchFamily="18" charset="-127"/>
+                          <a:latin typeface="HY견고딕" panose="02030600000101010101" pitchFamily="18" charset="-127"/>
+                          <a:ea typeface="HY견고딕" panose="02030600000101010101" pitchFamily="18" charset="-127"/>
                         </a:rPr>
                         <a:t>계측기</a:t>
                       </a:r>
                       <a:endParaRPr lang="en-US" altLang="ko-KR" sz="1400" b="0" baseline="0" dirty="0">
-                        <a:latin typeface="HY헤드라인M" panose="02030600000101010101" pitchFamily="18" charset="-127"/>
-                        <a:ea typeface="HY헤드라인M" panose="02030600000101010101" pitchFamily="18" charset="-127"/>
+                        <a:latin typeface="HY견고딕" panose="02030600000101010101" pitchFamily="18" charset="-127"/>
+                        <a:ea typeface="HY견고딕" panose="02030600000101010101" pitchFamily="18" charset="-127"/>
                       </a:endParaRPr>
                     </a:p>
                     <a:p>
                       <a:pPr algn="ctr" latinLnBrk="1"/>
                       <a:r>
                         <a:rPr lang="ko-KR" altLang="en-US" sz="1400" b="0" baseline="0" dirty="0">
-                          <a:latin typeface="HY헤드라인M" panose="02030600000101010101" pitchFamily="18" charset="-127"/>
-                          <a:ea typeface="HY헤드라인M" panose="02030600000101010101" pitchFamily="18" charset="-127"/>
+                          <a:latin typeface="HY견고딕" panose="02030600000101010101" pitchFamily="18" charset="-127"/>
+                          <a:ea typeface="HY견고딕" panose="02030600000101010101" pitchFamily="18" charset="-127"/>
                         </a:rPr>
                         <a:t>검사</a:t>
                       </a:r>
                       <a:endParaRPr lang="ko-KR" altLang="en-US" sz="1400" b="0" dirty="0">
-                        <a:latin typeface="HY헤드라인M" panose="02030600000101010101" pitchFamily="18" charset="-127"/>
-                        <a:ea typeface="HY헤드라인M" panose="02030600000101010101" pitchFamily="18" charset="-127"/>
+                        <a:latin typeface="HY견고딕" panose="02030600000101010101" pitchFamily="18" charset="-127"/>
+                        <a:ea typeface="HY견고딕" panose="02030600000101010101" pitchFamily="18" charset="-127"/>
                       </a:endParaRPr>
                     </a:p>
                   </a:txBody>
@@ -11407,28 +11409,28 @@
                       <a:pPr algn="ctr" latinLnBrk="1"/>
                       <a:r>
                         <a:rPr lang="ko-KR" altLang="en-US" sz="1400" b="0" dirty="0">
-                          <a:latin typeface="HY헤드라인M" panose="02030600000101010101" pitchFamily="18" charset="-127"/>
-                          <a:ea typeface="HY헤드라인M" panose="02030600000101010101" pitchFamily="18" charset="-127"/>
+                          <a:latin typeface="HY견고딕" panose="02030600000101010101" pitchFamily="18" charset="-127"/>
+                          <a:ea typeface="HY견고딕" panose="02030600000101010101" pitchFamily="18" charset="-127"/>
                         </a:rPr>
                         <a:t>파손 및 손상</a:t>
                       </a:r>
                       <a:r>
                         <a:rPr lang="en-US" altLang="ko-KR" sz="1400" b="0" dirty="0">
-                          <a:latin typeface="HY헤드라인M" panose="02030600000101010101" pitchFamily="18" charset="-127"/>
-                          <a:ea typeface="HY헤드라인M" panose="02030600000101010101" pitchFamily="18" charset="-127"/>
+                          <a:latin typeface="HY견고딕" panose="02030600000101010101" pitchFamily="18" charset="-127"/>
+                          <a:ea typeface="HY견고딕" panose="02030600000101010101" pitchFamily="18" charset="-127"/>
                         </a:rPr>
                         <a:t> </a:t>
                       </a:r>
                       <a:r>
                         <a:rPr lang="ko-KR" altLang="en-US" sz="1400" b="0" dirty="0">
-                          <a:latin typeface="HY헤드라인M" panose="02030600000101010101" pitchFamily="18" charset="-127"/>
-                          <a:ea typeface="HY헤드라인M" panose="02030600000101010101" pitchFamily="18" charset="-127"/>
+                          <a:latin typeface="HY견고딕" panose="02030600000101010101" pitchFamily="18" charset="-127"/>
+                          <a:ea typeface="HY견고딕" panose="02030600000101010101" pitchFamily="18" charset="-127"/>
                         </a:rPr>
                         <a:t>상태 검사</a:t>
                       </a:r>
                       <a:endParaRPr lang="en-US" altLang="ko-KR" sz="1400" b="0" dirty="0">
-                        <a:latin typeface="HY헤드라인M" panose="02030600000101010101" pitchFamily="18" charset="-127"/>
-                        <a:ea typeface="HY헤드라인M" panose="02030600000101010101" pitchFamily="18" charset="-127"/>
+                        <a:latin typeface="HY견고딕" panose="02030600000101010101" pitchFamily="18" charset="-127"/>
+                        <a:ea typeface="HY견고딕" panose="02030600000101010101" pitchFamily="18" charset="-127"/>
                       </a:endParaRPr>
                     </a:p>
                   </a:txBody>
@@ -11485,29 +11487,29 @@
                           <a:solidFill>
                             <a:srgbClr val="FF0000"/>
                           </a:solidFill>
-                          <a:latin typeface="HY헤드라인M" panose="02030600000101010101" pitchFamily="18" charset="-127"/>
-                          <a:ea typeface="HY헤드라인M" panose="02030600000101010101" pitchFamily="18" charset="-127"/>
+                          <a:latin typeface="HY견고딕" panose="02030600000101010101" pitchFamily="18" charset="-127"/>
+                          <a:ea typeface="HY견고딕" panose="02030600000101010101" pitchFamily="18" charset="-127"/>
                         </a:rPr>
                         <a:t>수동</a:t>
                       </a:r>
                       <a:r>
                         <a:rPr lang="ko-KR" altLang="en-US" sz="1400" b="0" dirty="0">
-                          <a:latin typeface="HY헤드라인M" panose="02030600000101010101" pitchFamily="18" charset="-127"/>
-                          <a:ea typeface="HY헤드라인M" panose="02030600000101010101" pitchFamily="18" charset="-127"/>
+                          <a:latin typeface="HY견고딕" panose="02030600000101010101" pitchFamily="18" charset="-127"/>
+                          <a:ea typeface="HY견고딕" panose="02030600000101010101" pitchFamily="18" charset="-127"/>
                         </a:rPr>
                         <a:t>으로</a:t>
                       </a:r>
                       <a:endParaRPr lang="en-US" altLang="ko-KR" sz="1400" b="0" dirty="0">
-                        <a:latin typeface="HY헤드라인M" panose="02030600000101010101" pitchFamily="18" charset="-127"/>
-                        <a:ea typeface="HY헤드라인M" panose="02030600000101010101" pitchFamily="18" charset="-127"/>
+                        <a:latin typeface="HY견고딕" panose="02030600000101010101" pitchFamily="18" charset="-127"/>
+                        <a:ea typeface="HY견고딕" panose="02030600000101010101" pitchFamily="18" charset="-127"/>
                       </a:endParaRPr>
                     </a:p>
                     <a:p>
                       <a:pPr algn="ctr" latinLnBrk="1"/>
                       <a:r>
                         <a:rPr lang="ko-KR" altLang="en-US" sz="1400" b="0" dirty="0">
-                          <a:latin typeface="HY헤드라인M" panose="02030600000101010101" pitchFamily="18" charset="-127"/>
-                          <a:ea typeface="HY헤드라인M" panose="02030600000101010101" pitchFamily="18" charset="-127"/>
+                          <a:latin typeface="HY견고딕" panose="02030600000101010101" pitchFamily="18" charset="-127"/>
+                          <a:ea typeface="HY견고딕" panose="02030600000101010101" pitchFamily="18" charset="-127"/>
                         </a:rPr>
                         <a:t>계측기 측정 및 정비 수행</a:t>
                       </a:r>
@@ -11563,8 +11565,8 @@
                       <a:pPr algn="ctr" latinLnBrk="1"/>
                       <a:r>
                         <a:rPr lang="ko-KR" altLang="en-US" sz="1400" b="0" dirty="0">
-                          <a:latin typeface="HY헤드라인M" panose="02030600000101010101" pitchFamily="18" charset="-127"/>
-                          <a:ea typeface="HY헤드라인M" panose="02030600000101010101" pitchFamily="18" charset="-127"/>
+                          <a:latin typeface="HY견고딕" panose="02030600000101010101" pitchFamily="18" charset="-127"/>
+                          <a:ea typeface="HY견고딕" panose="02030600000101010101" pitchFamily="18" charset="-127"/>
                         </a:rPr>
                         <a:t>최종 점검 및 품질검사</a:t>
                       </a:r>
@@ -11620,22 +11622,22 @@
                       <a:pPr algn="ctr" latinLnBrk="1"/>
                       <a:r>
                         <a:rPr lang="ko-KR" altLang="en-US" sz="1400" b="0" dirty="0">
-                          <a:latin typeface="HY헤드라인M" panose="02030600000101010101" pitchFamily="18" charset="-127"/>
-                          <a:ea typeface="HY헤드라인M" panose="02030600000101010101" pitchFamily="18" charset="-127"/>
+                          <a:latin typeface="HY견고딕" panose="02030600000101010101" pitchFamily="18" charset="-127"/>
+                          <a:ea typeface="HY견고딕" panose="02030600000101010101" pitchFamily="18" charset="-127"/>
                         </a:rPr>
                         <a:t>계측기</a:t>
                       </a:r>
                       <a:endParaRPr lang="en-US" altLang="ko-KR" sz="1400" b="0" dirty="0">
-                        <a:latin typeface="HY헤드라인M" panose="02030600000101010101" pitchFamily="18" charset="-127"/>
-                        <a:ea typeface="HY헤드라인M" panose="02030600000101010101" pitchFamily="18" charset="-127"/>
+                        <a:latin typeface="HY견고딕" panose="02030600000101010101" pitchFamily="18" charset="-127"/>
+                        <a:ea typeface="HY견고딕" panose="02030600000101010101" pitchFamily="18" charset="-127"/>
                       </a:endParaRPr>
                     </a:p>
                     <a:p>
                       <a:pPr algn="ctr" latinLnBrk="1"/>
                       <a:r>
                         <a:rPr lang="ko-KR" altLang="en-US" sz="1400" b="0" dirty="0">
-                          <a:latin typeface="HY헤드라인M" panose="02030600000101010101" pitchFamily="18" charset="-127"/>
-                          <a:ea typeface="HY헤드라인M" panose="02030600000101010101" pitchFamily="18" charset="-127"/>
+                          <a:latin typeface="HY견고딕" panose="02030600000101010101" pitchFamily="18" charset="-127"/>
+                          <a:ea typeface="HY견고딕" panose="02030600000101010101" pitchFamily="18" charset="-127"/>
                         </a:rPr>
                         <a:t>출고</a:t>
                       </a:r>
@@ -13591,7 +13593,7 @@
           <p:nvPr>
             <p:extLst>
               <p:ext uri="{D42A27DB-BD31-4B8C-83A1-F6EECF244321}">
-                <p14:modId xmlns:p14="http://schemas.microsoft.com/office/powerpoint/2010/main" val="1799844240"/>
+                <p14:modId xmlns:p14="http://schemas.microsoft.com/office/powerpoint/2010/main" val="33958083"/>
               </p:ext>
             </p:extLst>
           </p:nvPr>
@@ -13764,8 +13766,8 @@
                             <a:srgbClr val="000000"/>
                           </a:solidFill>
                           <a:effectLst/>
-                          <a:latin typeface="HY헤드라인M" panose="02030600000101010101" pitchFamily="18" charset="-127"/>
-                          <a:ea typeface="HY헤드라인M" panose="02030600000101010101" pitchFamily="18" charset="-127"/>
+                          <a:latin typeface="HY견고딕" panose="02030600000101010101" pitchFamily="18" charset="-127"/>
+                          <a:ea typeface="HY견고딕" panose="02030600000101010101" pitchFamily="18" charset="-127"/>
                         </a:rPr>
                         <a:t>          </a:t>
                       </a:r>
@@ -13778,8 +13780,8 @@
                             <a:srgbClr val="000000"/>
                           </a:solidFill>
                           <a:effectLst/>
-                          <a:latin typeface="HY헤드라인M" panose="02030600000101010101" pitchFamily="18" charset="-127"/>
-                          <a:ea typeface="HY헤드라인M" panose="02030600000101010101" pitchFamily="18" charset="-127"/>
+                          <a:latin typeface="HY견고딕" panose="02030600000101010101" pitchFamily="18" charset="-127"/>
+                          <a:ea typeface="HY견고딕" panose="02030600000101010101" pitchFamily="18" charset="-127"/>
                         </a:rPr>
                         <a:t>일정</a:t>
                       </a:r>
@@ -13810,8 +13812,8 @@
                             <a:srgbClr val="000000"/>
                           </a:solidFill>
                           <a:effectLst/>
-                          <a:latin typeface="HY헤드라인M" panose="02030600000101010101" pitchFamily="18" charset="-127"/>
-                          <a:ea typeface="HY헤드라인M" panose="02030600000101010101" pitchFamily="18" charset="-127"/>
+                          <a:latin typeface="HY견고딕" panose="02030600000101010101" pitchFamily="18" charset="-127"/>
+                          <a:ea typeface="HY견고딕" panose="02030600000101010101" pitchFamily="18" charset="-127"/>
                         </a:rPr>
                         <a:t> 활동단계</a:t>
                       </a:r>
@@ -13989,8 +13991,8 @@
                             <a:srgbClr val="000000"/>
                           </a:solidFill>
                           <a:effectLst/>
-                          <a:latin typeface="HY헤드라인M" panose="02030600000101010101" pitchFamily="18" charset="-127"/>
-                          <a:ea typeface="HY헤드라인M" panose="02030600000101010101" pitchFamily="18" charset="-127"/>
+                          <a:latin typeface="HY견고딕" panose="02030600000101010101" pitchFamily="18" charset="-127"/>
+                          <a:ea typeface="HY견고딕" panose="02030600000101010101" pitchFamily="18" charset="-127"/>
                         </a:rPr>
                         <a:t>10</a:t>
                       </a:r>
@@ -14003,8 +14005,8 @@
                             <a:srgbClr val="000000"/>
                           </a:solidFill>
                           <a:effectLst/>
-                          <a:latin typeface="HY헤드라인M" panose="02030600000101010101" pitchFamily="18" charset="-127"/>
-                          <a:ea typeface="HY헤드라인M" panose="02030600000101010101" pitchFamily="18" charset="-127"/>
+                          <a:latin typeface="HY견고딕" panose="02030600000101010101" pitchFamily="18" charset="-127"/>
+                          <a:ea typeface="HY견고딕" panose="02030600000101010101" pitchFamily="18" charset="-127"/>
                         </a:rPr>
                         <a:t>월</a:t>
                       </a:r>
@@ -14191,8 +14193,8 @@
                             <a:srgbClr val="000000"/>
                           </a:solidFill>
                           <a:effectLst/>
-                          <a:latin typeface="HY헤드라인M" panose="02030600000101010101" pitchFamily="18" charset="-127"/>
-                          <a:ea typeface="HY헤드라인M" panose="02030600000101010101" pitchFamily="18" charset="-127"/>
+                          <a:latin typeface="HY견고딕" panose="02030600000101010101" pitchFamily="18" charset="-127"/>
+                          <a:ea typeface="HY견고딕" panose="02030600000101010101" pitchFamily="18" charset="-127"/>
                         </a:rPr>
                         <a:t>적용 기술</a:t>
                       </a:r>
@@ -14383,8 +14385,8 @@
                             <a:srgbClr val="000000"/>
                           </a:solidFill>
                           <a:effectLst/>
-                          <a:latin typeface="HY헤드라인M" panose="02030600000101010101" pitchFamily="18" charset="-127"/>
-                          <a:ea typeface="HY헤드라인M" panose="02030600000101010101" pitchFamily="18" charset="-127"/>
+                          <a:latin typeface="HY견고딕" panose="02030600000101010101" pitchFamily="18" charset="-127"/>
+                          <a:ea typeface="HY견고딕" panose="02030600000101010101" pitchFamily="18" charset="-127"/>
                         </a:rPr>
                         <a:t>1</a:t>
                       </a:r>
@@ -14538,8 +14540,8 @@
                             <a:srgbClr val="000000"/>
                           </a:solidFill>
                           <a:effectLst/>
-                          <a:latin typeface="HY헤드라인M" panose="02030600000101010101" pitchFamily="18" charset="-127"/>
-                          <a:ea typeface="HY헤드라인M" panose="02030600000101010101" pitchFamily="18" charset="-127"/>
+                          <a:latin typeface="HY견고딕" panose="02030600000101010101" pitchFamily="18" charset="-127"/>
+                          <a:ea typeface="HY견고딕" panose="02030600000101010101" pitchFamily="18" charset="-127"/>
                         </a:rPr>
                         <a:t>2</a:t>
                       </a:r>
@@ -14711,8 +14713,8 @@
                             <a:srgbClr val="000000"/>
                           </a:solidFill>
                           <a:effectLst/>
-                          <a:latin typeface="HY헤드라인M" panose="02030600000101010101" pitchFamily="18" charset="-127"/>
-                          <a:ea typeface="HY헤드라인M" panose="02030600000101010101" pitchFamily="18" charset="-127"/>
+                          <a:latin typeface="HY견고딕" panose="02030600000101010101" pitchFamily="18" charset="-127"/>
+                          <a:ea typeface="HY견고딕" panose="02030600000101010101" pitchFamily="18" charset="-127"/>
                         </a:rPr>
                         <a:t>3</a:t>
                       </a:r>
@@ -14884,8 +14886,8 @@
                             <a:srgbClr val="000000"/>
                           </a:solidFill>
                           <a:effectLst/>
-                          <a:latin typeface="HY헤드라인M" panose="02030600000101010101" pitchFamily="18" charset="-127"/>
-                          <a:ea typeface="HY헤드라인M" panose="02030600000101010101" pitchFamily="18" charset="-127"/>
+                          <a:latin typeface="HY견고딕" panose="02030600000101010101" pitchFamily="18" charset="-127"/>
+                          <a:ea typeface="HY견고딕" panose="02030600000101010101" pitchFamily="18" charset="-127"/>
                         </a:rPr>
                         <a:t>4</a:t>
                       </a:r>
@@ -15085,8 +15087,8 @@
                             <a:srgbClr val="000000"/>
                           </a:solidFill>
                           <a:effectLst/>
-                          <a:latin typeface="HY헤드라인M" panose="02030600000101010101" pitchFamily="18" charset="-127"/>
-                          <a:ea typeface="HY헤드라인M" panose="02030600000101010101" pitchFamily="18" charset="-127"/>
+                          <a:latin typeface="HY견고딕" panose="02030600000101010101" pitchFamily="18" charset="-127"/>
+                          <a:ea typeface="HY견고딕" panose="02030600000101010101" pitchFamily="18" charset="-127"/>
                         </a:rPr>
                         <a:t>아이디어</a:t>
                       </a:r>
@@ -15098,8 +15100,8 @@
                           <a:srgbClr val="000000"/>
                         </a:solidFill>
                         <a:effectLst/>
-                        <a:latin typeface="HY헤드라인M" panose="02030600000101010101" pitchFamily="18" charset="-127"/>
-                        <a:ea typeface="HY헤드라인M" panose="02030600000101010101" pitchFamily="18" charset="-127"/>
+                        <a:latin typeface="HY견고딕" panose="02030600000101010101" pitchFamily="18" charset="-127"/>
+                        <a:ea typeface="HY견고딕" panose="02030600000101010101" pitchFamily="18" charset="-127"/>
                       </a:endParaRPr>
                     </a:p>
                     <a:p>
@@ -15128,8 +15130,8 @@
                             <a:srgbClr val="000000"/>
                           </a:solidFill>
                           <a:effectLst/>
-                          <a:latin typeface="HY헤드라인M" panose="02030600000101010101" pitchFamily="18" charset="-127"/>
-                          <a:ea typeface="HY헤드라인M" panose="02030600000101010101" pitchFamily="18" charset="-127"/>
+                          <a:latin typeface="HY견고딕" panose="02030600000101010101" pitchFamily="18" charset="-127"/>
+                          <a:ea typeface="HY견고딕" panose="02030600000101010101" pitchFamily="18" charset="-127"/>
                         </a:rPr>
                         <a:t>요구사항 분석</a:t>
                       </a:r>
@@ -15141,8 +15143,8 @@
                           <a:srgbClr val="000000"/>
                         </a:solidFill>
                         <a:effectLst/>
-                        <a:latin typeface="HY헤드라인M" panose="02030600000101010101" pitchFamily="18" charset="-127"/>
-                        <a:ea typeface="HY헤드라인M" panose="02030600000101010101" pitchFamily="18" charset="-127"/>
+                        <a:latin typeface="HY견고딕" panose="02030600000101010101" pitchFamily="18" charset="-127"/>
+                        <a:ea typeface="HY견고딕" panose="02030600000101010101" pitchFamily="18" charset="-127"/>
                       </a:endParaRPr>
                     </a:p>
                     <a:p>
@@ -15171,8 +15173,8 @@
                             <a:srgbClr val="000000"/>
                           </a:solidFill>
                           <a:effectLst/>
-                          <a:latin typeface="HY헤드라인M" panose="02030600000101010101" pitchFamily="18" charset="-127"/>
-                          <a:ea typeface="HY헤드라인M" panose="02030600000101010101" pitchFamily="18" charset="-127"/>
+                          <a:latin typeface="HY견고딕" panose="02030600000101010101" pitchFamily="18" charset="-127"/>
+                          <a:ea typeface="HY견고딕" panose="02030600000101010101" pitchFamily="18" charset="-127"/>
                         </a:rPr>
                         <a:t>및 테스트</a:t>
                       </a:r>
@@ -15343,8 +15345,8 @@
                           <a:srgbClr val="000000"/>
                         </a:solidFill>
                         <a:effectLst/>
-                        <a:latin typeface="HY헤드라인M" panose="02030600000101010101" pitchFamily="18" charset="-127"/>
-                        <a:ea typeface="HY헤드라인M" panose="02030600000101010101" pitchFamily="18" charset="-127"/>
+                        <a:latin typeface="HY견고딕" panose="02030600000101010101" pitchFamily="18" charset="-127"/>
+                        <a:ea typeface="HY견고딕" panose="02030600000101010101" pitchFamily="18" charset="-127"/>
                       </a:endParaRPr>
                     </a:p>
                   </a:txBody>
@@ -15508,8 +15510,8 @@
                           <a:srgbClr val="000000"/>
                         </a:solidFill>
                         <a:effectLst/>
-                        <a:latin typeface="HY헤드라인M" panose="02030600000101010101" pitchFamily="18" charset="-127"/>
-                        <a:ea typeface="HY헤드라인M" panose="02030600000101010101" pitchFamily="18" charset="-127"/>
+                        <a:latin typeface="HY견고딕" panose="02030600000101010101" pitchFamily="18" charset="-127"/>
+                        <a:ea typeface="HY견고딕" panose="02030600000101010101" pitchFamily="18" charset="-127"/>
                       </a:endParaRPr>
                     </a:p>
                   </a:txBody>
@@ -15673,8 +15675,8 @@
                           <a:srgbClr val="000000"/>
                         </a:solidFill>
                         <a:effectLst/>
-                        <a:latin typeface="HY헤드라인M" panose="02030600000101010101" pitchFamily="18" charset="-127"/>
-                        <a:ea typeface="HY헤드라인M" panose="02030600000101010101" pitchFamily="18" charset="-127"/>
+                        <a:latin typeface="HY견고딕" panose="02030600000101010101" pitchFamily="18" charset="-127"/>
+                        <a:ea typeface="HY견고딕" panose="02030600000101010101" pitchFamily="18" charset="-127"/>
                       </a:endParaRPr>
                     </a:p>
                   </a:txBody>
@@ -15838,8 +15840,8 @@
                           <a:srgbClr val="000000"/>
                         </a:solidFill>
                         <a:effectLst/>
-                        <a:latin typeface="HY헤드라인M" panose="02030600000101010101" pitchFamily="18" charset="-127"/>
-                        <a:ea typeface="HY헤드라인M" panose="02030600000101010101" pitchFamily="18" charset="-127"/>
+                        <a:latin typeface="HY견고딕" panose="02030600000101010101" pitchFamily="18" charset="-127"/>
+                        <a:ea typeface="HY견고딕" panose="02030600000101010101" pitchFamily="18" charset="-127"/>
                       </a:endParaRPr>
                     </a:p>
                   </a:txBody>
@@ -16004,8 +16006,8 @@
                             <a:srgbClr val="000000"/>
                           </a:solidFill>
                           <a:effectLst/>
-                          <a:latin typeface="HY헤드라인M" panose="02030600000101010101" pitchFamily="18" charset="-127"/>
-                          <a:ea typeface="HY헤드라인M" panose="02030600000101010101" pitchFamily="18" charset="-127"/>
+                          <a:latin typeface="HY견고딕" panose="02030600000101010101" pitchFamily="18" charset="-127"/>
+                          <a:ea typeface="HY견고딕" panose="02030600000101010101" pitchFamily="18" charset="-127"/>
                         </a:rPr>
                         <a:t>Google Sheet, Drivers, SLACK </a:t>
                       </a:r>
@@ -16018,8 +16020,8 @@
                             <a:srgbClr val="000000"/>
                           </a:solidFill>
                           <a:effectLst/>
-                          <a:latin typeface="HY헤드라인M" panose="02030600000101010101" pitchFamily="18" charset="-127"/>
-                          <a:ea typeface="HY헤드라인M" panose="02030600000101010101" pitchFamily="18" charset="-127"/>
+                          <a:latin typeface="HY견고딕" panose="02030600000101010101" pitchFamily="18" charset="-127"/>
+                          <a:ea typeface="HY견고딕" panose="02030600000101010101" pitchFamily="18" charset="-127"/>
                         </a:rPr>
                         <a:t>등</a:t>
                       </a:r>
@@ -16108,8 +16110,8 @@
                             <a:srgbClr val="000000"/>
                           </a:solidFill>
                           <a:effectLst/>
-                          <a:latin typeface="HY헤드라인M" panose="02030600000101010101" pitchFamily="18" charset="-127"/>
-                          <a:ea typeface="HY헤드라인M" panose="02030600000101010101" pitchFamily="18" charset="-127"/>
+                          <a:latin typeface="HY견고딕" panose="02030600000101010101" pitchFamily="18" charset="-127"/>
+                          <a:ea typeface="HY견고딕" panose="02030600000101010101" pitchFamily="18" charset="-127"/>
                         </a:rPr>
                         <a:t>기초 설계 및</a:t>
                       </a:r>
@@ -16121,8 +16123,8 @@
                           <a:srgbClr val="000000"/>
                         </a:solidFill>
                         <a:effectLst/>
-                        <a:latin typeface="HY헤드라인M" panose="02030600000101010101" pitchFamily="18" charset="-127"/>
-                        <a:ea typeface="HY헤드라인M" panose="02030600000101010101" pitchFamily="18" charset="-127"/>
+                        <a:latin typeface="HY견고딕" panose="02030600000101010101" pitchFamily="18" charset="-127"/>
+                        <a:ea typeface="HY견고딕" panose="02030600000101010101" pitchFamily="18" charset="-127"/>
                       </a:endParaRPr>
                     </a:p>
                     <a:p>
@@ -16151,8 +16153,8 @@
                             <a:srgbClr val="000000"/>
                           </a:solidFill>
                           <a:effectLst/>
-                          <a:latin typeface="HY헤드라인M" panose="02030600000101010101" pitchFamily="18" charset="-127"/>
-                          <a:ea typeface="HY헤드라인M" panose="02030600000101010101" pitchFamily="18" charset="-127"/>
+                          <a:latin typeface="HY견고딕" panose="02030600000101010101" pitchFamily="18" charset="-127"/>
+                          <a:ea typeface="HY견고딕" panose="02030600000101010101" pitchFamily="18" charset="-127"/>
                         </a:rPr>
                         <a:t>장비 제어</a:t>
                       </a:r>
@@ -16238,8 +16240,8 @@
                           <a:srgbClr val="000000"/>
                         </a:solidFill>
                         <a:effectLst/>
-                        <a:latin typeface="HY헤드라인M" panose="02030600000101010101" pitchFamily="18" charset="-127"/>
-                        <a:ea typeface="HY헤드라인M" panose="02030600000101010101" pitchFamily="18" charset="-127"/>
+                        <a:latin typeface="HY견고딕" panose="02030600000101010101" pitchFamily="18" charset="-127"/>
+                        <a:ea typeface="HY견고딕" panose="02030600000101010101" pitchFamily="18" charset="-127"/>
                       </a:endParaRPr>
                     </a:p>
                   </a:txBody>
@@ -16318,8 +16320,8 @@
                           <a:srgbClr val="000000"/>
                         </a:solidFill>
                         <a:effectLst/>
-                        <a:latin typeface="HY헤드라인M" panose="02030600000101010101" pitchFamily="18" charset="-127"/>
-                        <a:ea typeface="HY헤드라인M" panose="02030600000101010101" pitchFamily="18" charset="-127"/>
+                        <a:latin typeface="HY견고딕" panose="02030600000101010101" pitchFamily="18" charset="-127"/>
+                        <a:ea typeface="HY견고딕" panose="02030600000101010101" pitchFamily="18" charset="-127"/>
                       </a:endParaRPr>
                     </a:p>
                   </a:txBody>
@@ -16398,8 +16400,8 @@
                           <a:srgbClr val="000000"/>
                         </a:solidFill>
                         <a:effectLst/>
-                        <a:latin typeface="HY헤드라인M" panose="02030600000101010101" pitchFamily="18" charset="-127"/>
-                        <a:ea typeface="HY헤드라인M" panose="02030600000101010101" pitchFamily="18" charset="-127"/>
+                        <a:latin typeface="HY견고딕" panose="02030600000101010101" pitchFamily="18" charset="-127"/>
+                        <a:ea typeface="HY견고딕" panose="02030600000101010101" pitchFamily="18" charset="-127"/>
                       </a:endParaRPr>
                     </a:p>
                   </a:txBody>
@@ -16478,8 +16480,8 @@
                           <a:srgbClr val="000000"/>
                         </a:solidFill>
                         <a:effectLst/>
-                        <a:latin typeface="HY헤드라인M" panose="02030600000101010101" pitchFamily="18" charset="-127"/>
-                        <a:ea typeface="HY헤드라인M" panose="02030600000101010101" pitchFamily="18" charset="-127"/>
+                        <a:latin typeface="HY견고딕" panose="02030600000101010101" pitchFamily="18" charset="-127"/>
+                        <a:ea typeface="HY견고딕" panose="02030600000101010101" pitchFamily="18" charset="-127"/>
                       </a:endParaRPr>
                     </a:p>
                   </a:txBody>
@@ -16560,8 +16562,8 @@
                             <a:srgbClr val="000000"/>
                           </a:solidFill>
                           <a:effectLst/>
-                          <a:latin typeface="HY헤드라인M" panose="02030600000101010101" pitchFamily="18" charset="-127"/>
-                          <a:ea typeface="HY헤드라인M" panose="02030600000101010101" pitchFamily="18" charset="-127"/>
+                          <a:latin typeface="HY견고딕" panose="02030600000101010101" pitchFamily="18" charset="-127"/>
+                          <a:ea typeface="HY견고딕" panose="02030600000101010101" pitchFamily="18" charset="-127"/>
                         </a:rPr>
                         <a:t>SCPI </a:t>
                       </a:r>
@@ -16574,8 +16576,8 @@
                             <a:srgbClr val="000000"/>
                           </a:solidFill>
                           <a:effectLst/>
-                          <a:latin typeface="HY헤드라인M" panose="02030600000101010101" pitchFamily="18" charset="-127"/>
-                          <a:ea typeface="HY헤드라인M" panose="02030600000101010101" pitchFamily="18" charset="-127"/>
+                          <a:latin typeface="HY견고딕" panose="02030600000101010101" pitchFamily="18" charset="-127"/>
+                          <a:ea typeface="HY견고딕" panose="02030600000101010101" pitchFamily="18" charset="-127"/>
                         </a:rPr>
                         <a:t>명령어</a:t>
                       </a:r>
@@ -16749,8 +16751,8 @@
                             <a:srgbClr val="000000"/>
                           </a:solidFill>
                           <a:effectLst/>
-                          <a:latin typeface="HY헤드라인M" panose="02030600000101010101" pitchFamily="18" charset="-127"/>
-                          <a:ea typeface="HY헤드라인M" panose="02030600000101010101" pitchFamily="18" charset="-127"/>
+                          <a:latin typeface="HY견고딕" panose="02030600000101010101" pitchFamily="18" charset="-127"/>
+                          <a:ea typeface="HY견고딕" panose="02030600000101010101" pitchFamily="18" charset="-127"/>
                         </a:rPr>
                         <a:t>장비 서버 및</a:t>
                       </a:r>
@@ -16762,8 +16764,8 @@
                           <a:srgbClr val="000000"/>
                         </a:solidFill>
                         <a:effectLst/>
-                        <a:latin typeface="HY헤드라인M" panose="02030600000101010101" pitchFamily="18" charset="-127"/>
-                        <a:ea typeface="HY헤드라인M" panose="02030600000101010101" pitchFamily="18" charset="-127"/>
+                        <a:latin typeface="HY견고딕" panose="02030600000101010101" pitchFamily="18" charset="-127"/>
+                        <a:ea typeface="HY견고딕" panose="02030600000101010101" pitchFamily="18" charset="-127"/>
                       </a:endParaRPr>
                     </a:p>
                     <a:p>
@@ -16792,8 +16794,8 @@
                             <a:srgbClr val="000000"/>
                           </a:solidFill>
                           <a:effectLst/>
-                          <a:latin typeface="HY헤드라인M" panose="02030600000101010101" pitchFamily="18" charset="-127"/>
-                          <a:ea typeface="HY헤드라인M" panose="02030600000101010101" pitchFamily="18" charset="-127"/>
+                          <a:latin typeface="HY견고딕" panose="02030600000101010101" pitchFamily="18" charset="-127"/>
+                          <a:ea typeface="HY견고딕" panose="02030600000101010101" pitchFamily="18" charset="-127"/>
                         </a:rPr>
                         <a:t>DB </a:t>
                       </a:r>
@@ -16806,8 +16808,8 @@
                             <a:srgbClr val="000000"/>
                           </a:solidFill>
                           <a:effectLst/>
-                          <a:latin typeface="HY헤드라인M" panose="02030600000101010101" pitchFamily="18" charset="-127"/>
-                          <a:ea typeface="HY헤드라인M" panose="02030600000101010101" pitchFamily="18" charset="-127"/>
+                          <a:latin typeface="HY견고딕" panose="02030600000101010101" pitchFamily="18" charset="-127"/>
+                          <a:ea typeface="HY견고딕" panose="02030600000101010101" pitchFamily="18" charset="-127"/>
                         </a:rPr>
                         <a:t>구축</a:t>
                       </a:r>
@@ -16978,8 +16980,8 @@
                           <a:srgbClr val="000000"/>
                         </a:solidFill>
                         <a:effectLst/>
-                        <a:latin typeface="HY헤드라인M" panose="02030600000101010101" pitchFamily="18" charset="-127"/>
-                        <a:ea typeface="HY헤드라인M" panose="02030600000101010101" pitchFamily="18" charset="-127"/>
+                        <a:latin typeface="HY견고딕" panose="02030600000101010101" pitchFamily="18" charset="-127"/>
+                        <a:ea typeface="HY견고딕" panose="02030600000101010101" pitchFamily="18" charset="-127"/>
                       </a:endParaRPr>
                     </a:p>
                   </a:txBody>
@@ -17143,8 +17145,8 @@
                           <a:srgbClr val="000000"/>
                         </a:solidFill>
                         <a:effectLst/>
-                        <a:latin typeface="HY헤드라인M" panose="02030600000101010101" pitchFamily="18" charset="-127"/>
-                        <a:ea typeface="HY헤드라인M" panose="02030600000101010101" pitchFamily="18" charset="-127"/>
+                        <a:latin typeface="HY견고딕" panose="02030600000101010101" pitchFamily="18" charset="-127"/>
+                        <a:ea typeface="HY견고딕" panose="02030600000101010101" pitchFamily="18" charset="-127"/>
                       </a:endParaRPr>
                     </a:p>
                   </a:txBody>
@@ -17308,8 +17310,8 @@
                           <a:srgbClr val="000000"/>
                         </a:solidFill>
                         <a:effectLst/>
-                        <a:latin typeface="HY헤드라인M" panose="02030600000101010101" pitchFamily="18" charset="-127"/>
-                        <a:ea typeface="HY헤드라인M" panose="02030600000101010101" pitchFamily="18" charset="-127"/>
+                        <a:latin typeface="HY견고딕" panose="02030600000101010101" pitchFamily="18" charset="-127"/>
+                        <a:ea typeface="HY견고딕" panose="02030600000101010101" pitchFamily="18" charset="-127"/>
                       </a:endParaRPr>
                     </a:p>
                   </a:txBody>
@@ -17473,8 +17475,8 @@
                           <a:srgbClr val="000000"/>
                         </a:solidFill>
                         <a:effectLst/>
-                        <a:latin typeface="HY헤드라인M" panose="02030600000101010101" pitchFamily="18" charset="-127"/>
-                        <a:ea typeface="HY헤드라인M" panose="02030600000101010101" pitchFamily="18" charset="-127"/>
+                        <a:latin typeface="HY견고딕" panose="02030600000101010101" pitchFamily="18" charset="-127"/>
+                        <a:ea typeface="HY견고딕" panose="02030600000101010101" pitchFamily="18" charset="-127"/>
                       </a:endParaRPr>
                     </a:p>
                   </a:txBody>
@@ -17639,8 +17641,8 @@
                             <a:srgbClr val="000000"/>
                           </a:solidFill>
                           <a:effectLst/>
-                          <a:latin typeface="HY헤드라인M" panose="02030600000101010101" pitchFamily="18" charset="-127"/>
-                          <a:ea typeface="HY헤드라인M" panose="02030600000101010101" pitchFamily="18" charset="-127"/>
+                          <a:latin typeface="HY견고딕" panose="02030600000101010101" pitchFamily="18" charset="-127"/>
+                          <a:ea typeface="HY견고딕" panose="02030600000101010101" pitchFamily="18" charset="-127"/>
                         </a:rPr>
                         <a:t>Node.js, Express, </a:t>
                       </a:r>
@@ -17653,8 +17655,8 @@
                             <a:srgbClr val="000000"/>
                           </a:solidFill>
                           <a:effectLst/>
-                          <a:latin typeface="HY헤드라인M" panose="02030600000101010101" pitchFamily="18" charset="-127"/>
-                          <a:ea typeface="HY헤드라인M" panose="02030600000101010101" pitchFamily="18" charset="-127"/>
+                          <a:latin typeface="HY견고딕" panose="02030600000101010101" pitchFamily="18" charset="-127"/>
+                          <a:ea typeface="HY견고딕" panose="02030600000101010101" pitchFamily="18" charset="-127"/>
                         </a:rPr>
                         <a:t>Rest.api</a:t>
                       </a:r>
@@ -17667,8 +17669,8 @@
                             <a:srgbClr val="000000"/>
                           </a:solidFill>
                           <a:effectLst/>
-                          <a:latin typeface="HY헤드라인M" panose="02030600000101010101" pitchFamily="18" charset="-127"/>
-                          <a:ea typeface="HY헤드라인M" panose="02030600000101010101" pitchFamily="18" charset="-127"/>
+                          <a:latin typeface="HY견고딕" panose="02030600000101010101" pitchFamily="18" charset="-127"/>
+                          <a:ea typeface="HY견고딕" panose="02030600000101010101" pitchFamily="18" charset="-127"/>
                         </a:rPr>
                         <a:t>, MySQL</a:t>
                       </a:r>
@@ -17680,8 +17682,8 @@
                           <a:srgbClr val="000000"/>
                         </a:solidFill>
                         <a:effectLst/>
-                        <a:latin typeface="HY헤드라인M" panose="02030600000101010101" pitchFamily="18" charset="-127"/>
-                        <a:ea typeface="HY헤드라인M" panose="02030600000101010101" pitchFamily="18" charset="-127"/>
+                        <a:latin typeface="HY견고딕" panose="02030600000101010101" pitchFamily="18" charset="-127"/>
+                        <a:ea typeface="HY견고딕" panose="02030600000101010101" pitchFamily="18" charset="-127"/>
                       </a:endParaRPr>
                     </a:p>
                   </a:txBody>
@@ -17853,8 +17855,8 @@
                             <a:srgbClr val="000000"/>
                           </a:solidFill>
                           <a:effectLst/>
-                          <a:latin typeface="HY헤드라인M" panose="02030600000101010101" pitchFamily="18" charset="-127"/>
-                          <a:ea typeface="HY헤드라인M" panose="02030600000101010101" pitchFamily="18" charset="-127"/>
+                          <a:latin typeface="HY견고딕" panose="02030600000101010101" pitchFamily="18" charset="-127"/>
+                          <a:ea typeface="HY견고딕" panose="02030600000101010101" pitchFamily="18" charset="-127"/>
                         </a:rPr>
                         <a:t>웹서버</a:t>
                       </a:r>
@@ -17866,8 +17868,8 @@
                           <a:srgbClr val="000000"/>
                         </a:solidFill>
                         <a:effectLst/>
-                        <a:latin typeface="HY헤드라인M" panose="02030600000101010101" pitchFamily="18" charset="-127"/>
-                        <a:ea typeface="HY헤드라인M" panose="02030600000101010101" pitchFamily="18" charset="-127"/>
+                        <a:latin typeface="HY견고딕" panose="02030600000101010101" pitchFamily="18" charset="-127"/>
+                        <a:ea typeface="HY견고딕" panose="02030600000101010101" pitchFamily="18" charset="-127"/>
                       </a:endParaRPr>
                     </a:p>
                     <a:p>
@@ -17896,8 +17898,8 @@
                             <a:srgbClr val="000000"/>
                           </a:solidFill>
                           <a:effectLst/>
-                          <a:latin typeface="HY헤드라인M" panose="02030600000101010101" pitchFamily="18" charset="-127"/>
-                          <a:ea typeface="HY헤드라인M" panose="02030600000101010101" pitchFamily="18" charset="-127"/>
+                          <a:latin typeface="HY견고딕" panose="02030600000101010101" pitchFamily="18" charset="-127"/>
+                          <a:ea typeface="HY견고딕" panose="02030600000101010101" pitchFamily="18" charset="-127"/>
                         </a:rPr>
                         <a:t>구축</a:t>
                       </a:r>
@@ -18068,8 +18070,8 @@
                           <a:srgbClr val="000000"/>
                         </a:solidFill>
                         <a:effectLst/>
-                        <a:latin typeface="HY헤드라인M" panose="02030600000101010101" pitchFamily="18" charset="-127"/>
-                        <a:ea typeface="HY헤드라인M" panose="02030600000101010101" pitchFamily="18" charset="-127"/>
+                        <a:latin typeface="HY견고딕" panose="02030600000101010101" pitchFamily="18" charset="-127"/>
+                        <a:ea typeface="HY견고딕" panose="02030600000101010101" pitchFamily="18" charset="-127"/>
                       </a:endParaRPr>
                     </a:p>
                   </a:txBody>
@@ -18233,8 +18235,8 @@
                           <a:srgbClr val="000000"/>
                         </a:solidFill>
                         <a:effectLst/>
-                        <a:latin typeface="HY헤드라인M" panose="02030600000101010101" pitchFamily="18" charset="-127"/>
-                        <a:ea typeface="HY헤드라인M" panose="02030600000101010101" pitchFamily="18" charset="-127"/>
+                        <a:latin typeface="HY견고딕" panose="02030600000101010101" pitchFamily="18" charset="-127"/>
+                        <a:ea typeface="HY견고딕" panose="02030600000101010101" pitchFamily="18" charset="-127"/>
                       </a:endParaRPr>
                     </a:p>
                   </a:txBody>
@@ -18398,8 +18400,8 @@
                           <a:srgbClr val="000000"/>
                         </a:solidFill>
                         <a:effectLst/>
-                        <a:latin typeface="HY헤드라인M" panose="02030600000101010101" pitchFamily="18" charset="-127"/>
-                        <a:ea typeface="HY헤드라인M" panose="02030600000101010101" pitchFamily="18" charset="-127"/>
+                        <a:latin typeface="HY견고딕" panose="02030600000101010101" pitchFamily="18" charset="-127"/>
+                        <a:ea typeface="HY견고딕" panose="02030600000101010101" pitchFamily="18" charset="-127"/>
                       </a:endParaRPr>
                     </a:p>
                   </a:txBody>
@@ -18563,8 +18565,8 @@
                           <a:srgbClr val="000000"/>
                         </a:solidFill>
                         <a:effectLst/>
-                        <a:latin typeface="HY헤드라인M" panose="02030600000101010101" pitchFamily="18" charset="-127"/>
-                        <a:ea typeface="HY헤드라인M" panose="02030600000101010101" pitchFamily="18" charset="-127"/>
+                        <a:latin typeface="HY견고딕" panose="02030600000101010101" pitchFamily="18" charset="-127"/>
+                        <a:ea typeface="HY견고딕" panose="02030600000101010101" pitchFamily="18" charset="-127"/>
                       </a:endParaRPr>
                     </a:p>
                   </a:txBody>
@@ -18729,8 +18731,8 @@
                             <a:srgbClr val="000000"/>
                           </a:solidFill>
                           <a:effectLst/>
-                          <a:latin typeface="HY헤드라인M" panose="02030600000101010101" pitchFamily="18" charset="-127"/>
-                          <a:ea typeface="HY헤드라인M" panose="02030600000101010101" pitchFamily="18" charset="-127"/>
+                          <a:latin typeface="HY견고딕" panose="02030600000101010101" pitchFamily="18" charset="-127"/>
+                          <a:ea typeface="HY견고딕" panose="02030600000101010101" pitchFamily="18" charset="-127"/>
                         </a:rPr>
                         <a:t>Bootstrap, React</a:t>
                       </a:r>
@@ -18742,8 +18744,8 @@
                           <a:srgbClr val="000000"/>
                         </a:solidFill>
                         <a:effectLst/>
-                        <a:latin typeface="HY헤드라인M" panose="02030600000101010101" pitchFamily="18" charset="-127"/>
-                        <a:ea typeface="HY헤드라인M" panose="02030600000101010101" pitchFamily="18" charset="-127"/>
+                        <a:latin typeface="HY견고딕" panose="02030600000101010101" pitchFamily="18" charset="-127"/>
+                        <a:ea typeface="HY견고딕" panose="02030600000101010101" pitchFamily="18" charset="-127"/>
                       </a:endParaRPr>
                     </a:p>
                   </a:txBody>
@@ -18915,8 +18917,8 @@
                             <a:srgbClr val="000000"/>
                           </a:solidFill>
                           <a:effectLst/>
-                          <a:latin typeface="HY헤드라인M" panose="02030600000101010101" pitchFamily="18" charset="-127"/>
-                          <a:ea typeface="HY헤드라인M" panose="02030600000101010101" pitchFamily="18" charset="-127"/>
+                          <a:latin typeface="HY견고딕" panose="02030600000101010101" pitchFamily="18" charset="-127"/>
+                          <a:ea typeface="HY견고딕" panose="02030600000101010101" pitchFamily="18" charset="-127"/>
                         </a:rPr>
                         <a:t>웹페이지작성</a:t>
                       </a:r>
@@ -18971,501 +18973,6 @@
                         <a:lumOff val="80000"/>
                       </a:schemeClr>
                     </a:solidFill>
-                  </a:tcPr>
-                </a:tc>
-                <a:tc>
-                  <a:txBody>
-                    <a:bodyPr/>
-                    <a:lstStyle>
-                      <a:defPPr>
-                        <a:defRPr lang="ko-KR"/>
-                      </a:defPPr>
-                      <a:lvl1pPr marL="0" algn="l" defTabSz="914400" rtl="0" eaLnBrk="1" latinLnBrk="1" hangingPunct="1">
-                        <a:defRPr sz="1800" kern="1200">
-                          <a:solidFill>
-                            <a:schemeClr val="tx1"/>
-                          </a:solidFill>
-                          <a:latin typeface="굴림"/>
-                          <a:ea typeface="굴림"/>
-                        </a:defRPr>
-                      </a:lvl1pPr>
-                      <a:lvl2pPr marL="457200" algn="l" defTabSz="914400" rtl="0" eaLnBrk="1" latinLnBrk="1" hangingPunct="1">
-                        <a:defRPr sz="1800" kern="1200">
-                          <a:solidFill>
-                            <a:schemeClr val="tx1"/>
-                          </a:solidFill>
-                          <a:latin typeface="굴림"/>
-                          <a:ea typeface="굴림"/>
-                        </a:defRPr>
-                      </a:lvl2pPr>
-                      <a:lvl3pPr marL="914400" algn="l" defTabSz="914400" rtl="0" eaLnBrk="1" latinLnBrk="1" hangingPunct="1">
-                        <a:defRPr sz="1800" kern="1200">
-                          <a:solidFill>
-                            <a:schemeClr val="tx1"/>
-                          </a:solidFill>
-                          <a:latin typeface="굴림"/>
-                          <a:ea typeface="굴림"/>
-                        </a:defRPr>
-                      </a:lvl3pPr>
-                      <a:lvl4pPr marL="1371600" algn="l" defTabSz="914400" rtl="0" eaLnBrk="1" latinLnBrk="1" hangingPunct="1">
-                        <a:defRPr sz="1800" kern="1200">
-                          <a:solidFill>
-                            <a:schemeClr val="tx1"/>
-                          </a:solidFill>
-                          <a:latin typeface="굴림"/>
-                          <a:ea typeface="굴림"/>
-                        </a:defRPr>
-                      </a:lvl4pPr>
-                      <a:lvl5pPr marL="1828800" algn="l" defTabSz="914400" rtl="0" eaLnBrk="1" latinLnBrk="1" hangingPunct="1">
-                        <a:defRPr sz="1800" kern="1200">
-                          <a:solidFill>
-                            <a:schemeClr val="tx1"/>
-                          </a:solidFill>
-                          <a:latin typeface="굴림"/>
-                          <a:ea typeface="굴림"/>
-                        </a:defRPr>
-                      </a:lvl5pPr>
-                      <a:lvl6pPr marL="2286000" algn="l" defTabSz="914400" rtl="0" eaLnBrk="1" latinLnBrk="1" hangingPunct="1">
-                        <a:defRPr sz="1800" kern="1200">
-                          <a:solidFill>
-                            <a:schemeClr val="tx1"/>
-                          </a:solidFill>
-                          <a:latin typeface="굴림"/>
-                          <a:ea typeface="굴림"/>
-                        </a:defRPr>
-                      </a:lvl6pPr>
-                      <a:lvl7pPr marL="2743200" algn="l" defTabSz="914400" rtl="0" eaLnBrk="1" latinLnBrk="1" hangingPunct="1">
-                        <a:defRPr sz="1800" kern="1200">
-                          <a:solidFill>
-                            <a:schemeClr val="tx1"/>
-                          </a:solidFill>
-                          <a:latin typeface="굴림"/>
-                          <a:ea typeface="굴림"/>
-                        </a:defRPr>
-                      </a:lvl7pPr>
-                      <a:lvl8pPr marL="3200400" algn="l" defTabSz="914400" rtl="0" eaLnBrk="1" latinLnBrk="1" hangingPunct="1">
-                        <a:defRPr sz="1800" kern="1200">
-                          <a:solidFill>
-                            <a:schemeClr val="tx1"/>
-                          </a:solidFill>
-                          <a:latin typeface="굴림"/>
-                          <a:ea typeface="굴림"/>
-                        </a:defRPr>
-                      </a:lvl8pPr>
-                      <a:lvl9pPr marL="3657600" algn="l" defTabSz="914400" rtl="0" eaLnBrk="1" latinLnBrk="1" hangingPunct="1">
-                        <a:defRPr sz="1800" kern="1200">
-                          <a:solidFill>
-                            <a:schemeClr val="tx1"/>
-                          </a:solidFill>
-                          <a:latin typeface="굴림"/>
-                          <a:ea typeface="굴림"/>
-                        </a:defRPr>
-                      </a:lvl9pPr>
-                    </a:lstStyle>
-                    <a:p>
-                      <a:pPr marL="0" marR="0" lvl="0" indent="0" algn="ctr" defTabSz="914400" rtl="0" eaLnBrk="1" fontAlgn="base" latinLnBrk="1" hangingPunct="1">
-                        <a:lnSpc>
-                          <a:spcPct val="100000"/>
-                        </a:lnSpc>
-                        <a:spcBef>
-                          <a:spcPct val="20000"/>
-                        </a:spcBef>
-                        <a:spcAft>
-                          <a:spcPct val="0"/>
-                        </a:spcAft>
-                        <a:buClrTx/>
-                        <a:buSzTx/>
-                        <a:buFontTx/>
-                        <a:buNone/>
-                        <a:tabLst/>
-                      </a:pPr>
-                      <a:endParaRPr kumimoji="1" lang="ko-KR" altLang="ko-KR" sz="1400" b="0" i="0" u="none" strike="noStrike" cap="none" normalizeH="0" baseline="0">
-                        <a:ln>
-                          <a:noFill/>
-                        </a:ln>
-                        <a:solidFill>
-                          <a:srgbClr val="000000"/>
-                        </a:solidFill>
-                        <a:effectLst/>
-                        <a:latin typeface="HY헤드라인M" panose="02030600000101010101" pitchFamily="18" charset="-127"/>
-                        <a:ea typeface="HY헤드라인M" panose="02030600000101010101" pitchFamily="18" charset="-127"/>
-                      </a:endParaRPr>
-                    </a:p>
-                  </a:txBody>
-                  <a:tcPr marL="0" marR="0" marT="0" marB="0" anchor="ctr" horzOverflow="overflow">
-                    <a:lnL w="9525" cap="flat" cmpd="sng" algn="ctr">
-                      <a:solidFill>
-                        <a:schemeClr val="tx1"/>
-                      </a:solidFill>
-                      <a:prstDash val="solid"/>
-                      <a:round/>
-                      <a:headEnd type="none" w="med" len="med"/>
-                      <a:tailEnd type="none" w="med" len="med"/>
-                    </a:lnL>
-                    <a:lnR w="9525" cap="flat" cmpd="sng" algn="ctr">
-                      <a:solidFill>
-                        <a:schemeClr val="tx1"/>
-                      </a:solidFill>
-                      <a:prstDash val="solid"/>
-                      <a:round/>
-                      <a:headEnd type="none" w="med" len="med"/>
-                      <a:tailEnd type="none" w="med" len="med"/>
-                    </a:lnR>
-                    <a:lnT w="9525" cap="flat" cmpd="sng" algn="ctr">
-                      <a:solidFill>
-                        <a:schemeClr val="tx1"/>
-                      </a:solidFill>
-                      <a:prstDash val="solid"/>
-                      <a:round/>
-                      <a:headEnd type="none" w="med" len="med"/>
-                      <a:tailEnd type="none" w="med" len="med"/>
-                    </a:lnT>
-                    <a:lnB w="9525" cap="flat" cmpd="sng" algn="ctr">
-                      <a:solidFill>
-                        <a:schemeClr val="tx1"/>
-                      </a:solidFill>
-                      <a:prstDash val="solid"/>
-                      <a:round/>
-                      <a:headEnd type="none" w="med" len="med"/>
-                      <a:tailEnd type="none" w="med" len="med"/>
-                    </a:lnB>
-                    <a:lnTlToBr>
-                      <a:noFill/>
-                    </a:lnTlToBr>
-                    <a:lnBlToTr>
-                      <a:noFill/>
-                    </a:lnBlToTr>
-                    <a:noFill/>
-                  </a:tcPr>
-                </a:tc>
-                <a:tc>
-                  <a:txBody>
-                    <a:bodyPr/>
-                    <a:lstStyle>
-                      <a:defPPr>
-                        <a:defRPr lang="ko-KR"/>
-                      </a:defPPr>
-                      <a:lvl1pPr marL="0" algn="l" defTabSz="914400" rtl="0" eaLnBrk="1" latinLnBrk="1" hangingPunct="1">
-                        <a:defRPr sz="1800" kern="1200">
-                          <a:solidFill>
-                            <a:schemeClr val="tx1"/>
-                          </a:solidFill>
-                          <a:latin typeface="굴림"/>
-                          <a:ea typeface="굴림"/>
-                        </a:defRPr>
-                      </a:lvl1pPr>
-                      <a:lvl2pPr marL="457200" algn="l" defTabSz="914400" rtl="0" eaLnBrk="1" latinLnBrk="1" hangingPunct="1">
-                        <a:defRPr sz="1800" kern="1200">
-                          <a:solidFill>
-                            <a:schemeClr val="tx1"/>
-                          </a:solidFill>
-                          <a:latin typeface="굴림"/>
-                          <a:ea typeface="굴림"/>
-                        </a:defRPr>
-                      </a:lvl2pPr>
-                      <a:lvl3pPr marL="914400" algn="l" defTabSz="914400" rtl="0" eaLnBrk="1" latinLnBrk="1" hangingPunct="1">
-                        <a:defRPr sz="1800" kern="1200">
-                          <a:solidFill>
-                            <a:schemeClr val="tx1"/>
-                          </a:solidFill>
-                          <a:latin typeface="굴림"/>
-                          <a:ea typeface="굴림"/>
-                        </a:defRPr>
-                      </a:lvl3pPr>
-                      <a:lvl4pPr marL="1371600" algn="l" defTabSz="914400" rtl="0" eaLnBrk="1" latinLnBrk="1" hangingPunct="1">
-                        <a:defRPr sz="1800" kern="1200">
-                          <a:solidFill>
-                            <a:schemeClr val="tx1"/>
-                          </a:solidFill>
-                          <a:latin typeface="굴림"/>
-                          <a:ea typeface="굴림"/>
-                        </a:defRPr>
-                      </a:lvl4pPr>
-                      <a:lvl5pPr marL="1828800" algn="l" defTabSz="914400" rtl="0" eaLnBrk="1" latinLnBrk="1" hangingPunct="1">
-                        <a:defRPr sz="1800" kern="1200">
-                          <a:solidFill>
-                            <a:schemeClr val="tx1"/>
-                          </a:solidFill>
-                          <a:latin typeface="굴림"/>
-                          <a:ea typeface="굴림"/>
-                        </a:defRPr>
-                      </a:lvl5pPr>
-                      <a:lvl6pPr marL="2286000" algn="l" defTabSz="914400" rtl="0" eaLnBrk="1" latinLnBrk="1" hangingPunct="1">
-                        <a:defRPr sz="1800" kern="1200">
-                          <a:solidFill>
-                            <a:schemeClr val="tx1"/>
-                          </a:solidFill>
-                          <a:latin typeface="굴림"/>
-                          <a:ea typeface="굴림"/>
-                        </a:defRPr>
-                      </a:lvl6pPr>
-                      <a:lvl7pPr marL="2743200" algn="l" defTabSz="914400" rtl="0" eaLnBrk="1" latinLnBrk="1" hangingPunct="1">
-                        <a:defRPr sz="1800" kern="1200">
-                          <a:solidFill>
-                            <a:schemeClr val="tx1"/>
-                          </a:solidFill>
-                          <a:latin typeface="굴림"/>
-                          <a:ea typeface="굴림"/>
-                        </a:defRPr>
-                      </a:lvl7pPr>
-                      <a:lvl8pPr marL="3200400" algn="l" defTabSz="914400" rtl="0" eaLnBrk="1" latinLnBrk="1" hangingPunct="1">
-                        <a:defRPr sz="1800" kern="1200">
-                          <a:solidFill>
-                            <a:schemeClr val="tx1"/>
-                          </a:solidFill>
-                          <a:latin typeface="굴림"/>
-                          <a:ea typeface="굴림"/>
-                        </a:defRPr>
-                      </a:lvl8pPr>
-                      <a:lvl9pPr marL="3657600" algn="l" defTabSz="914400" rtl="0" eaLnBrk="1" latinLnBrk="1" hangingPunct="1">
-                        <a:defRPr sz="1800" kern="1200">
-                          <a:solidFill>
-                            <a:schemeClr val="tx1"/>
-                          </a:solidFill>
-                          <a:latin typeface="굴림"/>
-                          <a:ea typeface="굴림"/>
-                        </a:defRPr>
-                      </a:lvl9pPr>
-                    </a:lstStyle>
-                    <a:p>
-                      <a:pPr marL="0" marR="0" lvl="0" indent="0" algn="ctr" defTabSz="914400" rtl="0" eaLnBrk="1" fontAlgn="base" latinLnBrk="1" hangingPunct="1">
-                        <a:lnSpc>
-                          <a:spcPct val="100000"/>
-                        </a:lnSpc>
-                        <a:spcBef>
-                          <a:spcPct val="20000"/>
-                        </a:spcBef>
-                        <a:spcAft>
-                          <a:spcPct val="0"/>
-                        </a:spcAft>
-                        <a:buClrTx/>
-                        <a:buSzTx/>
-                        <a:buFontTx/>
-                        <a:buNone/>
-                        <a:tabLst/>
-                      </a:pPr>
-                      <a:endParaRPr kumimoji="1" lang="ko-KR" altLang="ko-KR" sz="1400" b="0" i="0" u="none" strike="noStrike" cap="none" normalizeH="0" baseline="0">
-                        <a:ln>
-                          <a:noFill/>
-                        </a:ln>
-                        <a:solidFill>
-                          <a:srgbClr val="000000"/>
-                        </a:solidFill>
-                        <a:effectLst/>
-                        <a:latin typeface="HY헤드라인M" panose="02030600000101010101" pitchFamily="18" charset="-127"/>
-                        <a:ea typeface="HY헤드라인M" panose="02030600000101010101" pitchFamily="18" charset="-127"/>
-                      </a:endParaRPr>
-                    </a:p>
-                  </a:txBody>
-                  <a:tcPr marL="0" marR="0" marT="0" marB="0" anchor="ctr" horzOverflow="overflow">
-                    <a:lnL w="9525" cap="flat" cmpd="sng" algn="ctr">
-                      <a:solidFill>
-                        <a:schemeClr val="tx1"/>
-                      </a:solidFill>
-                      <a:prstDash val="solid"/>
-                      <a:round/>
-                      <a:headEnd type="none" w="med" len="med"/>
-                      <a:tailEnd type="none" w="med" len="med"/>
-                    </a:lnL>
-                    <a:lnR w="9525" cap="flat" cmpd="sng" algn="ctr">
-                      <a:solidFill>
-                        <a:schemeClr val="tx1"/>
-                      </a:solidFill>
-                      <a:prstDash val="solid"/>
-                      <a:round/>
-                      <a:headEnd type="none" w="med" len="med"/>
-                      <a:tailEnd type="none" w="med" len="med"/>
-                    </a:lnR>
-                    <a:lnT w="9525" cap="flat" cmpd="sng" algn="ctr">
-                      <a:solidFill>
-                        <a:schemeClr val="tx1"/>
-                      </a:solidFill>
-                      <a:prstDash val="solid"/>
-                      <a:round/>
-                      <a:headEnd type="none" w="med" len="med"/>
-                      <a:tailEnd type="none" w="med" len="med"/>
-                    </a:lnT>
-                    <a:lnB w="9525" cap="flat" cmpd="sng" algn="ctr">
-                      <a:solidFill>
-                        <a:schemeClr val="tx1"/>
-                      </a:solidFill>
-                      <a:prstDash val="solid"/>
-                      <a:round/>
-                      <a:headEnd type="none" w="med" len="med"/>
-                      <a:tailEnd type="none" w="med" len="med"/>
-                    </a:lnB>
-                    <a:lnTlToBr>
-                      <a:noFill/>
-                    </a:lnTlToBr>
-                    <a:lnBlToTr>
-                      <a:noFill/>
-                    </a:lnBlToTr>
-                    <a:noFill/>
-                  </a:tcPr>
-                </a:tc>
-                <a:tc>
-                  <a:txBody>
-                    <a:bodyPr/>
-                    <a:lstStyle>
-                      <a:defPPr>
-                        <a:defRPr lang="ko-KR"/>
-                      </a:defPPr>
-                      <a:lvl1pPr marL="0" algn="l" defTabSz="914400" rtl="0" eaLnBrk="1" latinLnBrk="1" hangingPunct="1">
-                        <a:defRPr sz="1800" kern="1200">
-                          <a:solidFill>
-                            <a:schemeClr val="tx1"/>
-                          </a:solidFill>
-                          <a:latin typeface="굴림"/>
-                          <a:ea typeface="굴림"/>
-                        </a:defRPr>
-                      </a:lvl1pPr>
-                      <a:lvl2pPr marL="457200" algn="l" defTabSz="914400" rtl="0" eaLnBrk="1" latinLnBrk="1" hangingPunct="1">
-                        <a:defRPr sz="1800" kern="1200">
-                          <a:solidFill>
-                            <a:schemeClr val="tx1"/>
-                          </a:solidFill>
-                          <a:latin typeface="굴림"/>
-                          <a:ea typeface="굴림"/>
-                        </a:defRPr>
-                      </a:lvl2pPr>
-                      <a:lvl3pPr marL="914400" algn="l" defTabSz="914400" rtl="0" eaLnBrk="1" latinLnBrk="1" hangingPunct="1">
-                        <a:defRPr sz="1800" kern="1200">
-                          <a:solidFill>
-                            <a:schemeClr val="tx1"/>
-                          </a:solidFill>
-                          <a:latin typeface="굴림"/>
-                          <a:ea typeface="굴림"/>
-                        </a:defRPr>
-                      </a:lvl3pPr>
-                      <a:lvl4pPr marL="1371600" algn="l" defTabSz="914400" rtl="0" eaLnBrk="1" latinLnBrk="1" hangingPunct="1">
-                        <a:defRPr sz="1800" kern="1200">
-                          <a:solidFill>
-                            <a:schemeClr val="tx1"/>
-                          </a:solidFill>
-                          <a:latin typeface="굴림"/>
-                          <a:ea typeface="굴림"/>
-                        </a:defRPr>
-                      </a:lvl4pPr>
-                      <a:lvl5pPr marL="1828800" algn="l" defTabSz="914400" rtl="0" eaLnBrk="1" latinLnBrk="1" hangingPunct="1">
-                        <a:defRPr sz="1800" kern="1200">
-                          <a:solidFill>
-                            <a:schemeClr val="tx1"/>
-                          </a:solidFill>
-                          <a:latin typeface="굴림"/>
-                          <a:ea typeface="굴림"/>
-                        </a:defRPr>
-                      </a:lvl5pPr>
-                      <a:lvl6pPr marL="2286000" algn="l" defTabSz="914400" rtl="0" eaLnBrk="1" latinLnBrk="1" hangingPunct="1">
-                        <a:defRPr sz="1800" kern="1200">
-                          <a:solidFill>
-                            <a:schemeClr val="tx1"/>
-                          </a:solidFill>
-                          <a:latin typeface="굴림"/>
-                          <a:ea typeface="굴림"/>
-                        </a:defRPr>
-                      </a:lvl6pPr>
-                      <a:lvl7pPr marL="2743200" algn="l" defTabSz="914400" rtl="0" eaLnBrk="1" latinLnBrk="1" hangingPunct="1">
-                        <a:defRPr sz="1800" kern="1200">
-                          <a:solidFill>
-                            <a:schemeClr val="tx1"/>
-                          </a:solidFill>
-                          <a:latin typeface="굴림"/>
-                          <a:ea typeface="굴림"/>
-                        </a:defRPr>
-                      </a:lvl7pPr>
-                      <a:lvl8pPr marL="3200400" algn="l" defTabSz="914400" rtl="0" eaLnBrk="1" latinLnBrk="1" hangingPunct="1">
-                        <a:defRPr sz="1800" kern="1200">
-                          <a:solidFill>
-                            <a:schemeClr val="tx1"/>
-                          </a:solidFill>
-                          <a:latin typeface="굴림"/>
-                          <a:ea typeface="굴림"/>
-                        </a:defRPr>
-                      </a:lvl8pPr>
-                      <a:lvl9pPr marL="3657600" algn="l" defTabSz="914400" rtl="0" eaLnBrk="1" latinLnBrk="1" hangingPunct="1">
-                        <a:defRPr sz="1800" kern="1200">
-                          <a:solidFill>
-                            <a:schemeClr val="tx1"/>
-                          </a:solidFill>
-                          <a:latin typeface="굴림"/>
-                          <a:ea typeface="굴림"/>
-                        </a:defRPr>
-                      </a:lvl9pPr>
-                    </a:lstStyle>
-                    <a:p>
-                      <a:pPr marL="0" marR="0" lvl="0" indent="0" algn="ctr" defTabSz="914400" rtl="0" eaLnBrk="1" fontAlgn="base" latinLnBrk="1" hangingPunct="1">
-                        <a:lnSpc>
-                          <a:spcPct val="100000"/>
-                        </a:lnSpc>
-                        <a:spcBef>
-                          <a:spcPct val="20000"/>
-                        </a:spcBef>
-                        <a:spcAft>
-                          <a:spcPct val="0"/>
-                        </a:spcAft>
-                        <a:buClrTx/>
-                        <a:buSzTx/>
-                        <a:buFontTx/>
-                        <a:buNone/>
-                        <a:tabLst/>
-                      </a:pPr>
-                      <a:endParaRPr kumimoji="1" lang="ko-KR" altLang="ko-KR" sz="1400" b="0" i="0" u="none" strike="noStrike" cap="none" normalizeH="0" baseline="0">
-                        <a:ln>
-                          <a:noFill/>
-                        </a:ln>
-                        <a:solidFill>
-                          <a:srgbClr val="000000"/>
-                        </a:solidFill>
-                        <a:effectLst/>
-                        <a:latin typeface="HY헤드라인M" panose="02030600000101010101" pitchFamily="18" charset="-127"/>
-                        <a:ea typeface="HY헤드라인M" panose="02030600000101010101" pitchFamily="18" charset="-127"/>
-                      </a:endParaRPr>
-                    </a:p>
-                  </a:txBody>
-                  <a:tcPr marL="0" marR="0" marT="0" marB="0" anchor="ctr" horzOverflow="overflow">
-                    <a:lnL w="9525" cap="flat" cmpd="sng" algn="ctr">
-                      <a:solidFill>
-                        <a:schemeClr val="tx1"/>
-                      </a:solidFill>
-                      <a:prstDash val="solid"/>
-                      <a:round/>
-                      <a:headEnd type="none" w="med" len="med"/>
-                      <a:tailEnd type="none" w="med" len="med"/>
-                    </a:lnL>
-                    <a:lnR w="9525" cap="flat" cmpd="sng" algn="ctr">
-                      <a:solidFill>
-                        <a:schemeClr val="tx1"/>
-                      </a:solidFill>
-                      <a:prstDash val="solid"/>
-                      <a:round/>
-                      <a:headEnd type="none" w="med" len="med"/>
-                      <a:tailEnd type="none" w="med" len="med"/>
-                    </a:lnR>
-                    <a:lnT w="9525" cap="flat" cmpd="sng" algn="ctr">
-                      <a:solidFill>
-                        <a:schemeClr val="tx1"/>
-                      </a:solidFill>
-                      <a:prstDash val="solid"/>
-                      <a:round/>
-                      <a:headEnd type="none" w="med" len="med"/>
-                      <a:tailEnd type="none" w="med" len="med"/>
-                    </a:lnT>
-                    <a:lnB w="9525" cap="flat" cmpd="sng" algn="ctr">
-                      <a:solidFill>
-                        <a:schemeClr val="tx1"/>
-                      </a:solidFill>
-                      <a:prstDash val="solid"/>
-                      <a:round/>
-                      <a:headEnd type="none" w="med" len="med"/>
-                      <a:tailEnd type="none" w="med" len="med"/>
-                    </a:lnB>
-                    <a:lnTlToBr>
-                      <a:noFill/>
-                    </a:lnTlToBr>
-                    <a:lnBlToTr>
-                      <a:noFill/>
-                    </a:lnBlToTr>
-                    <a:noFill/>
                   </a:tcPr>
                 </a:tc>
                 <a:tc>
@@ -19582,8 +19089,503 @@
                           <a:srgbClr val="000000"/>
                         </a:solidFill>
                         <a:effectLst/>
-                        <a:latin typeface="HY헤드라인M" panose="02030600000101010101" pitchFamily="18" charset="-127"/>
-                        <a:ea typeface="HY헤드라인M" panose="02030600000101010101" pitchFamily="18" charset="-127"/>
+                        <a:latin typeface="HY견고딕" panose="02030600000101010101" pitchFamily="18" charset="-127"/>
+                        <a:ea typeface="HY견고딕" panose="02030600000101010101" pitchFamily="18" charset="-127"/>
+                      </a:endParaRPr>
+                    </a:p>
+                  </a:txBody>
+                  <a:tcPr marL="0" marR="0" marT="0" marB="0" anchor="ctr" horzOverflow="overflow">
+                    <a:lnL w="9525" cap="flat" cmpd="sng" algn="ctr">
+                      <a:solidFill>
+                        <a:schemeClr val="tx1"/>
+                      </a:solidFill>
+                      <a:prstDash val="solid"/>
+                      <a:round/>
+                      <a:headEnd type="none" w="med" len="med"/>
+                      <a:tailEnd type="none" w="med" len="med"/>
+                    </a:lnL>
+                    <a:lnR w="9525" cap="flat" cmpd="sng" algn="ctr">
+                      <a:solidFill>
+                        <a:schemeClr val="tx1"/>
+                      </a:solidFill>
+                      <a:prstDash val="solid"/>
+                      <a:round/>
+                      <a:headEnd type="none" w="med" len="med"/>
+                      <a:tailEnd type="none" w="med" len="med"/>
+                    </a:lnR>
+                    <a:lnT w="9525" cap="flat" cmpd="sng" algn="ctr">
+                      <a:solidFill>
+                        <a:schemeClr val="tx1"/>
+                      </a:solidFill>
+                      <a:prstDash val="solid"/>
+                      <a:round/>
+                      <a:headEnd type="none" w="med" len="med"/>
+                      <a:tailEnd type="none" w="med" len="med"/>
+                    </a:lnT>
+                    <a:lnB w="9525" cap="flat" cmpd="sng" algn="ctr">
+                      <a:solidFill>
+                        <a:schemeClr val="tx1"/>
+                      </a:solidFill>
+                      <a:prstDash val="solid"/>
+                      <a:round/>
+                      <a:headEnd type="none" w="med" len="med"/>
+                      <a:tailEnd type="none" w="med" len="med"/>
+                    </a:lnB>
+                    <a:lnTlToBr>
+                      <a:noFill/>
+                    </a:lnTlToBr>
+                    <a:lnBlToTr>
+                      <a:noFill/>
+                    </a:lnBlToTr>
+                    <a:noFill/>
+                  </a:tcPr>
+                </a:tc>
+                <a:tc>
+                  <a:txBody>
+                    <a:bodyPr/>
+                    <a:lstStyle>
+                      <a:defPPr>
+                        <a:defRPr lang="ko-KR"/>
+                      </a:defPPr>
+                      <a:lvl1pPr marL="0" algn="l" defTabSz="914400" rtl="0" eaLnBrk="1" latinLnBrk="1" hangingPunct="1">
+                        <a:defRPr sz="1800" kern="1200">
+                          <a:solidFill>
+                            <a:schemeClr val="tx1"/>
+                          </a:solidFill>
+                          <a:latin typeface="굴림"/>
+                          <a:ea typeface="굴림"/>
+                        </a:defRPr>
+                      </a:lvl1pPr>
+                      <a:lvl2pPr marL="457200" algn="l" defTabSz="914400" rtl="0" eaLnBrk="1" latinLnBrk="1" hangingPunct="1">
+                        <a:defRPr sz="1800" kern="1200">
+                          <a:solidFill>
+                            <a:schemeClr val="tx1"/>
+                          </a:solidFill>
+                          <a:latin typeface="굴림"/>
+                          <a:ea typeface="굴림"/>
+                        </a:defRPr>
+                      </a:lvl2pPr>
+                      <a:lvl3pPr marL="914400" algn="l" defTabSz="914400" rtl="0" eaLnBrk="1" latinLnBrk="1" hangingPunct="1">
+                        <a:defRPr sz="1800" kern="1200">
+                          <a:solidFill>
+                            <a:schemeClr val="tx1"/>
+                          </a:solidFill>
+                          <a:latin typeface="굴림"/>
+                          <a:ea typeface="굴림"/>
+                        </a:defRPr>
+                      </a:lvl3pPr>
+                      <a:lvl4pPr marL="1371600" algn="l" defTabSz="914400" rtl="0" eaLnBrk="1" latinLnBrk="1" hangingPunct="1">
+                        <a:defRPr sz="1800" kern="1200">
+                          <a:solidFill>
+                            <a:schemeClr val="tx1"/>
+                          </a:solidFill>
+                          <a:latin typeface="굴림"/>
+                          <a:ea typeface="굴림"/>
+                        </a:defRPr>
+                      </a:lvl4pPr>
+                      <a:lvl5pPr marL="1828800" algn="l" defTabSz="914400" rtl="0" eaLnBrk="1" latinLnBrk="1" hangingPunct="1">
+                        <a:defRPr sz="1800" kern="1200">
+                          <a:solidFill>
+                            <a:schemeClr val="tx1"/>
+                          </a:solidFill>
+                          <a:latin typeface="굴림"/>
+                          <a:ea typeface="굴림"/>
+                        </a:defRPr>
+                      </a:lvl5pPr>
+                      <a:lvl6pPr marL="2286000" algn="l" defTabSz="914400" rtl="0" eaLnBrk="1" latinLnBrk="1" hangingPunct="1">
+                        <a:defRPr sz="1800" kern="1200">
+                          <a:solidFill>
+                            <a:schemeClr val="tx1"/>
+                          </a:solidFill>
+                          <a:latin typeface="굴림"/>
+                          <a:ea typeface="굴림"/>
+                        </a:defRPr>
+                      </a:lvl6pPr>
+                      <a:lvl7pPr marL="2743200" algn="l" defTabSz="914400" rtl="0" eaLnBrk="1" latinLnBrk="1" hangingPunct="1">
+                        <a:defRPr sz="1800" kern="1200">
+                          <a:solidFill>
+                            <a:schemeClr val="tx1"/>
+                          </a:solidFill>
+                          <a:latin typeface="굴림"/>
+                          <a:ea typeface="굴림"/>
+                        </a:defRPr>
+                      </a:lvl7pPr>
+                      <a:lvl8pPr marL="3200400" algn="l" defTabSz="914400" rtl="0" eaLnBrk="1" latinLnBrk="1" hangingPunct="1">
+                        <a:defRPr sz="1800" kern="1200">
+                          <a:solidFill>
+                            <a:schemeClr val="tx1"/>
+                          </a:solidFill>
+                          <a:latin typeface="굴림"/>
+                          <a:ea typeface="굴림"/>
+                        </a:defRPr>
+                      </a:lvl8pPr>
+                      <a:lvl9pPr marL="3657600" algn="l" defTabSz="914400" rtl="0" eaLnBrk="1" latinLnBrk="1" hangingPunct="1">
+                        <a:defRPr sz="1800" kern="1200">
+                          <a:solidFill>
+                            <a:schemeClr val="tx1"/>
+                          </a:solidFill>
+                          <a:latin typeface="굴림"/>
+                          <a:ea typeface="굴림"/>
+                        </a:defRPr>
+                      </a:lvl9pPr>
+                    </a:lstStyle>
+                    <a:p>
+                      <a:pPr marL="0" marR="0" lvl="0" indent="0" algn="ctr" defTabSz="914400" rtl="0" eaLnBrk="1" fontAlgn="base" latinLnBrk="1" hangingPunct="1">
+                        <a:lnSpc>
+                          <a:spcPct val="100000"/>
+                        </a:lnSpc>
+                        <a:spcBef>
+                          <a:spcPct val="20000"/>
+                        </a:spcBef>
+                        <a:spcAft>
+                          <a:spcPct val="0"/>
+                        </a:spcAft>
+                        <a:buClrTx/>
+                        <a:buSzTx/>
+                        <a:buFontTx/>
+                        <a:buNone/>
+                        <a:tabLst/>
+                      </a:pPr>
+                      <a:endParaRPr kumimoji="1" lang="ko-KR" altLang="ko-KR" sz="1400" b="0" i="0" u="none" strike="noStrike" cap="none" normalizeH="0" baseline="0" dirty="0">
+                        <a:ln>
+                          <a:noFill/>
+                        </a:ln>
+                        <a:solidFill>
+                          <a:srgbClr val="000000"/>
+                        </a:solidFill>
+                        <a:effectLst/>
+                        <a:latin typeface="HY견고딕" panose="02030600000101010101" pitchFamily="18" charset="-127"/>
+                        <a:ea typeface="HY견고딕" panose="02030600000101010101" pitchFamily="18" charset="-127"/>
+                      </a:endParaRPr>
+                    </a:p>
+                  </a:txBody>
+                  <a:tcPr marL="0" marR="0" marT="0" marB="0" anchor="ctr" horzOverflow="overflow">
+                    <a:lnL w="9525" cap="flat" cmpd="sng" algn="ctr">
+                      <a:solidFill>
+                        <a:schemeClr val="tx1"/>
+                      </a:solidFill>
+                      <a:prstDash val="solid"/>
+                      <a:round/>
+                      <a:headEnd type="none" w="med" len="med"/>
+                      <a:tailEnd type="none" w="med" len="med"/>
+                    </a:lnL>
+                    <a:lnR w="9525" cap="flat" cmpd="sng" algn="ctr">
+                      <a:solidFill>
+                        <a:schemeClr val="tx1"/>
+                      </a:solidFill>
+                      <a:prstDash val="solid"/>
+                      <a:round/>
+                      <a:headEnd type="none" w="med" len="med"/>
+                      <a:tailEnd type="none" w="med" len="med"/>
+                    </a:lnR>
+                    <a:lnT w="9525" cap="flat" cmpd="sng" algn="ctr">
+                      <a:solidFill>
+                        <a:schemeClr val="tx1"/>
+                      </a:solidFill>
+                      <a:prstDash val="solid"/>
+                      <a:round/>
+                      <a:headEnd type="none" w="med" len="med"/>
+                      <a:tailEnd type="none" w="med" len="med"/>
+                    </a:lnT>
+                    <a:lnB w="9525" cap="flat" cmpd="sng" algn="ctr">
+                      <a:solidFill>
+                        <a:schemeClr val="tx1"/>
+                      </a:solidFill>
+                      <a:prstDash val="solid"/>
+                      <a:round/>
+                      <a:headEnd type="none" w="med" len="med"/>
+                      <a:tailEnd type="none" w="med" len="med"/>
+                    </a:lnB>
+                    <a:lnTlToBr>
+                      <a:noFill/>
+                    </a:lnTlToBr>
+                    <a:lnBlToTr>
+                      <a:noFill/>
+                    </a:lnBlToTr>
+                    <a:noFill/>
+                  </a:tcPr>
+                </a:tc>
+                <a:tc>
+                  <a:txBody>
+                    <a:bodyPr/>
+                    <a:lstStyle>
+                      <a:defPPr>
+                        <a:defRPr lang="ko-KR"/>
+                      </a:defPPr>
+                      <a:lvl1pPr marL="0" algn="l" defTabSz="914400" rtl="0" eaLnBrk="1" latinLnBrk="1" hangingPunct="1">
+                        <a:defRPr sz="1800" kern="1200">
+                          <a:solidFill>
+                            <a:schemeClr val="tx1"/>
+                          </a:solidFill>
+                          <a:latin typeface="굴림"/>
+                          <a:ea typeface="굴림"/>
+                        </a:defRPr>
+                      </a:lvl1pPr>
+                      <a:lvl2pPr marL="457200" algn="l" defTabSz="914400" rtl="0" eaLnBrk="1" latinLnBrk="1" hangingPunct="1">
+                        <a:defRPr sz="1800" kern="1200">
+                          <a:solidFill>
+                            <a:schemeClr val="tx1"/>
+                          </a:solidFill>
+                          <a:latin typeface="굴림"/>
+                          <a:ea typeface="굴림"/>
+                        </a:defRPr>
+                      </a:lvl2pPr>
+                      <a:lvl3pPr marL="914400" algn="l" defTabSz="914400" rtl="0" eaLnBrk="1" latinLnBrk="1" hangingPunct="1">
+                        <a:defRPr sz="1800" kern="1200">
+                          <a:solidFill>
+                            <a:schemeClr val="tx1"/>
+                          </a:solidFill>
+                          <a:latin typeface="굴림"/>
+                          <a:ea typeface="굴림"/>
+                        </a:defRPr>
+                      </a:lvl3pPr>
+                      <a:lvl4pPr marL="1371600" algn="l" defTabSz="914400" rtl="0" eaLnBrk="1" latinLnBrk="1" hangingPunct="1">
+                        <a:defRPr sz="1800" kern="1200">
+                          <a:solidFill>
+                            <a:schemeClr val="tx1"/>
+                          </a:solidFill>
+                          <a:latin typeface="굴림"/>
+                          <a:ea typeface="굴림"/>
+                        </a:defRPr>
+                      </a:lvl4pPr>
+                      <a:lvl5pPr marL="1828800" algn="l" defTabSz="914400" rtl="0" eaLnBrk="1" latinLnBrk="1" hangingPunct="1">
+                        <a:defRPr sz="1800" kern="1200">
+                          <a:solidFill>
+                            <a:schemeClr val="tx1"/>
+                          </a:solidFill>
+                          <a:latin typeface="굴림"/>
+                          <a:ea typeface="굴림"/>
+                        </a:defRPr>
+                      </a:lvl5pPr>
+                      <a:lvl6pPr marL="2286000" algn="l" defTabSz="914400" rtl="0" eaLnBrk="1" latinLnBrk="1" hangingPunct="1">
+                        <a:defRPr sz="1800" kern="1200">
+                          <a:solidFill>
+                            <a:schemeClr val="tx1"/>
+                          </a:solidFill>
+                          <a:latin typeface="굴림"/>
+                          <a:ea typeface="굴림"/>
+                        </a:defRPr>
+                      </a:lvl6pPr>
+                      <a:lvl7pPr marL="2743200" algn="l" defTabSz="914400" rtl="0" eaLnBrk="1" latinLnBrk="1" hangingPunct="1">
+                        <a:defRPr sz="1800" kern="1200">
+                          <a:solidFill>
+                            <a:schemeClr val="tx1"/>
+                          </a:solidFill>
+                          <a:latin typeface="굴림"/>
+                          <a:ea typeface="굴림"/>
+                        </a:defRPr>
+                      </a:lvl7pPr>
+                      <a:lvl8pPr marL="3200400" algn="l" defTabSz="914400" rtl="0" eaLnBrk="1" latinLnBrk="1" hangingPunct="1">
+                        <a:defRPr sz="1800" kern="1200">
+                          <a:solidFill>
+                            <a:schemeClr val="tx1"/>
+                          </a:solidFill>
+                          <a:latin typeface="굴림"/>
+                          <a:ea typeface="굴림"/>
+                        </a:defRPr>
+                      </a:lvl8pPr>
+                      <a:lvl9pPr marL="3657600" algn="l" defTabSz="914400" rtl="0" eaLnBrk="1" latinLnBrk="1" hangingPunct="1">
+                        <a:defRPr sz="1800" kern="1200">
+                          <a:solidFill>
+                            <a:schemeClr val="tx1"/>
+                          </a:solidFill>
+                          <a:latin typeface="굴림"/>
+                          <a:ea typeface="굴림"/>
+                        </a:defRPr>
+                      </a:lvl9pPr>
+                    </a:lstStyle>
+                    <a:p>
+                      <a:pPr marL="0" marR="0" lvl="0" indent="0" algn="ctr" defTabSz="914400" rtl="0" eaLnBrk="1" fontAlgn="base" latinLnBrk="1" hangingPunct="1">
+                        <a:lnSpc>
+                          <a:spcPct val="100000"/>
+                        </a:lnSpc>
+                        <a:spcBef>
+                          <a:spcPct val="20000"/>
+                        </a:spcBef>
+                        <a:spcAft>
+                          <a:spcPct val="0"/>
+                        </a:spcAft>
+                        <a:buClrTx/>
+                        <a:buSzTx/>
+                        <a:buFontTx/>
+                        <a:buNone/>
+                        <a:tabLst/>
+                      </a:pPr>
+                      <a:endParaRPr kumimoji="1" lang="ko-KR" altLang="ko-KR" sz="1400" b="0" i="0" u="none" strike="noStrike" cap="none" normalizeH="0" baseline="0" dirty="0">
+                        <a:ln>
+                          <a:noFill/>
+                        </a:ln>
+                        <a:solidFill>
+                          <a:srgbClr val="000000"/>
+                        </a:solidFill>
+                        <a:effectLst/>
+                        <a:latin typeface="HY견고딕" panose="02030600000101010101" pitchFamily="18" charset="-127"/>
+                        <a:ea typeface="HY견고딕" panose="02030600000101010101" pitchFamily="18" charset="-127"/>
+                      </a:endParaRPr>
+                    </a:p>
+                  </a:txBody>
+                  <a:tcPr marL="0" marR="0" marT="0" marB="0" anchor="ctr" horzOverflow="overflow">
+                    <a:lnL w="9525" cap="flat" cmpd="sng" algn="ctr">
+                      <a:solidFill>
+                        <a:schemeClr val="tx1"/>
+                      </a:solidFill>
+                      <a:prstDash val="solid"/>
+                      <a:round/>
+                      <a:headEnd type="none" w="med" len="med"/>
+                      <a:tailEnd type="none" w="med" len="med"/>
+                    </a:lnL>
+                    <a:lnR w="9525" cap="flat" cmpd="sng" algn="ctr">
+                      <a:solidFill>
+                        <a:schemeClr val="tx1"/>
+                      </a:solidFill>
+                      <a:prstDash val="solid"/>
+                      <a:round/>
+                      <a:headEnd type="none" w="med" len="med"/>
+                      <a:tailEnd type="none" w="med" len="med"/>
+                    </a:lnR>
+                    <a:lnT w="9525" cap="flat" cmpd="sng" algn="ctr">
+                      <a:solidFill>
+                        <a:schemeClr val="tx1"/>
+                      </a:solidFill>
+                      <a:prstDash val="solid"/>
+                      <a:round/>
+                      <a:headEnd type="none" w="med" len="med"/>
+                      <a:tailEnd type="none" w="med" len="med"/>
+                    </a:lnT>
+                    <a:lnB w="9525" cap="flat" cmpd="sng" algn="ctr">
+                      <a:solidFill>
+                        <a:schemeClr val="tx1"/>
+                      </a:solidFill>
+                      <a:prstDash val="solid"/>
+                      <a:round/>
+                      <a:headEnd type="none" w="med" len="med"/>
+                      <a:tailEnd type="none" w="med" len="med"/>
+                    </a:lnB>
+                    <a:lnTlToBr>
+                      <a:noFill/>
+                    </a:lnTlToBr>
+                    <a:lnBlToTr>
+                      <a:noFill/>
+                    </a:lnBlToTr>
+                    <a:noFill/>
+                  </a:tcPr>
+                </a:tc>
+                <a:tc>
+                  <a:txBody>
+                    <a:bodyPr/>
+                    <a:lstStyle>
+                      <a:defPPr>
+                        <a:defRPr lang="ko-KR"/>
+                      </a:defPPr>
+                      <a:lvl1pPr marL="0" algn="l" defTabSz="914400" rtl="0" eaLnBrk="1" latinLnBrk="1" hangingPunct="1">
+                        <a:defRPr sz="1800" kern="1200">
+                          <a:solidFill>
+                            <a:schemeClr val="tx1"/>
+                          </a:solidFill>
+                          <a:latin typeface="굴림"/>
+                          <a:ea typeface="굴림"/>
+                        </a:defRPr>
+                      </a:lvl1pPr>
+                      <a:lvl2pPr marL="457200" algn="l" defTabSz="914400" rtl="0" eaLnBrk="1" latinLnBrk="1" hangingPunct="1">
+                        <a:defRPr sz="1800" kern="1200">
+                          <a:solidFill>
+                            <a:schemeClr val="tx1"/>
+                          </a:solidFill>
+                          <a:latin typeface="굴림"/>
+                          <a:ea typeface="굴림"/>
+                        </a:defRPr>
+                      </a:lvl2pPr>
+                      <a:lvl3pPr marL="914400" algn="l" defTabSz="914400" rtl="0" eaLnBrk="1" latinLnBrk="1" hangingPunct="1">
+                        <a:defRPr sz="1800" kern="1200">
+                          <a:solidFill>
+                            <a:schemeClr val="tx1"/>
+                          </a:solidFill>
+                          <a:latin typeface="굴림"/>
+                          <a:ea typeface="굴림"/>
+                        </a:defRPr>
+                      </a:lvl3pPr>
+                      <a:lvl4pPr marL="1371600" algn="l" defTabSz="914400" rtl="0" eaLnBrk="1" latinLnBrk="1" hangingPunct="1">
+                        <a:defRPr sz="1800" kern="1200">
+                          <a:solidFill>
+                            <a:schemeClr val="tx1"/>
+                          </a:solidFill>
+                          <a:latin typeface="굴림"/>
+                          <a:ea typeface="굴림"/>
+                        </a:defRPr>
+                      </a:lvl4pPr>
+                      <a:lvl5pPr marL="1828800" algn="l" defTabSz="914400" rtl="0" eaLnBrk="1" latinLnBrk="1" hangingPunct="1">
+                        <a:defRPr sz="1800" kern="1200">
+                          <a:solidFill>
+                            <a:schemeClr val="tx1"/>
+                          </a:solidFill>
+                          <a:latin typeface="굴림"/>
+                          <a:ea typeface="굴림"/>
+                        </a:defRPr>
+                      </a:lvl5pPr>
+                      <a:lvl6pPr marL="2286000" algn="l" defTabSz="914400" rtl="0" eaLnBrk="1" latinLnBrk="1" hangingPunct="1">
+                        <a:defRPr sz="1800" kern="1200">
+                          <a:solidFill>
+                            <a:schemeClr val="tx1"/>
+                          </a:solidFill>
+                          <a:latin typeface="굴림"/>
+                          <a:ea typeface="굴림"/>
+                        </a:defRPr>
+                      </a:lvl6pPr>
+                      <a:lvl7pPr marL="2743200" algn="l" defTabSz="914400" rtl="0" eaLnBrk="1" latinLnBrk="1" hangingPunct="1">
+                        <a:defRPr sz="1800" kern="1200">
+                          <a:solidFill>
+                            <a:schemeClr val="tx1"/>
+                          </a:solidFill>
+                          <a:latin typeface="굴림"/>
+                          <a:ea typeface="굴림"/>
+                        </a:defRPr>
+                      </a:lvl7pPr>
+                      <a:lvl8pPr marL="3200400" algn="l" defTabSz="914400" rtl="0" eaLnBrk="1" latinLnBrk="1" hangingPunct="1">
+                        <a:defRPr sz="1800" kern="1200">
+                          <a:solidFill>
+                            <a:schemeClr val="tx1"/>
+                          </a:solidFill>
+                          <a:latin typeface="굴림"/>
+                          <a:ea typeface="굴림"/>
+                        </a:defRPr>
+                      </a:lvl8pPr>
+                      <a:lvl9pPr marL="3657600" algn="l" defTabSz="914400" rtl="0" eaLnBrk="1" latinLnBrk="1" hangingPunct="1">
+                        <a:defRPr sz="1800" kern="1200">
+                          <a:solidFill>
+                            <a:schemeClr val="tx1"/>
+                          </a:solidFill>
+                          <a:latin typeface="굴림"/>
+                          <a:ea typeface="굴림"/>
+                        </a:defRPr>
+                      </a:lvl9pPr>
+                    </a:lstStyle>
+                    <a:p>
+                      <a:pPr marL="0" marR="0" lvl="0" indent="0" algn="ctr" defTabSz="914400" rtl="0" eaLnBrk="1" fontAlgn="base" latinLnBrk="1" hangingPunct="1">
+                        <a:lnSpc>
+                          <a:spcPct val="100000"/>
+                        </a:lnSpc>
+                        <a:spcBef>
+                          <a:spcPct val="20000"/>
+                        </a:spcBef>
+                        <a:spcAft>
+                          <a:spcPct val="0"/>
+                        </a:spcAft>
+                        <a:buClrTx/>
+                        <a:buSzTx/>
+                        <a:buFontTx/>
+                        <a:buNone/>
+                        <a:tabLst/>
+                      </a:pPr>
+                      <a:endParaRPr kumimoji="1" lang="ko-KR" altLang="ko-KR" sz="1400" b="0" i="0" u="none" strike="noStrike" cap="none" normalizeH="0" baseline="0" dirty="0">
+                        <a:ln>
+                          <a:noFill/>
+                        </a:ln>
+                        <a:solidFill>
+                          <a:srgbClr val="000000"/>
+                        </a:solidFill>
+                        <a:effectLst/>
+                        <a:latin typeface="HY견고딕" panose="02030600000101010101" pitchFamily="18" charset="-127"/>
+                        <a:ea typeface="HY견고딕" panose="02030600000101010101" pitchFamily="18" charset="-127"/>
                       </a:endParaRPr>
                     </a:p>
                   </a:txBody>
@@ -19748,8 +19750,8 @@
                             <a:srgbClr val="000000"/>
                           </a:solidFill>
                           <a:effectLst/>
-                          <a:latin typeface="HY헤드라인M" panose="02030600000101010101" pitchFamily="18" charset="-127"/>
-                          <a:ea typeface="HY헤드라인M" panose="02030600000101010101" pitchFamily="18" charset="-127"/>
+                          <a:latin typeface="HY견고딕" panose="02030600000101010101" pitchFamily="18" charset="-127"/>
+                          <a:ea typeface="HY견고딕" panose="02030600000101010101" pitchFamily="18" charset="-127"/>
                         </a:rPr>
                         <a:t>Javascript</a:t>
                       </a:r>
@@ -19762,8 +19764,8 @@
                             <a:srgbClr val="000000"/>
                           </a:solidFill>
                           <a:effectLst/>
-                          <a:latin typeface="HY헤드라인M" panose="02030600000101010101" pitchFamily="18" charset="-127"/>
-                          <a:ea typeface="HY헤드라인M" panose="02030600000101010101" pitchFamily="18" charset="-127"/>
+                          <a:latin typeface="HY견고딕" panose="02030600000101010101" pitchFamily="18" charset="-127"/>
+                          <a:ea typeface="HY견고딕" panose="02030600000101010101" pitchFamily="18" charset="-127"/>
                         </a:rPr>
                         <a:t>, CSS, Html</a:t>
                       </a:r>
@@ -20912,7 +20914,7 @@
           <p:nvPr/>
         </p:nvPicPr>
         <p:blipFill>
-          <a:blip r:embed="rId2">
+          <a:blip r:embed="rId2" cstate="print">
             <a:extLst>
               <a:ext uri="{28A0092B-C50C-407E-A947-70E740481C1C}">
                 <a14:useLocalDpi xmlns:a14="http://schemas.microsoft.com/office/drawing/2010/main" val="0"/>
@@ -20948,7 +20950,7 @@
           <p:nvPr/>
         </p:nvPicPr>
         <p:blipFill>
-          <a:blip r:embed="rId3">
+          <a:blip r:embed="rId3" cstate="print">
             <a:extLst>
               <a:ext uri="{28A0092B-C50C-407E-A947-70E740481C1C}">
                 <a14:useLocalDpi xmlns:a14="http://schemas.microsoft.com/office/drawing/2010/main" val="0"/>
@@ -21055,14 +21057,14 @@
 </file>
 
 <file path=ppt/theme/theme1.xml><?xml version="1.0" encoding="utf-8"?>
-<a:theme xmlns:r="http://schemas.openxmlformats.org/officeDocument/2006/relationships" xmlns:c="http://schemas.openxmlformats.org/drawingml/2006/chart" xmlns:dgm="http://schemas.openxmlformats.org/drawingml/2006/diagram" xmlns:dsp="http://schemas.microsoft.com/office/drawing/2008/diagram" xmlns:a="http://schemas.openxmlformats.org/drawingml/2006/main" xmlns:pic="http://schemas.openxmlformats.org/drawingml/2006/picture" xmlns:wp="http://schemas.openxmlformats.org/drawingml/2006/wordprocessingDrawing" xmlns:xdr="http://schemas.openxmlformats.org/drawingml/2006/spreadsheetDrawing" xmlns:lc="http://schemas.openxmlformats.org/drawingml/2006/lockedCanvas" xmlns:p="http://schemas.openxmlformats.org/presentationml/2006/main" name="B172">
+<a:theme xmlns:a="http://schemas.openxmlformats.org/drawingml/2006/main" name="B172">
   <a:themeElements>
     <a:clrScheme name="B172 2">
       <a:dk1>
         <a:srgbClr val="000000"/>
       </a:dk1>
       <a:lt1>
-        <a:srgbClr val="ffffff"/>
+        <a:srgbClr val="FFFFFF"/>
       </a:lt1>
       <a:dk2>
         <a:srgbClr val="000000"/>
@@ -21071,28 +21073,28 @@
         <a:srgbClr val="808080"/>
       </a:lt2>
       <a:accent1>
-        <a:srgbClr val="00cc99"/>
+        <a:srgbClr val="00CC99"/>
       </a:accent1>
       <a:accent2>
-        <a:srgbClr val="3333cc"/>
+        <a:srgbClr val="3333CC"/>
       </a:accent2>
       <a:accent3>
-        <a:srgbClr val="ffffff"/>
+        <a:srgbClr val="FFFFFF"/>
       </a:accent3>
       <a:accent4>
         <a:srgbClr val="000000"/>
       </a:accent4>
       <a:accent5>
-        <a:srgbClr val="aae2ca"/>
+        <a:srgbClr val="AAE2CA"/>
       </a:accent5>
       <a:accent6>
-        <a:srgbClr val="2d2db9"/>
+        <a:srgbClr val="2D2DB9"/>
       </a:accent6>
       <a:hlink>
-        <a:srgbClr val="ccccff"/>
+        <a:srgbClr val="CCCCFF"/>
       </a:hlink>
       <a:folHlink>
-        <a:srgbClr val="b2b2b2"/>
+        <a:srgbClr val="B2B2B2"/>
       </a:folHlink>
     </a:clrScheme>
     <a:fontScheme name="B172">
@@ -21245,5 +21247,7 @@
       </a:bgFillStyleLst>
     </a:fmtScheme>
   </a:themeElements>
+  <a:objectDefaults/>
+  <a:extraClrSchemeLst/>
 </a:theme>
 </file>